--- a/Thư mục ảnh đi kèm/Ve hinh.pptx
+++ b/Thư mục ảnh đi kèm/Ve hinh.pptx
@@ -104,6 +104,11 @@
       </a:defRPr>
     </a:lvl9pPr>
   </p:defaultTextStyle>
+  <p:extLst>
+    <p:ext uri="{EFAFB233-063F-42B5-8137-9DF3F51BA10A}">
+      <p15:sldGuideLst xmlns:p15="http://schemas.microsoft.com/office/powerpoint/2012/main"/>
+    </p:ext>
+  </p:extLst>
 </p:presentation>
 </file>
 
@@ -238,7 +243,7 @@
           <a:p>
             <a:fld id="{63222CC9-268F-4509-9C30-66055B1EF683}" type="datetimeFigureOut">
               <a:rPr lang="en-US" smtClean="0"/>
-              <a:t>10/5/2021</a:t>
+              <a:t>10/6/2021</a:t>
             </a:fld>
             <a:endParaRPr lang="en-US"/>
           </a:p>
@@ -408,7 +413,7 @@
           <a:p>
             <a:fld id="{63222CC9-268F-4509-9C30-66055B1EF683}" type="datetimeFigureOut">
               <a:rPr lang="en-US" smtClean="0"/>
-              <a:t>10/5/2021</a:t>
+              <a:t>10/6/2021</a:t>
             </a:fld>
             <a:endParaRPr lang="en-US"/>
           </a:p>
@@ -588,7 +593,7 @@
           <a:p>
             <a:fld id="{63222CC9-268F-4509-9C30-66055B1EF683}" type="datetimeFigureOut">
               <a:rPr lang="en-US" smtClean="0"/>
-              <a:t>10/5/2021</a:t>
+              <a:t>10/6/2021</a:t>
             </a:fld>
             <a:endParaRPr lang="en-US"/>
           </a:p>
@@ -758,7 +763,7 @@
           <a:p>
             <a:fld id="{63222CC9-268F-4509-9C30-66055B1EF683}" type="datetimeFigureOut">
               <a:rPr lang="en-US" smtClean="0"/>
-              <a:t>10/5/2021</a:t>
+              <a:t>10/6/2021</a:t>
             </a:fld>
             <a:endParaRPr lang="en-US"/>
           </a:p>
@@ -1004,7 +1009,7 @@
           <a:p>
             <a:fld id="{63222CC9-268F-4509-9C30-66055B1EF683}" type="datetimeFigureOut">
               <a:rPr lang="en-US" smtClean="0"/>
-              <a:t>10/5/2021</a:t>
+              <a:t>10/6/2021</a:t>
             </a:fld>
             <a:endParaRPr lang="en-US"/>
           </a:p>
@@ -1236,7 +1241,7 @@
           <a:p>
             <a:fld id="{63222CC9-268F-4509-9C30-66055B1EF683}" type="datetimeFigureOut">
               <a:rPr lang="en-US" smtClean="0"/>
-              <a:t>10/5/2021</a:t>
+              <a:t>10/6/2021</a:t>
             </a:fld>
             <a:endParaRPr lang="en-US"/>
           </a:p>
@@ -1603,7 +1608,7 @@
           <a:p>
             <a:fld id="{63222CC9-268F-4509-9C30-66055B1EF683}" type="datetimeFigureOut">
               <a:rPr lang="en-US" smtClean="0"/>
-              <a:t>10/5/2021</a:t>
+              <a:t>10/6/2021</a:t>
             </a:fld>
             <a:endParaRPr lang="en-US"/>
           </a:p>
@@ -1721,7 +1726,7 @@
           <a:p>
             <a:fld id="{63222CC9-268F-4509-9C30-66055B1EF683}" type="datetimeFigureOut">
               <a:rPr lang="en-US" smtClean="0"/>
-              <a:t>10/5/2021</a:t>
+              <a:t>10/6/2021</a:t>
             </a:fld>
             <a:endParaRPr lang="en-US"/>
           </a:p>
@@ -1816,7 +1821,7 @@
           <a:p>
             <a:fld id="{63222CC9-268F-4509-9C30-66055B1EF683}" type="datetimeFigureOut">
               <a:rPr lang="en-US" smtClean="0"/>
-              <a:t>10/5/2021</a:t>
+              <a:t>10/6/2021</a:t>
             </a:fld>
             <a:endParaRPr lang="en-US"/>
           </a:p>
@@ -2093,7 +2098,7 @@
           <a:p>
             <a:fld id="{63222CC9-268F-4509-9C30-66055B1EF683}" type="datetimeFigureOut">
               <a:rPr lang="en-US" smtClean="0"/>
-              <a:t>10/5/2021</a:t>
+              <a:t>10/6/2021</a:t>
             </a:fld>
             <a:endParaRPr lang="en-US"/>
           </a:p>
@@ -2346,7 +2351,7 @@
           <a:p>
             <a:fld id="{63222CC9-268F-4509-9C30-66055B1EF683}" type="datetimeFigureOut">
               <a:rPr lang="en-US" smtClean="0"/>
-              <a:t>10/5/2021</a:t>
+              <a:t>10/6/2021</a:t>
             </a:fld>
             <a:endParaRPr lang="en-US"/>
           </a:p>
@@ -2559,7 +2564,7 @@
           <a:p>
             <a:fld id="{63222CC9-268F-4509-9C30-66055B1EF683}" type="datetimeFigureOut">
               <a:rPr lang="en-US" smtClean="0"/>
-              <a:t>10/5/2021</a:t>
+              <a:t>10/6/2021</a:t>
             </a:fld>
             <a:endParaRPr lang="en-US"/>
           </a:p>
@@ -2986,8 +2991,8 @@
         </p:blipFill>
         <p:spPr>
           <a:xfrm>
-            <a:off x="-430956" y="2539893"/>
-            <a:ext cx="1552792" cy="1524213"/>
+            <a:off x="-782115" y="1957923"/>
+            <a:ext cx="2352963" cy="2309657"/>
           </a:xfrm>
           <a:prstGeom prst="rect">
             <a:avLst/>
@@ -6134,8 +6139,12 @@
           <a:lstStyle/>
           <a:p>
             <a:r>
-              <a:rPr lang="en-US" dirty="0" smtClean="0"/>
-              <a:t>Conv 4</a:t>
+              <a:rPr lang="en-US" smtClean="0"/>
+              <a:t>Conv </a:t>
+            </a:r>
+            <a:r>
+              <a:rPr lang="en-US" smtClean="0"/>
+              <a:t>5</a:t>
             </a:r>
             <a:endParaRPr lang="en-US" dirty="0"/>
           </a:p>

--- a/Thư mục ảnh đi kèm/Ve hinh.pptx
+++ b/Thư mục ảnh đi kèm/Ve hinh.pptx
@@ -6,6 +6,7 @@
   </p:sldMasterIdLst>
   <p:sldIdLst>
     <p:sldId id="256" r:id="rId2"/>
+    <p:sldId id="257" r:id="rId3"/>
   </p:sldIdLst>
   <p:sldSz cx="12192000" cy="6858000"/>
   <p:notesSz cx="6858000" cy="9144000"/>
@@ -6140,11 +6141,7 @@
           <a:p>
             <a:r>
               <a:rPr lang="en-US" smtClean="0"/>
-              <a:t>Conv </a:t>
-            </a:r>
-            <a:r>
-              <a:rPr lang="en-US" smtClean="0"/>
-              <a:t>5</a:t>
+              <a:t>Conv 5</a:t>
             </a:r>
             <a:endParaRPr lang="en-US" dirty="0"/>
           </a:p>
@@ -7187,6 +7184,702 @@
     <p:extLst>
       <p:ext uri="{BB962C8B-B14F-4D97-AF65-F5344CB8AC3E}">
         <p14:creationId xmlns:p14="http://schemas.microsoft.com/office/powerpoint/2010/main" val="3926818527"/>
+      </p:ext>
+    </p:extLst>
+  </p:cSld>
+  <p:clrMapOvr>
+    <a:masterClrMapping/>
+  </p:clrMapOvr>
+  <p:timing>
+    <p:tnLst>
+      <p:par>
+        <p:cTn id="1" dur="indefinite" restart="never" nodeType="tmRoot"/>
+      </p:par>
+    </p:tnLst>
+  </p:timing>
+</p:sld>
+</file>
+
+<file path=ppt/slides/slide2.xml><?xml version="1.0" encoding="utf-8"?>
+<p:sld xmlns:a="http://schemas.openxmlformats.org/drawingml/2006/main" xmlns:r="http://schemas.openxmlformats.org/officeDocument/2006/relationships" xmlns:p="http://schemas.openxmlformats.org/presentationml/2006/main">
+  <p:cSld>
+    <p:spTree>
+      <p:nvGrpSpPr>
+        <p:cNvPr id="1" name=""/>
+        <p:cNvGrpSpPr/>
+        <p:nvPr/>
+      </p:nvGrpSpPr>
+      <p:grpSpPr>
+        <a:xfrm>
+          <a:off x="0" y="0"/>
+          <a:ext cx="0" cy="0"/>
+          <a:chOff x="0" y="0"/>
+          <a:chExt cx="0" cy="0"/>
+        </a:xfrm>
+      </p:grpSpPr>
+      <p:sp>
+        <p:nvSpPr>
+          <p:cNvPr id="4" name="Rectangle 3"/>
+          <p:cNvSpPr/>
+          <p:nvPr/>
+        </p:nvSpPr>
+        <p:spPr>
+          <a:xfrm>
+            <a:off x="150847" y="1102014"/>
+            <a:ext cx="1614620" cy="1005016"/>
+          </a:xfrm>
+          <a:prstGeom prst="rect">
+            <a:avLst/>
+          </a:prstGeom>
+          <a:effectLst>
+            <a:outerShdw blurRad="50800" dist="38100" dir="2700000" algn="tl" rotWithShape="0">
+              <a:prstClr val="black">
+                <a:alpha val="40000"/>
+              </a:prstClr>
+            </a:outerShdw>
+          </a:effectLst>
+        </p:spPr>
+        <p:style>
+          <a:lnRef idx="2">
+            <a:schemeClr val="accent1"/>
+          </a:lnRef>
+          <a:fillRef idx="1">
+            <a:schemeClr val="lt1"/>
+          </a:fillRef>
+          <a:effectRef idx="0">
+            <a:schemeClr val="accent1"/>
+          </a:effectRef>
+          <a:fontRef idx="minor">
+            <a:schemeClr val="dk1"/>
+          </a:fontRef>
+        </p:style>
+        <p:txBody>
+          <a:bodyPr rtlCol="0" anchor="ctr"/>
+          <a:lstStyle/>
+          <a:p>
+            <a:pPr algn="ctr"/>
+            <a:r>
+              <a:rPr lang="en-US" dirty="0" err="1" smtClean="0"/>
+              <a:t>Ảnh</a:t>
+            </a:r>
+            <a:r>
+              <a:rPr lang="en-US" dirty="0" smtClean="0"/>
+              <a:t> </a:t>
+            </a:r>
+            <a:r>
+              <a:rPr lang="en-US" dirty="0" err="1" smtClean="0"/>
+              <a:t>đầu</a:t>
+            </a:r>
+            <a:r>
+              <a:rPr lang="en-US" dirty="0" smtClean="0"/>
+              <a:t> </a:t>
+            </a:r>
+            <a:r>
+              <a:rPr lang="en-US" dirty="0" err="1" smtClean="0"/>
+              <a:t>vào</a:t>
+            </a:r>
+            <a:endParaRPr lang="en-US" dirty="0"/>
+          </a:p>
+        </p:txBody>
+      </p:sp>
+      <p:sp>
+        <p:nvSpPr>
+          <p:cNvPr id="5" name="Rectangle 4"/>
+          <p:cNvSpPr/>
+          <p:nvPr/>
+        </p:nvSpPr>
+        <p:spPr>
+          <a:xfrm>
+            <a:off x="2129219" y="1102014"/>
+            <a:ext cx="2339549" cy="1005016"/>
+          </a:xfrm>
+          <a:prstGeom prst="rect">
+            <a:avLst/>
+          </a:prstGeom>
+          <a:effectLst>
+            <a:outerShdw blurRad="50800" dist="38100" dir="2700000" algn="tl" rotWithShape="0">
+              <a:prstClr val="black">
+                <a:alpha val="40000"/>
+              </a:prstClr>
+            </a:outerShdw>
+          </a:effectLst>
+        </p:spPr>
+        <p:style>
+          <a:lnRef idx="2">
+            <a:schemeClr val="accent1"/>
+          </a:lnRef>
+          <a:fillRef idx="1">
+            <a:schemeClr val="lt1"/>
+          </a:fillRef>
+          <a:effectRef idx="0">
+            <a:schemeClr val="accent1"/>
+          </a:effectRef>
+          <a:fontRef idx="minor">
+            <a:schemeClr val="dk1"/>
+          </a:fontRef>
+        </p:style>
+        <p:txBody>
+          <a:bodyPr rtlCol="0" anchor="ctr"/>
+          <a:lstStyle/>
+          <a:p>
+            <a:pPr algn="ctr"/>
+            <a:r>
+              <a:rPr lang="en-US" dirty="0" err="1" smtClean="0"/>
+              <a:t>Phát</a:t>
+            </a:r>
+            <a:r>
+              <a:rPr lang="en-US" dirty="0" smtClean="0"/>
+              <a:t> </a:t>
+            </a:r>
+            <a:r>
+              <a:rPr lang="en-US" dirty="0" err="1" smtClean="0"/>
+              <a:t>hiện</a:t>
+            </a:r>
+            <a:r>
+              <a:rPr lang="en-US" dirty="0" smtClean="0"/>
+              <a:t> </a:t>
+            </a:r>
+            <a:r>
+              <a:rPr lang="en-US" dirty="0" err="1" smtClean="0"/>
+              <a:t>khuôn</a:t>
+            </a:r>
+            <a:r>
+              <a:rPr lang="en-US" dirty="0" smtClean="0"/>
+              <a:t> </a:t>
+            </a:r>
+            <a:r>
+              <a:rPr lang="en-US" dirty="0" err="1" smtClean="0"/>
+              <a:t>mặt</a:t>
+            </a:r>
+            <a:endParaRPr lang="en-US" dirty="0"/>
+          </a:p>
+        </p:txBody>
+      </p:sp>
+      <p:sp>
+        <p:nvSpPr>
+          <p:cNvPr id="6" name="Rectangle 5"/>
+          <p:cNvSpPr/>
+          <p:nvPr/>
+        </p:nvSpPr>
+        <p:spPr>
+          <a:xfrm>
+            <a:off x="9896841" y="1102014"/>
+            <a:ext cx="1960605" cy="1005016"/>
+          </a:xfrm>
+          <a:prstGeom prst="rect">
+            <a:avLst/>
+          </a:prstGeom>
+          <a:effectLst>
+            <a:outerShdw blurRad="50800" dist="38100" dir="2700000" algn="tl" rotWithShape="0">
+              <a:prstClr val="black">
+                <a:alpha val="40000"/>
+              </a:prstClr>
+            </a:outerShdw>
+          </a:effectLst>
+        </p:spPr>
+        <p:style>
+          <a:lnRef idx="2">
+            <a:schemeClr val="accent1"/>
+          </a:lnRef>
+          <a:fillRef idx="1">
+            <a:schemeClr val="lt1"/>
+          </a:fillRef>
+          <a:effectRef idx="0">
+            <a:schemeClr val="accent1"/>
+          </a:effectRef>
+          <a:fontRef idx="minor">
+            <a:schemeClr val="dk1"/>
+          </a:fontRef>
+        </p:style>
+        <p:txBody>
+          <a:bodyPr rtlCol="0" anchor="ctr"/>
+          <a:lstStyle/>
+          <a:p>
+            <a:pPr algn="ctr"/>
+            <a:r>
+              <a:rPr lang="en-US" dirty="0" err="1" smtClean="0"/>
+              <a:t>Ảnh</a:t>
+            </a:r>
+            <a:r>
+              <a:rPr lang="en-US" dirty="0" smtClean="0"/>
+              <a:t> </a:t>
+            </a:r>
+            <a:r>
+              <a:rPr lang="en-US" dirty="0" err="1" smtClean="0"/>
+              <a:t>kết</a:t>
+            </a:r>
+            <a:r>
+              <a:rPr lang="en-US" dirty="0" smtClean="0"/>
+              <a:t> </a:t>
+            </a:r>
+            <a:r>
+              <a:rPr lang="en-US" dirty="0" err="1" smtClean="0"/>
+              <a:t>quả</a:t>
+            </a:r>
+            <a:endParaRPr lang="en-US" dirty="0"/>
+          </a:p>
+        </p:txBody>
+      </p:sp>
+      <p:sp>
+        <p:nvSpPr>
+          <p:cNvPr id="7" name="Rectangle 6"/>
+          <p:cNvSpPr/>
+          <p:nvPr/>
+        </p:nvSpPr>
+        <p:spPr>
+          <a:xfrm>
+            <a:off x="6886833" y="1087395"/>
+            <a:ext cx="2647544" cy="1005016"/>
+          </a:xfrm>
+          <a:prstGeom prst="rect">
+            <a:avLst/>
+          </a:prstGeom>
+          <a:effectLst>
+            <a:outerShdw blurRad="50800" dist="38100" dir="2700000" algn="tl" rotWithShape="0">
+              <a:prstClr val="black">
+                <a:alpha val="40000"/>
+              </a:prstClr>
+            </a:outerShdw>
+          </a:effectLst>
+        </p:spPr>
+        <p:style>
+          <a:lnRef idx="2">
+            <a:schemeClr val="accent1"/>
+          </a:lnRef>
+          <a:fillRef idx="1">
+            <a:schemeClr val="lt1"/>
+          </a:fillRef>
+          <a:effectRef idx="0">
+            <a:schemeClr val="accent1"/>
+          </a:effectRef>
+          <a:fontRef idx="minor">
+            <a:schemeClr val="dk1"/>
+          </a:fontRef>
+        </p:style>
+        <p:txBody>
+          <a:bodyPr rtlCol="0" anchor="ctr"/>
+          <a:lstStyle/>
+          <a:p>
+            <a:pPr algn="ctr"/>
+            <a:r>
+              <a:rPr lang="en-US" dirty="0" err="1" smtClean="0"/>
+              <a:t>Nhận</a:t>
+            </a:r>
+            <a:r>
+              <a:rPr lang="en-US" dirty="0" smtClean="0"/>
+              <a:t> </a:t>
+            </a:r>
+            <a:r>
+              <a:rPr lang="en-US" dirty="0" err="1" smtClean="0"/>
+              <a:t>dạng</a:t>
+            </a:r>
+            <a:r>
+              <a:rPr lang="en-US" dirty="0" smtClean="0"/>
+              <a:t> </a:t>
+            </a:r>
+            <a:r>
+              <a:rPr lang="en-US" dirty="0" err="1" smtClean="0"/>
+              <a:t>cảm</a:t>
+            </a:r>
+            <a:r>
+              <a:rPr lang="en-US" dirty="0" smtClean="0"/>
+              <a:t> </a:t>
+            </a:r>
+            <a:r>
+              <a:rPr lang="en-US" dirty="0" err="1" smtClean="0"/>
+              <a:t>xúc</a:t>
+            </a:r>
+            <a:endParaRPr lang="en-US" dirty="0"/>
+          </a:p>
+        </p:txBody>
+      </p:sp>
+      <p:sp>
+        <p:nvSpPr>
+          <p:cNvPr id="8" name="Rectangle 7"/>
+          <p:cNvSpPr/>
+          <p:nvPr/>
+        </p:nvSpPr>
+        <p:spPr>
+          <a:xfrm>
+            <a:off x="4876801" y="1087395"/>
+            <a:ext cx="1631092" cy="1005016"/>
+          </a:xfrm>
+          <a:prstGeom prst="rect">
+            <a:avLst/>
+          </a:prstGeom>
+          <a:effectLst>
+            <a:outerShdw blurRad="50800" dist="38100" dir="2700000" algn="tl" rotWithShape="0">
+              <a:prstClr val="black">
+                <a:alpha val="40000"/>
+              </a:prstClr>
+            </a:outerShdw>
+          </a:effectLst>
+        </p:spPr>
+        <p:style>
+          <a:lnRef idx="2">
+            <a:schemeClr val="accent1"/>
+          </a:lnRef>
+          <a:fillRef idx="1">
+            <a:schemeClr val="lt1"/>
+          </a:fillRef>
+          <a:effectRef idx="0">
+            <a:schemeClr val="accent1"/>
+          </a:effectRef>
+          <a:fontRef idx="minor">
+            <a:schemeClr val="dk1"/>
+          </a:fontRef>
+        </p:style>
+        <p:txBody>
+          <a:bodyPr rtlCol="0" anchor="ctr"/>
+          <a:lstStyle/>
+          <a:p>
+            <a:pPr algn="ctr"/>
+            <a:r>
+              <a:rPr lang="en-US" dirty="0" err="1" smtClean="0"/>
+              <a:t>Tiền</a:t>
+            </a:r>
+            <a:r>
+              <a:rPr lang="en-US" dirty="0" smtClean="0"/>
+              <a:t> </a:t>
+            </a:r>
+            <a:r>
+              <a:rPr lang="en-US" dirty="0" err="1" smtClean="0"/>
+              <a:t>xử</a:t>
+            </a:r>
+            <a:r>
+              <a:rPr lang="en-US" dirty="0" smtClean="0"/>
+              <a:t> </a:t>
+            </a:r>
+            <a:r>
+              <a:rPr lang="en-US" dirty="0" err="1" smtClean="0"/>
+              <a:t>lý</a:t>
+            </a:r>
+            <a:r>
+              <a:rPr lang="en-US" dirty="0" smtClean="0"/>
+              <a:t> </a:t>
+            </a:r>
+            <a:r>
+              <a:rPr lang="en-US" dirty="0" err="1" smtClean="0"/>
+              <a:t>ảnh</a:t>
+            </a:r>
+            <a:endParaRPr lang="en-US" dirty="0"/>
+          </a:p>
+        </p:txBody>
+      </p:sp>
+      <p:sp>
+        <p:nvSpPr>
+          <p:cNvPr id="10" name="Right Arrow 9"/>
+          <p:cNvSpPr/>
+          <p:nvPr/>
+        </p:nvSpPr>
+        <p:spPr>
+          <a:xfrm>
+            <a:off x="1789148" y="1501033"/>
+            <a:ext cx="330545" cy="269178"/>
+          </a:xfrm>
+          <a:prstGeom prst="rightArrow">
+            <a:avLst/>
+          </a:prstGeom>
+        </p:spPr>
+        <p:style>
+          <a:lnRef idx="2">
+            <a:schemeClr val="accent1">
+              <a:shade val="50000"/>
+            </a:schemeClr>
+          </a:lnRef>
+          <a:fillRef idx="1">
+            <a:schemeClr val="accent1"/>
+          </a:fillRef>
+          <a:effectRef idx="0">
+            <a:schemeClr val="accent1"/>
+          </a:effectRef>
+          <a:fontRef idx="minor">
+            <a:schemeClr val="lt1"/>
+          </a:fontRef>
+        </p:style>
+        <p:txBody>
+          <a:bodyPr rtlCol="0" anchor="ctr"/>
+          <a:lstStyle/>
+          <a:p>
+            <a:pPr algn="ctr"/>
+            <a:endParaRPr lang="en-US"/>
+          </a:p>
+        </p:txBody>
+      </p:sp>
+      <p:pic>
+        <p:nvPicPr>
+          <p:cNvPr id="14" name="Picture 13"/>
+          <p:cNvPicPr>
+            <a:picLocks noChangeAspect="1"/>
+          </p:cNvPicPr>
+          <p:nvPr/>
+        </p:nvPicPr>
+        <p:blipFill>
+          <a:blip r:embed="rId2" cstate="print">
+            <a:extLst>
+              <a:ext uri="{28A0092B-C50C-407E-A947-70E740481C1C}">
+                <a14:useLocalDpi xmlns:a14="http://schemas.microsoft.com/office/drawing/2010/main" val="0"/>
+              </a:ext>
+            </a:extLst>
+          </a:blip>
+          <a:stretch>
+            <a:fillRect/>
+          </a:stretch>
+        </p:blipFill>
+        <p:spPr>
+          <a:xfrm>
+            <a:off x="181228" y="2445784"/>
+            <a:ext cx="1614620" cy="1204836"/>
+          </a:xfrm>
+          <a:prstGeom prst="rect">
+            <a:avLst/>
+          </a:prstGeom>
+        </p:spPr>
+      </p:pic>
+      <p:pic>
+        <p:nvPicPr>
+          <p:cNvPr id="18" name="Picture 17"/>
+          <p:cNvPicPr>
+            <a:picLocks noChangeAspect="1"/>
+          </p:cNvPicPr>
+          <p:nvPr/>
+        </p:nvPicPr>
+        <p:blipFill>
+          <a:blip r:embed="rId3">
+            <a:extLst>
+              <a:ext uri="{28A0092B-C50C-407E-A947-70E740481C1C}">
+                <a14:useLocalDpi xmlns:a14="http://schemas.microsoft.com/office/drawing/2010/main" val="0"/>
+              </a:ext>
+            </a:extLst>
+          </a:blip>
+          <a:stretch>
+            <a:fillRect/>
+          </a:stretch>
+        </p:blipFill>
+        <p:spPr>
+          <a:xfrm>
+            <a:off x="5265775" y="2602303"/>
+            <a:ext cx="865277" cy="849351"/>
+          </a:xfrm>
+          <a:prstGeom prst="rect">
+            <a:avLst/>
+          </a:prstGeom>
+        </p:spPr>
+      </p:pic>
+      <p:pic>
+        <p:nvPicPr>
+          <p:cNvPr id="19" name="Picture 18"/>
+          <p:cNvPicPr>
+            <a:picLocks noChangeAspect="1"/>
+          </p:cNvPicPr>
+          <p:nvPr/>
+        </p:nvPicPr>
+        <p:blipFill>
+          <a:blip r:embed="rId4" cstate="print">
+            <a:extLst>
+              <a:ext uri="{28A0092B-C50C-407E-A947-70E740481C1C}">
+                <a14:useLocalDpi xmlns:a14="http://schemas.microsoft.com/office/drawing/2010/main" val="0"/>
+              </a:ext>
+            </a:extLst>
+          </a:blip>
+          <a:stretch>
+            <a:fillRect/>
+          </a:stretch>
+        </p:blipFill>
+        <p:spPr>
+          <a:xfrm>
+            <a:off x="6886832" y="2175045"/>
+            <a:ext cx="2647544" cy="1614103"/>
+          </a:xfrm>
+          <a:prstGeom prst="rect">
+            <a:avLst/>
+          </a:prstGeom>
+        </p:spPr>
+      </p:pic>
+      <p:pic>
+        <p:nvPicPr>
+          <p:cNvPr id="20" name="Picture 19"/>
+          <p:cNvPicPr>
+            <a:picLocks noChangeAspect="1"/>
+          </p:cNvPicPr>
+          <p:nvPr/>
+        </p:nvPicPr>
+        <p:blipFill>
+          <a:blip r:embed="rId5" cstate="print">
+            <a:extLst>
+              <a:ext uri="{28A0092B-C50C-407E-A947-70E740481C1C}">
+                <a14:useLocalDpi xmlns:a14="http://schemas.microsoft.com/office/drawing/2010/main" val="0"/>
+              </a:ext>
+            </a:extLst>
+          </a:blip>
+          <a:stretch>
+            <a:fillRect/>
+          </a:stretch>
+        </p:blipFill>
+        <p:spPr>
+          <a:xfrm>
+            <a:off x="10018809" y="2445784"/>
+            <a:ext cx="1716667" cy="1203561"/>
+          </a:xfrm>
+          <a:prstGeom prst="rect">
+            <a:avLst/>
+          </a:prstGeom>
+        </p:spPr>
+      </p:pic>
+      <p:sp>
+        <p:nvSpPr>
+          <p:cNvPr id="21" name="Right Arrow 20"/>
+          <p:cNvSpPr/>
+          <p:nvPr/>
+        </p:nvSpPr>
+        <p:spPr>
+          <a:xfrm>
+            <a:off x="4478294" y="1493708"/>
+            <a:ext cx="398507" cy="269178"/>
+          </a:xfrm>
+          <a:prstGeom prst="rightArrow">
+            <a:avLst/>
+          </a:prstGeom>
+        </p:spPr>
+        <p:style>
+          <a:lnRef idx="2">
+            <a:schemeClr val="accent1">
+              <a:shade val="50000"/>
+            </a:schemeClr>
+          </a:lnRef>
+          <a:fillRef idx="1">
+            <a:schemeClr val="accent1"/>
+          </a:fillRef>
+          <a:effectRef idx="0">
+            <a:schemeClr val="accent1"/>
+          </a:effectRef>
+          <a:fontRef idx="minor">
+            <a:schemeClr val="lt1"/>
+          </a:fontRef>
+        </p:style>
+        <p:txBody>
+          <a:bodyPr rtlCol="0" anchor="ctr"/>
+          <a:lstStyle/>
+          <a:p>
+            <a:pPr algn="ctr"/>
+            <a:endParaRPr lang="en-US"/>
+          </a:p>
+        </p:txBody>
+      </p:sp>
+      <p:sp>
+        <p:nvSpPr>
+          <p:cNvPr id="22" name="Right Arrow 21"/>
+          <p:cNvSpPr/>
+          <p:nvPr/>
+        </p:nvSpPr>
+        <p:spPr>
+          <a:xfrm>
+            <a:off x="6507893" y="1493708"/>
+            <a:ext cx="378939" cy="269178"/>
+          </a:xfrm>
+          <a:prstGeom prst="rightArrow">
+            <a:avLst/>
+          </a:prstGeom>
+        </p:spPr>
+        <p:style>
+          <a:lnRef idx="2">
+            <a:schemeClr val="accent1">
+              <a:shade val="50000"/>
+            </a:schemeClr>
+          </a:lnRef>
+          <a:fillRef idx="1">
+            <a:schemeClr val="accent1"/>
+          </a:fillRef>
+          <a:effectRef idx="0">
+            <a:schemeClr val="accent1"/>
+          </a:effectRef>
+          <a:fontRef idx="minor">
+            <a:schemeClr val="lt1"/>
+          </a:fontRef>
+        </p:style>
+        <p:txBody>
+          <a:bodyPr rtlCol="0" anchor="ctr"/>
+          <a:lstStyle/>
+          <a:p>
+            <a:pPr algn="ctr"/>
+            <a:endParaRPr lang="en-US"/>
+          </a:p>
+        </p:txBody>
+      </p:sp>
+      <p:sp>
+        <p:nvSpPr>
+          <p:cNvPr id="23" name="Right Arrow 22"/>
+          <p:cNvSpPr/>
+          <p:nvPr/>
+        </p:nvSpPr>
+        <p:spPr>
+          <a:xfrm>
+            <a:off x="9524849" y="1455314"/>
+            <a:ext cx="388468" cy="269178"/>
+          </a:xfrm>
+          <a:prstGeom prst="rightArrow">
+            <a:avLst/>
+          </a:prstGeom>
+        </p:spPr>
+        <p:style>
+          <a:lnRef idx="2">
+            <a:schemeClr val="accent1">
+              <a:shade val="50000"/>
+            </a:schemeClr>
+          </a:lnRef>
+          <a:fillRef idx="1">
+            <a:schemeClr val="accent1"/>
+          </a:fillRef>
+          <a:effectRef idx="0">
+            <a:schemeClr val="accent1"/>
+          </a:effectRef>
+          <a:fontRef idx="minor">
+            <a:schemeClr val="lt1"/>
+          </a:fontRef>
+        </p:style>
+        <p:txBody>
+          <a:bodyPr rtlCol="0" anchor="ctr"/>
+          <a:lstStyle/>
+          <a:p>
+            <a:pPr algn="ctr"/>
+            <a:endParaRPr lang="en-US"/>
+          </a:p>
+        </p:txBody>
+      </p:sp>
+      <p:pic>
+        <p:nvPicPr>
+          <p:cNvPr id="24" name="Picture 23"/>
+          <p:cNvPicPr>
+            <a:picLocks noChangeAspect="1"/>
+          </p:cNvPicPr>
+          <p:nvPr/>
+        </p:nvPicPr>
+        <p:blipFill>
+          <a:blip r:embed="rId6" cstate="print">
+            <a:extLst>
+              <a:ext uri="{28A0092B-C50C-407E-A947-70E740481C1C}">
+                <a14:useLocalDpi xmlns:a14="http://schemas.microsoft.com/office/drawing/2010/main" val="0"/>
+              </a:ext>
+            </a:extLst>
+          </a:blip>
+          <a:stretch>
+            <a:fillRect/>
+          </a:stretch>
+        </p:blipFill>
+        <p:spPr>
+          <a:xfrm>
+            <a:off x="2491684" y="2445784"/>
+            <a:ext cx="1608266" cy="1203561"/>
+          </a:xfrm>
+          <a:prstGeom prst="rect">
+            <a:avLst/>
+          </a:prstGeom>
+        </p:spPr>
+      </p:pic>
+    </p:spTree>
+    <p:extLst>
+      <p:ext uri="{BB962C8B-B14F-4D97-AF65-F5344CB8AC3E}">
+        <p14:creationId xmlns:p14="http://schemas.microsoft.com/office/powerpoint/2010/main" val="2321573147"/>
       </p:ext>
     </p:extLst>
   </p:cSld>

--- a/Thư mục ảnh đi kèm/Ve hinh.pptx
+++ b/Thư mục ảnh đi kèm/Ve hinh.pptx
@@ -244,7 +244,7 @@
           <a:p>
             <a:fld id="{63222CC9-268F-4509-9C30-66055B1EF683}" type="datetimeFigureOut">
               <a:rPr lang="en-US" smtClean="0"/>
-              <a:t>10/6/2021</a:t>
+              <a:t>10/7/2021</a:t>
             </a:fld>
             <a:endParaRPr lang="en-US"/>
           </a:p>
@@ -414,7 +414,7 @@
           <a:p>
             <a:fld id="{63222CC9-268F-4509-9C30-66055B1EF683}" type="datetimeFigureOut">
               <a:rPr lang="en-US" smtClean="0"/>
-              <a:t>10/6/2021</a:t>
+              <a:t>10/7/2021</a:t>
             </a:fld>
             <a:endParaRPr lang="en-US"/>
           </a:p>
@@ -594,7 +594,7 @@
           <a:p>
             <a:fld id="{63222CC9-268F-4509-9C30-66055B1EF683}" type="datetimeFigureOut">
               <a:rPr lang="en-US" smtClean="0"/>
-              <a:t>10/6/2021</a:t>
+              <a:t>10/7/2021</a:t>
             </a:fld>
             <a:endParaRPr lang="en-US"/>
           </a:p>
@@ -764,7 +764,7 @@
           <a:p>
             <a:fld id="{63222CC9-268F-4509-9C30-66055B1EF683}" type="datetimeFigureOut">
               <a:rPr lang="en-US" smtClean="0"/>
-              <a:t>10/6/2021</a:t>
+              <a:t>10/7/2021</a:t>
             </a:fld>
             <a:endParaRPr lang="en-US"/>
           </a:p>
@@ -1010,7 +1010,7 @@
           <a:p>
             <a:fld id="{63222CC9-268F-4509-9C30-66055B1EF683}" type="datetimeFigureOut">
               <a:rPr lang="en-US" smtClean="0"/>
-              <a:t>10/6/2021</a:t>
+              <a:t>10/7/2021</a:t>
             </a:fld>
             <a:endParaRPr lang="en-US"/>
           </a:p>
@@ -1242,7 +1242,7 @@
           <a:p>
             <a:fld id="{63222CC9-268F-4509-9C30-66055B1EF683}" type="datetimeFigureOut">
               <a:rPr lang="en-US" smtClean="0"/>
-              <a:t>10/6/2021</a:t>
+              <a:t>10/7/2021</a:t>
             </a:fld>
             <a:endParaRPr lang="en-US"/>
           </a:p>
@@ -1609,7 +1609,7 @@
           <a:p>
             <a:fld id="{63222CC9-268F-4509-9C30-66055B1EF683}" type="datetimeFigureOut">
               <a:rPr lang="en-US" smtClean="0"/>
-              <a:t>10/6/2021</a:t>
+              <a:t>10/7/2021</a:t>
             </a:fld>
             <a:endParaRPr lang="en-US"/>
           </a:p>
@@ -1727,7 +1727,7 @@
           <a:p>
             <a:fld id="{63222CC9-268F-4509-9C30-66055B1EF683}" type="datetimeFigureOut">
               <a:rPr lang="en-US" smtClean="0"/>
-              <a:t>10/6/2021</a:t>
+              <a:t>10/7/2021</a:t>
             </a:fld>
             <a:endParaRPr lang="en-US"/>
           </a:p>
@@ -1822,7 +1822,7 @@
           <a:p>
             <a:fld id="{63222CC9-268F-4509-9C30-66055B1EF683}" type="datetimeFigureOut">
               <a:rPr lang="en-US" smtClean="0"/>
-              <a:t>10/6/2021</a:t>
+              <a:t>10/7/2021</a:t>
             </a:fld>
             <a:endParaRPr lang="en-US"/>
           </a:p>
@@ -2099,7 +2099,7 @@
           <a:p>
             <a:fld id="{63222CC9-268F-4509-9C30-66055B1EF683}" type="datetimeFigureOut">
               <a:rPr lang="en-US" smtClean="0"/>
-              <a:t>10/6/2021</a:t>
+              <a:t>10/7/2021</a:t>
             </a:fld>
             <a:endParaRPr lang="en-US"/>
           </a:p>
@@ -2352,7 +2352,7 @@
           <a:p>
             <a:fld id="{63222CC9-268F-4509-9C30-66055B1EF683}" type="datetimeFigureOut">
               <a:rPr lang="en-US" smtClean="0"/>
-              <a:t>10/6/2021</a:t>
+              <a:t>10/7/2021</a:t>
             </a:fld>
             <a:endParaRPr lang="en-US"/>
           </a:p>
@@ -2565,7 +2565,7 @@
           <a:p>
             <a:fld id="{63222CC9-268F-4509-9C30-66055B1EF683}" type="datetimeFigureOut">
               <a:rPr lang="en-US" smtClean="0"/>
-              <a:t>10/6/2021</a:t>
+              <a:t>10/7/2021</a:t>
             </a:fld>
             <a:endParaRPr lang="en-US"/>
           </a:p>
@@ -2992,7 +2992,7 @@
         </p:blipFill>
         <p:spPr>
           <a:xfrm>
-            <a:off x="-782115" y="1957923"/>
+            <a:off x="-824060" y="1957923"/>
             <a:ext cx="2352963" cy="2309657"/>
           </a:xfrm>
           <a:prstGeom prst="rect">
@@ -3014,7 +3014,7 @@
         </p:nvGrpSpPr>
         <p:grpSpPr>
           <a:xfrm>
-            <a:off x="768638" y="1752600"/>
+            <a:off x="636830" y="1752600"/>
             <a:ext cx="707235" cy="2732517"/>
             <a:chOff x="8854165" y="1600200"/>
             <a:chExt cx="975998" cy="2732517"/>
@@ -3287,7 +3287,7 @@
         </p:nvSpPr>
         <p:spPr>
           <a:xfrm>
-            <a:off x="751258" y="3963278"/>
+            <a:off x="627688" y="3963278"/>
             <a:ext cx="418704" cy="369332"/>
           </a:xfrm>
           <a:prstGeom prst="rect">
@@ -3317,7 +3317,7 @@
         </p:nvSpPr>
         <p:spPr>
           <a:xfrm>
-            <a:off x="877389" y="2149302"/>
+            <a:off x="745581" y="2149302"/>
             <a:ext cx="418704" cy="369332"/>
           </a:xfrm>
           <a:prstGeom prst="rect">
@@ -3347,7 +3347,7 @@
         </p:nvGrpSpPr>
         <p:grpSpPr>
           <a:xfrm>
-            <a:off x="1290004" y="1744580"/>
+            <a:off x="1051102" y="1744580"/>
             <a:ext cx="707235" cy="2732517"/>
             <a:chOff x="8854165" y="1600200"/>
             <a:chExt cx="975998" cy="2732517"/>
@@ -3620,7 +3620,7 @@
         </p:nvSpPr>
         <p:spPr>
           <a:xfrm>
-            <a:off x="1272628" y="3971300"/>
+            <a:off x="1021618" y="3971300"/>
             <a:ext cx="418704" cy="369332"/>
           </a:xfrm>
           <a:prstGeom prst="rect">
@@ -3650,7 +3650,7 @@
         </p:nvSpPr>
         <p:spPr>
           <a:xfrm>
-            <a:off x="1397741" y="2156556"/>
+            <a:off x="1150601" y="2156556"/>
             <a:ext cx="418704" cy="369332"/>
           </a:xfrm>
           <a:prstGeom prst="rect">
@@ -3680,7 +3680,7 @@
         </p:nvSpPr>
         <p:spPr>
           <a:xfrm rot="16200000">
-            <a:off x="584997" y="4787430"/>
+            <a:off x="315373" y="4787430"/>
             <a:ext cx="822020" cy="369332"/>
           </a:xfrm>
           <a:prstGeom prst="rect">
@@ -3710,7 +3710,7 @@
         </p:nvSpPr>
         <p:spPr>
           <a:xfrm rot="16200000">
-            <a:off x="1106482" y="4779680"/>
+            <a:off x="718015" y="4779680"/>
             <a:ext cx="822020" cy="369332"/>
           </a:xfrm>
           <a:prstGeom prst="rect">
@@ -3740,8 +3740,8 @@
         </p:nvGrpSpPr>
         <p:grpSpPr>
           <a:xfrm>
-            <a:off x="1915580" y="1752600"/>
-            <a:ext cx="614645" cy="2732517"/>
+            <a:off x="1479300" y="1744580"/>
+            <a:ext cx="624060" cy="2740538"/>
             <a:chOff x="8854165" y="1600200"/>
             <a:chExt cx="975998" cy="2732517"/>
           </a:xfrm>
@@ -4011,7 +4011,7 @@
         </p:nvSpPr>
         <p:spPr>
           <a:xfrm rot="16200000">
-            <a:off x="1576149" y="4859890"/>
+            <a:off x="1026318" y="4859890"/>
             <a:ext cx="1048877" cy="369332"/>
           </a:xfrm>
           <a:prstGeom prst="rect">
@@ -4033,16 +4033,1207 @@
           </a:p>
         </p:txBody>
       </p:sp>
+      <p:sp>
+        <p:nvSpPr>
+          <p:cNvPr id="73" name="TextBox 72"/>
+          <p:cNvSpPr txBox="1"/>
+          <p:nvPr/>
+        </p:nvSpPr>
+        <p:spPr>
+          <a:xfrm rot="16200000">
+            <a:off x="2210513" y="4571193"/>
+            <a:ext cx="822020" cy="369332"/>
+          </a:xfrm>
+          <a:prstGeom prst="rect">
+            <a:avLst/>
+          </a:prstGeom>
+          <a:noFill/>
+        </p:spPr>
+        <p:txBody>
+          <a:bodyPr wrap="none" rtlCol="0">
+            <a:spAutoFit/>
+          </a:bodyPr>
+          <a:lstStyle/>
+          <a:p>
+            <a:r>
+              <a:rPr lang="en-US" dirty="0" smtClean="0"/>
+              <a:t>Conv 2</a:t>
+            </a:r>
+            <a:endParaRPr lang="en-US" dirty="0"/>
+          </a:p>
+        </p:txBody>
+      </p:sp>
+      <p:sp>
+        <p:nvSpPr>
+          <p:cNvPr id="74" name="TextBox 73"/>
+          <p:cNvSpPr txBox="1"/>
+          <p:nvPr/>
+        </p:nvSpPr>
+        <p:spPr>
+          <a:xfrm rot="16200000">
+            <a:off x="2766264" y="4570458"/>
+            <a:ext cx="822020" cy="369332"/>
+          </a:xfrm>
+          <a:prstGeom prst="rect">
+            <a:avLst/>
+          </a:prstGeom>
+          <a:noFill/>
+        </p:spPr>
+        <p:txBody>
+          <a:bodyPr wrap="none" rtlCol="0">
+            <a:spAutoFit/>
+          </a:bodyPr>
+          <a:lstStyle/>
+          <a:p>
+            <a:r>
+              <a:rPr lang="en-US" dirty="0" smtClean="0"/>
+              <a:t>Conv 3</a:t>
+            </a:r>
+            <a:endParaRPr lang="en-US" dirty="0"/>
+          </a:p>
+        </p:txBody>
+      </p:sp>
+      <p:sp>
+        <p:nvSpPr>
+          <p:cNvPr id="82" name="TextBox 81"/>
+          <p:cNvSpPr txBox="1"/>
+          <p:nvPr/>
+        </p:nvSpPr>
+        <p:spPr>
+          <a:xfrm rot="16200000">
+            <a:off x="3165536" y="4659366"/>
+            <a:ext cx="1048877" cy="369332"/>
+          </a:xfrm>
+          <a:prstGeom prst="rect">
+            <a:avLst/>
+          </a:prstGeom>
+          <a:noFill/>
+        </p:spPr>
+        <p:txBody>
+          <a:bodyPr wrap="none" rtlCol="0">
+            <a:spAutoFit/>
+          </a:bodyPr>
+          <a:lstStyle/>
+          <a:p>
+            <a:r>
+              <a:rPr lang="en-US" dirty="0" smtClean="0"/>
+              <a:t>Pooling 2</a:t>
+            </a:r>
+            <a:endParaRPr lang="en-US" dirty="0"/>
+          </a:p>
+        </p:txBody>
+      </p:sp>
+      <p:sp>
+        <p:nvSpPr>
+          <p:cNvPr id="83" name="TextBox 82"/>
+          <p:cNvSpPr txBox="1"/>
+          <p:nvPr/>
+        </p:nvSpPr>
+        <p:spPr>
+          <a:xfrm>
+            <a:off x="1503590" y="2151639"/>
+            <a:ext cx="418704" cy="369332"/>
+          </a:xfrm>
+          <a:prstGeom prst="rect">
+            <a:avLst/>
+          </a:prstGeom>
+          <a:noFill/>
+        </p:spPr>
+        <p:txBody>
+          <a:bodyPr wrap="none" rtlCol="0">
+            <a:spAutoFit/>
+          </a:bodyPr>
+          <a:lstStyle/>
+          <a:p>
+            <a:r>
+              <a:rPr lang="en-US" dirty="0" smtClean="0"/>
+              <a:t>48</a:t>
+            </a:r>
+            <a:endParaRPr lang="en-US" dirty="0"/>
+          </a:p>
+        </p:txBody>
+      </p:sp>
+      <p:sp>
+        <p:nvSpPr>
+          <p:cNvPr id="172" name="TextBox 171"/>
+          <p:cNvSpPr txBox="1"/>
+          <p:nvPr/>
+        </p:nvSpPr>
+        <p:spPr>
+          <a:xfrm rot="16200000">
+            <a:off x="4366095" y="4248356"/>
+            <a:ext cx="822020" cy="369332"/>
+          </a:xfrm>
+          <a:prstGeom prst="rect">
+            <a:avLst/>
+          </a:prstGeom>
+          <a:noFill/>
+        </p:spPr>
+        <p:txBody>
+          <a:bodyPr wrap="none" rtlCol="0">
+            <a:spAutoFit/>
+          </a:bodyPr>
+          <a:lstStyle/>
+          <a:p>
+            <a:r>
+              <a:rPr lang="en-US" dirty="0" smtClean="0"/>
+              <a:t>Conv 4</a:t>
+            </a:r>
+            <a:endParaRPr lang="en-US" dirty="0"/>
+          </a:p>
+        </p:txBody>
+      </p:sp>
+      <p:sp>
+        <p:nvSpPr>
+          <p:cNvPr id="173" name="TextBox 172"/>
+          <p:cNvSpPr txBox="1"/>
+          <p:nvPr/>
+        </p:nvSpPr>
+        <p:spPr>
+          <a:xfrm rot="16200000">
+            <a:off x="4932792" y="4242990"/>
+            <a:ext cx="822020" cy="369332"/>
+          </a:xfrm>
+          <a:prstGeom prst="rect">
+            <a:avLst/>
+          </a:prstGeom>
+          <a:noFill/>
+        </p:spPr>
+        <p:txBody>
+          <a:bodyPr wrap="none" rtlCol="0">
+            <a:spAutoFit/>
+          </a:bodyPr>
+          <a:lstStyle/>
+          <a:p>
+            <a:r>
+              <a:rPr lang="en-US" dirty="0" smtClean="0"/>
+              <a:t>Conv 5</a:t>
+            </a:r>
+            <a:endParaRPr lang="en-US" dirty="0"/>
+          </a:p>
+        </p:txBody>
+      </p:sp>
+      <p:sp>
+        <p:nvSpPr>
+          <p:cNvPr id="174" name="TextBox 173"/>
+          <p:cNvSpPr txBox="1"/>
+          <p:nvPr/>
+        </p:nvSpPr>
+        <p:spPr>
+          <a:xfrm rot="16200000">
+            <a:off x="5372747" y="4368303"/>
+            <a:ext cx="1048877" cy="369332"/>
+          </a:xfrm>
+          <a:prstGeom prst="rect">
+            <a:avLst/>
+          </a:prstGeom>
+          <a:noFill/>
+        </p:spPr>
+        <p:txBody>
+          <a:bodyPr wrap="none" rtlCol="0">
+            <a:spAutoFit/>
+          </a:bodyPr>
+          <a:lstStyle/>
+          <a:p>
+            <a:r>
+              <a:rPr lang="en-US" dirty="0" smtClean="0"/>
+              <a:t>Pooling 3</a:t>
+            </a:r>
+            <a:endParaRPr lang="en-US" dirty="0"/>
+          </a:p>
+        </p:txBody>
+      </p:sp>
       <p:grpSp>
         <p:nvGrpSpPr>
-          <p:cNvPr id="55" name="Group 54"/>
+          <p:cNvPr id="183" name="Group 182"/>
           <p:cNvGrpSpPr/>
           <p:nvPr/>
         </p:nvGrpSpPr>
         <p:grpSpPr>
           <a:xfrm>
-            <a:off x="2734938" y="2141280"/>
-            <a:ext cx="839000" cy="2086823"/>
+            <a:off x="7273648" y="1870386"/>
+            <a:ext cx="331523" cy="2604574"/>
+            <a:chOff x="2433414" y="1600201"/>
+            <a:chExt cx="1373737" cy="2732517"/>
+          </a:xfrm>
+        </p:grpSpPr>
+        <p:sp>
+          <p:nvSpPr>
+            <p:cNvPr id="184" name="Rectangle 183"/>
+            <p:cNvSpPr/>
+            <p:nvPr/>
+          </p:nvSpPr>
+          <p:spPr>
+            <a:xfrm>
+              <a:off x="2435551" y="2512464"/>
+              <a:ext cx="914400" cy="1820254"/>
+            </a:xfrm>
+            <a:prstGeom prst="rect">
+              <a:avLst/>
+            </a:prstGeom>
+            <a:noFill/>
+            <a:ln>
+              <a:solidFill>
+                <a:srgbClr val="FF0000"/>
+              </a:solidFill>
+            </a:ln>
+          </p:spPr>
+          <p:style>
+            <a:lnRef idx="2">
+              <a:schemeClr val="accent1">
+                <a:shade val="50000"/>
+              </a:schemeClr>
+            </a:lnRef>
+            <a:fillRef idx="1">
+              <a:schemeClr val="accent1"/>
+            </a:fillRef>
+            <a:effectRef idx="0">
+              <a:schemeClr val="accent1"/>
+            </a:effectRef>
+            <a:fontRef idx="minor">
+              <a:schemeClr val="lt1"/>
+            </a:fontRef>
+          </p:style>
+          <p:txBody>
+            <a:bodyPr rtlCol="0" anchor="ctr"/>
+            <a:lstStyle/>
+            <a:p>
+              <a:pPr algn="ctr"/>
+              <a:endParaRPr lang="en-US"/>
+            </a:p>
+          </p:txBody>
+        </p:sp>
+        <p:sp>
+          <p:nvSpPr>
+            <p:cNvPr id="185" name="Rectangle 184"/>
+            <p:cNvSpPr/>
+            <p:nvPr/>
+          </p:nvSpPr>
+          <p:spPr>
+            <a:xfrm>
+              <a:off x="2892751" y="1602337"/>
+              <a:ext cx="914400" cy="1820254"/>
+            </a:xfrm>
+            <a:prstGeom prst="rect">
+              <a:avLst/>
+            </a:prstGeom>
+            <a:noFill/>
+            <a:ln>
+              <a:solidFill>
+                <a:srgbClr val="FF0000"/>
+              </a:solidFill>
+            </a:ln>
+          </p:spPr>
+          <p:style>
+            <a:lnRef idx="2">
+              <a:schemeClr val="accent1">
+                <a:shade val="50000"/>
+              </a:schemeClr>
+            </a:lnRef>
+            <a:fillRef idx="1">
+              <a:schemeClr val="accent1"/>
+            </a:fillRef>
+            <a:effectRef idx="0">
+              <a:schemeClr val="accent1"/>
+            </a:effectRef>
+            <a:fontRef idx="minor">
+              <a:schemeClr val="lt1"/>
+            </a:fontRef>
+          </p:style>
+          <p:txBody>
+            <a:bodyPr rtlCol="0" anchor="ctr"/>
+            <a:lstStyle/>
+            <a:p>
+              <a:pPr algn="ctr"/>
+              <a:endParaRPr lang="en-US"/>
+            </a:p>
+          </p:txBody>
+        </p:sp>
+        <p:cxnSp>
+          <p:nvCxnSpPr>
+            <p:cNvPr id="186" name="Straight Connector 185"/>
+            <p:cNvCxnSpPr/>
+            <p:nvPr/>
+          </p:nvCxnSpPr>
+          <p:spPr>
+            <a:xfrm flipV="1">
+              <a:off x="2435551" y="1600201"/>
+              <a:ext cx="457200" cy="912263"/>
+            </a:xfrm>
+            <a:prstGeom prst="line">
+              <a:avLst/>
+            </a:prstGeom>
+            <a:ln>
+              <a:solidFill>
+                <a:srgbClr val="FF0000"/>
+              </a:solidFill>
+            </a:ln>
+          </p:spPr>
+          <p:style>
+            <a:lnRef idx="1">
+              <a:schemeClr val="accent1"/>
+            </a:lnRef>
+            <a:fillRef idx="0">
+              <a:schemeClr val="accent1"/>
+            </a:fillRef>
+            <a:effectRef idx="0">
+              <a:schemeClr val="accent1"/>
+            </a:effectRef>
+            <a:fontRef idx="minor">
+              <a:schemeClr val="tx1"/>
+            </a:fontRef>
+          </p:style>
+        </p:cxnSp>
+        <p:cxnSp>
+          <p:nvCxnSpPr>
+            <p:cNvPr id="187" name="Straight Connector 186"/>
+            <p:cNvCxnSpPr/>
+            <p:nvPr/>
+          </p:nvCxnSpPr>
+          <p:spPr>
+            <a:xfrm flipV="1">
+              <a:off x="3347814" y="1600201"/>
+              <a:ext cx="457200" cy="912263"/>
+            </a:xfrm>
+            <a:prstGeom prst="line">
+              <a:avLst/>
+            </a:prstGeom>
+            <a:ln>
+              <a:solidFill>
+                <a:srgbClr val="FF0000"/>
+              </a:solidFill>
+            </a:ln>
+          </p:spPr>
+          <p:style>
+            <a:lnRef idx="1">
+              <a:schemeClr val="accent1"/>
+            </a:lnRef>
+            <a:fillRef idx="0">
+              <a:schemeClr val="accent1"/>
+            </a:fillRef>
+            <a:effectRef idx="0">
+              <a:schemeClr val="accent1"/>
+            </a:effectRef>
+            <a:fontRef idx="minor">
+              <a:schemeClr val="tx1"/>
+            </a:fontRef>
+          </p:style>
+        </p:cxnSp>
+        <p:cxnSp>
+          <p:nvCxnSpPr>
+            <p:cNvPr id="188" name="Straight Connector 187"/>
+            <p:cNvCxnSpPr/>
+            <p:nvPr/>
+          </p:nvCxnSpPr>
+          <p:spPr>
+            <a:xfrm flipV="1">
+              <a:off x="3347814" y="3420455"/>
+              <a:ext cx="457200" cy="912263"/>
+            </a:xfrm>
+            <a:prstGeom prst="line">
+              <a:avLst/>
+            </a:prstGeom>
+            <a:ln>
+              <a:solidFill>
+                <a:srgbClr val="FF0000"/>
+              </a:solidFill>
+            </a:ln>
+          </p:spPr>
+          <p:style>
+            <a:lnRef idx="1">
+              <a:schemeClr val="accent1"/>
+            </a:lnRef>
+            <a:fillRef idx="0">
+              <a:schemeClr val="accent1"/>
+            </a:fillRef>
+            <a:effectRef idx="0">
+              <a:schemeClr val="accent1"/>
+            </a:effectRef>
+            <a:fontRef idx="minor">
+              <a:schemeClr val="tx1"/>
+            </a:fontRef>
+          </p:style>
+        </p:cxnSp>
+        <p:cxnSp>
+          <p:nvCxnSpPr>
+            <p:cNvPr id="189" name="Straight Connector 188"/>
+            <p:cNvCxnSpPr/>
+            <p:nvPr/>
+          </p:nvCxnSpPr>
+          <p:spPr>
+            <a:xfrm flipV="1">
+              <a:off x="2433414" y="3420454"/>
+              <a:ext cx="457200" cy="912263"/>
+            </a:xfrm>
+            <a:prstGeom prst="line">
+              <a:avLst/>
+            </a:prstGeom>
+            <a:ln>
+              <a:solidFill>
+                <a:srgbClr val="FF0000"/>
+              </a:solidFill>
+            </a:ln>
+          </p:spPr>
+          <p:style>
+            <a:lnRef idx="1">
+              <a:schemeClr val="accent1"/>
+            </a:lnRef>
+            <a:fillRef idx="0">
+              <a:schemeClr val="accent1"/>
+            </a:fillRef>
+            <a:effectRef idx="0">
+              <a:schemeClr val="accent1"/>
+            </a:effectRef>
+            <a:fontRef idx="minor">
+              <a:schemeClr val="tx1"/>
+            </a:fontRef>
+          </p:style>
+        </p:cxnSp>
+      </p:grpSp>
+      <p:grpSp>
+        <p:nvGrpSpPr>
+          <p:cNvPr id="192" name="Group 191"/>
+          <p:cNvGrpSpPr/>
+          <p:nvPr/>
+        </p:nvGrpSpPr>
+        <p:grpSpPr>
+          <a:xfrm>
+            <a:off x="8610852" y="1870386"/>
+            <a:ext cx="275663" cy="2612594"/>
+            <a:chOff x="2433414" y="1600201"/>
+            <a:chExt cx="1373737" cy="2732517"/>
+          </a:xfrm>
+        </p:grpSpPr>
+        <p:sp>
+          <p:nvSpPr>
+            <p:cNvPr id="193" name="Rectangle 192"/>
+            <p:cNvSpPr/>
+            <p:nvPr/>
+          </p:nvSpPr>
+          <p:spPr>
+            <a:xfrm>
+              <a:off x="2435551" y="2512464"/>
+              <a:ext cx="914400" cy="1820254"/>
+            </a:xfrm>
+            <a:prstGeom prst="rect">
+              <a:avLst/>
+            </a:prstGeom>
+            <a:noFill/>
+            <a:ln>
+              <a:solidFill>
+                <a:srgbClr val="FF0000"/>
+              </a:solidFill>
+            </a:ln>
+          </p:spPr>
+          <p:style>
+            <a:lnRef idx="2">
+              <a:schemeClr val="accent1">
+                <a:shade val="50000"/>
+              </a:schemeClr>
+            </a:lnRef>
+            <a:fillRef idx="1">
+              <a:schemeClr val="accent1"/>
+            </a:fillRef>
+            <a:effectRef idx="0">
+              <a:schemeClr val="accent1"/>
+            </a:effectRef>
+            <a:fontRef idx="minor">
+              <a:schemeClr val="lt1"/>
+            </a:fontRef>
+          </p:style>
+          <p:txBody>
+            <a:bodyPr rtlCol="0" anchor="ctr"/>
+            <a:lstStyle/>
+            <a:p>
+              <a:pPr algn="ctr"/>
+              <a:endParaRPr lang="en-US"/>
+            </a:p>
+          </p:txBody>
+        </p:sp>
+        <p:sp>
+          <p:nvSpPr>
+            <p:cNvPr id="194" name="Rectangle 193"/>
+            <p:cNvSpPr/>
+            <p:nvPr/>
+          </p:nvSpPr>
+          <p:spPr>
+            <a:xfrm>
+              <a:off x="2892751" y="1602337"/>
+              <a:ext cx="914400" cy="1820254"/>
+            </a:xfrm>
+            <a:prstGeom prst="rect">
+              <a:avLst/>
+            </a:prstGeom>
+            <a:noFill/>
+            <a:ln>
+              <a:solidFill>
+                <a:srgbClr val="FF0000"/>
+              </a:solidFill>
+            </a:ln>
+          </p:spPr>
+          <p:style>
+            <a:lnRef idx="2">
+              <a:schemeClr val="accent1">
+                <a:shade val="50000"/>
+              </a:schemeClr>
+            </a:lnRef>
+            <a:fillRef idx="1">
+              <a:schemeClr val="accent1"/>
+            </a:fillRef>
+            <a:effectRef idx="0">
+              <a:schemeClr val="accent1"/>
+            </a:effectRef>
+            <a:fontRef idx="minor">
+              <a:schemeClr val="lt1"/>
+            </a:fontRef>
+          </p:style>
+          <p:txBody>
+            <a:bodyPr rtlCol="0" anchor="ctr"/>
+            <a:lstStyle/>
+            <a:p>
+              <a:pPr algn="ctr"/>
+              <a:endParaRPr lang="en-US"/>
+            </a:p>
+          </p:txBody>
+        </p:sp>
+        <p:cxnSp>
+          <p:nvCxnSpPr>
+            <p:cNvPr id="195" name="Straight Connector 194"/>
+            <p:cNvCxnSpPr/>
+            <p:nvPr/>
+          </p:nvCxnSpPr>
+          <p:spPr>
+            <a:xfrm flipV="1">
+              <a:off x="2435551" y="1600201"/>
+              <a:ext cx="457200" cy="912263"/>
+            </a:xfrm>
+            <a:prstGeom prst="line">
+              <a:avLst/>
+            </a:prstGeom>
+            <a:ln>
+              <a:solidFill>
+                <a:srgbClr val="FF0000"/>
+              </a:solidFill>
+            </a:ln>
+          </p:spPr>
+          <p:style>
+            <a:lnRef idx="1">
+              <a:schemeClr val="accent1"/>
+            </a:lnRef>
+            <a:fillRef idx="0">
+              <a:schemeClr val="accent1"/>
+            </a:fillRef>
+            <a:effectRef idx="0">
+              <a:schemeClr val="accent1"/>
+            </a:effectRef>
+            <a:fontRef idx="minor">
+              <a:schemeClr val="tx1"/>
+            </a:fontRef>
+          </p:style>
+        </p:cxnSp>
+        <p:cxnSp>
+          <p:nvCxnSpPr>
+            <p:cNvPr id="196" name="Straight Connector 195"/>
+            <p:cNvCxnSpPr/>
+            <p:nvPr/>
+          </p:nvCxnSpPr>
+          <p:spPr>
+            <a:xfrm flipV="1">
+              <a:off x="3347814" y="1600201"/>
+              <a:ext cx="457200" cy="912263"/>
+            </a:xfrm>
+            <a:prstGeom prst="line">
+              <a:avLst/>
+            </a:prstGeom>
+            <a:ln>
+              <a:solidFill>
+                <a:srgbClr val="FF0000"/>
+              </a:solidFill>
+            </a:ln>
+          </p:spPr>
+          <p:style>
+            <a:lnRef idx="1">
+              <a:schemeClr val="accent1"/>
+            </a:lnRef>
+            <a:fillRef idx="0">
+              <a:schemeClr val="accent1"/>
+            </a:fillRef>
+            <a:effectRef idx="0">
+              <a:schemeClr val="accent1"/>
+            </a:effectRef>
+            <a:fontRef idx="minor">
+              <a:schemeClr val="tx1"/>
+            </a:fontRef>
+          </p:style>
+        </p:cxnSp>
+        <p:cxnSp>
+          <p:nvCxnSpPr>
+            <p:cNvPr id="197" name="Straight Connector 196"/>
+            <p:cNvCxnSpPr/>
+            <p:nvPr/>
+          </p:nvCxnSpPr>
+          <p:spPr>
+            <a:xfrm flipV="1">
+              <a:off x="3347814" y="3420455"/>
+              <a:ext cx="457200" cy="912263"/>
+            </a:xfrm>
+            <a:prstGeom prst="line">
+              <a:avLst/>
+            </a:prstGeom>
+            <a:ln>
+              <a:solidFill>
+                <a:srgbClr val="FF0000"/>
+              </a:solidFill>
+            </a:ln>
+          </p:spPr>
+          <p:style>
+            <a:lnRef idx="1">
+              <a:schemeClr val="accent1"/>
+            </a:lnRef>
+            <a:fillRef idx="0">
+              <a:schemeClr val="accent1"/>
+            </a:fillRef>
+            <a:effectRef idx="0">
+              <a:schemeClr val="accent1"/>
+            </a:effectRef>
+            <a:fontRef idx="minor">
+              <a:schemeClr val="tx1"/>
+            </a:fontRef>
+          </p:style>
+        </p:cxnSp>
+        <p:cxnSp>
+          <p:nvCxnSpPr>
+            <p:cNvPr id="198" name="Straight Connector 197"/>
+            <p:cNvCxnSpPr/>
+            <p:nvPr/>
+          </p:nvCxnSpPr>
+          <p:spPr>
+            <a:xfrm flipV="1">
+              <a:off x="2433414" y="3420454"/>
+              <a:ext cx="457200" cy="912263"/>
+            </a:xfrm>
+            <a:prstGeom prst="line">
+              <a:avLst/>
+            </a:prstGeom>
+            <a:ln>
+              <a:solidFill>
+                <a:srgbClr val="FF0000"/>
+              </a:solidFill>
+            </a:ln>
+          </p:spPr>
+          <p:style>
+            <a:lnRef idx="1">
+              <a:schemeClr val="accent1"/>
+            </a:lnRef>
+            <a:fillRef idx="0">
+              <a:schemeClr val="accent1"/>
+            </a:fillRef>
+            <a:effectRef idx="0">
+              <a:schemeClr val="accent1"/>
+            </a:effectRef>
+            <a:fontRef idx="minor">
+              <a:schemeClr val="tx1"/>
+            </a:fontRef>
+          </p:style>
+        </p:cxnSp>
+      </p:grpSp>
+      <p:grpSp>
+        <p:nvGrpSpPr>
+          <p:cNvPr id="199" name="Group 198"/>
+          <p:cNvGrpSpPr/>
+          <p:nvPr/>
+        </p:nvGrpSpPr>
+        <p:grpSpPr>
+          <a:xfrm>
+            <a:off x="10195279" y="2228173"/>
+            <a:ext cx="151983" cy="1959197"/>
+            <a:chOff x="2433414" y="1600201"/>
+            <a:chExt cx="1373737" cy="2732517"/>
+          </a:xfrm>
+        </p:grpSpPr>
+        <p:sp>
+          <p:nvSpPr>
+            <p:cNvPr id="200" name="Rectangle 199"/>
+            <p:cNvSpPr/>
+            <p:nvPr/>
+          </p:nvSpPr>
+          <p:spPr>
+            <a:xfrm>
+              <a:off x="2435551" y="2512464"/>
+              <a:ext cx="914400" cy="1820254"/>
+            </a:xfrm>
+            <a:prstGeom prst="rect">
+              <a:avLst/>
+            </a:prstGeom>
+            <a:noFill/>
+            <a:ln>
+              <a:solidFill>
+                <a:srgbClr val="FF0000"/>
+              </a:solidFill>
+            </a:ln>
+          </p:spPr>
+          <p:style>
+            <a:lnRef idx="2">
+              <a:schemeClr val="accent1">
+                <a:shade val="50000"/>
+              </a:schemeClr>
+            </a:lnRef>
+            <a:fillRef idx="1">
+              <a:schemeClr val="accent1"/>
+            </a:fillRef>
+            <a:effectRef idx="0">
+              <a:schemeClr val="accent1"/>
+            </a:effectRef>
+            <a:fontRef idx="minor">
+              <a:schemeClr val="lt1"/>
+            </a:fontRef>
+          </p:style>
+          <p:txBody>
+            <a:bodyPr rtlCol="0" anchor="ctr"/>
+            <a:lstStyle/>
+            <a:p>
+              <a:pPr algn="ctr"/>
+              <a:endParaRPr lang="en-US"/>
+            </a:p>
+          </p:txBody>
+        </p:sp>
+        <p:sp>
+          <p:nvSpPr>
+            <p:cNvPr id="201" name="Rectangle 200"/>
+            <p:cNvSpPr/>
+            <p:nvPr/>
+          </p:nvSpPr>
+          <p:spPr>
+            <a:xfrm>
+              <a:off x="2892751" y="1602337"/>
+              <a:ext cx="914400" cy="1820254"/>
+            </a:xfrm>
+            <a:prstGeom prst="rect">
+              <a:avLst/>
+            </a:prstGeom>
+            <a:noFill/>
+            <a:ln>
+              <a:solidFill>
+                <a:srgbClr val="FF0000"/>
+              </a:solidFill>
+            </a:ln>
+          </p:spPr>
+          <p:style>
+            <a:lnRef idx="2">
+              <a:schemeClr val="accent1">
+                <a:shade val="50000"/>
+              </a:schemeClr>
+            </a:lnRef>
+            <a:fillRef idx="1">
+              <a:schemeClr val="accent1"/>
+            </a:fillRef>
+            <a:effectRef idx="0">
+              <a:schemeClr val="accent1"/>
+            </a:effectRef>
+            <a:fontRef idx="minor">
+              <a:schemeClr val="lt1"/>
+            </a:fontRef>
+          </p:style>
+          <p:txBody>
+            <a:bodyPr rtlCol="0" anchor="ctr"/>
+            <a:lstStyle/>
+            <a:p>
+              <a:pPr algn="ctr"/>
+              <a:endParaRPr lang="en-US"/>
+            </a:p>
+          </p:txBody>
+        </p:sp>
+        <p:cxnSp>
+          <p:nvCxnSpPr>
+            <p:cNvPr id="202" name="Straight Connector 201"/>
+            <p:cNvCxnSpPr/>
+            <p:nvPr/>
+          </p:nvCxnSpPr>
+          <p:spPr>
+            <a:xfrm flipV="1">
+              <a:off x="2435551" y="1600201"/>
+              <a:ext cx="457200" cy="912263"/>
+            </a:xfrm>
+            <a:prstGeom prst="line">
+              <a:avLst/>
+            </a:prstGeom>
+            <a:ln>
+              <a:solidFill>
+                <a:srgbClr val="FF0000"/>
+              </a:solidFill>
+            </a:ln>
+          </p:spPr>
+          <p:style>
+            <a:lnRef idx="1">
+              <a:schemeClr val="accent1"/>
+            </a:lnRef>
+            <a:fillRef idx="0">
+              <a:schemeClr val="accent1"/>
+            </a:fillRef>
+            <a:effectRef idx="0">
+              <a:schemeClr val="accent1"/>
+            </a:effectRef>
+            <a:fontRef idx="minor">
+              <a:schemeClr val="tx1"/>
+            </a:fontRef>
+          </p:style>
+        </p:cxnSp>
+        <p:cxnSp>
+          <p:nvCxnSpPr>
+            <p:cNvPr id="203" name="Straight Connector 202"/>
+            <p:cNvCxnSpPr/>
+            <p:nvPr/>
+          </p:nvCxnSpPr>
+          <p:spPr>
+            <a:xfrm flipV="1">
+              <a:off x="3347814" y="1600201"/>
+              <a:ext cx="457200" cy="912263"/>
+            </a:xfrm>
+            <a:prstGeom prst="line">
+              <a:avLst/>
+            </a:prstGeom>
+            <a:ln>
+              <a:solidFill>
+                <a:srgbClr val="FF0000"/>
+              </a:solidFill>
+            </a:ln>
+          </p:spPr>
+          <p:style>
+            <a:lnRef idx="1">
+              <a:schemeClr val="accent1"/>
+            </a:lnRef>
+            <a:fillRef idx="0">
+              <a:schemeClr val="accent1"/>
+            </a:fillRef>
+            <a:effectRef idx="0">
+              <a:schemeClr val="accent1"/>
+            </a:effectRef>
+            <a:fontRef idx="minor">
+              <a:schemeClr val="tx1"/>
+            </a:fontRef>
+          </p:style>
+        </p:cxnSp>
+        <p:cxnSp>
+          <p:nvCxnSpPr>
+            <p:cNvPr id="204" name="Straight Connector 203"/>
+            <p:cNvCxnSpPr/>
+            <p:nvPr/>
+          </p:nvCxnSpPr>
+          <p:spPr>
+            <a:xfrm flipV="1">
+              <a:off x="3347814" y="3420455"/>
+              <a:ext cx="457200" cy="912263"/>
+            </a:xfrm>
+            <a:prstGeom prst="line">
+              <a:avLst/>
+            </a:prstGeom>
+            <a:ln>
+              <a:solidFill>
+                <a:srgbClr val="FF0000"/>
+              </a:solidFill>
+            </a:ln>
+          </p:spPr>
+          <p:style>
+            <a:lnRef idx="1">
+              <a:schemeClr val="accent1"/>
+            </a:lnRef>
+            <a:fillRef idx="0">
+              <a:schemeClr val="accent1"/>
+            </a:fillRef>
+            <a:effectRef idx="0">
+              <a:schemeClr val="accent1"/>
+            </a:effectRef>
+            <a:fontRef idx="minor">
+              <a:schemeClr val="tx1"/>
+            </a:fontRef>
+          </p:style>
+        </p:cxnSp>
+        <p:cxnSp>
+          <p:nvCxnSpPr>
+            <p:cNvPr id="205" name="Straight Connector 204"/>
+            <p:cNvCxnSpPr/>
+            <p:nvPr/>
+          </p:nvCxnSpPr>
+          <p:spPr>
+            <a:xfrm flipV="1">
+              <a:off x="2433414" y="3420454"/>
+              <a:ext cx="457200" cy="912263"/>
+            </a:xfrm>
+            <a:prstGeom prst="line">
+              <a:avLst/>
+            </a:prstGeom>
+            <a:ln>
+              <a:solidFill>
+                <a:srgbClr val="FF0000"/>
+              </a:solidFill>
+            </a:ln>
+          </p:spPr>
+          <p:style>
+            <a:lnRef idx="1">
+              <a:schemeClr val="accent1"/>
+            </a:lnRef>
+            <a:fillRef idx="0">
+              <a:schemeClr val="accent1"/>
+            </a:fillRef>
+            <a:effectRef idx="0">
+              <a:schemeClr val="accent1"/>
+            </a:effectRef>
+            <a:fontRef idx="minor">
+              <a:schemeClr val="tx1"/>
+            </a:fontRef>
+          </p:style>
+        </p:cxnSp>
+      </p:grpSp>
+      <p:sp>
+        <p:nvSpPr>
+          <p:cNvPr id="209" name="TextBox 208"/>
+          <p:cNvSpPr txBox="1"/>
+          <p:nvPr/>
+        </p:nvSpPr>
+        <p:spPr>
+          <a:xfrm>
+            <a:off x="6886987" y="900086"/>
+            <a:ext cx="1470010" cy="923330"/>
+          </a:xfrm>
+          <a:prstGeom prst="rect">
+            <a:avLst/>
+          </a:prstGeom>
+          <a:noFill/>
+        </p:spPr>
+        <p:txBody>
+          <a:bodyPr wrap="square" rtlCol="0">
+            <a:spAutoFit/>
+          </a:bodyPr>
+          <a:lstStyle/>
+          <a:p>
+            <a:r>
+              <a:rPr lang="en-US" dirty="0" smtClean="0"/>
+              <a:t>Fully connected 1 </a:t>
+            </a:r>
+            <a:r>
+              <a:rPr lang="en-US" dirty="0" smtClean="0"/>
+              <a:t>Dense</a:t>
+            </a:r>
+            <a:r>
+              <a:rPr lang="en-US" dirty="0"/>
+              <a:t> </a:t>
+            </a:r>
+            <a:r>
+              <a:rPr lang="en-US" dirty="0" smtClean="0"/>
+              <a:t>(</a:t>
+            </a:r>
+            <a:r>
+              <a:rPr lang="en-US" dirty="0" err="1" smtClean="0"/>
+              <a:t>ReLU</a:t>
+            </a:r>
+            <a:r>
+              <a:rPr lang="en-US" dirty="0" smtClean="0"/>
+              <a:t>)</a:t>
+            </a:r>
+            <a:endParaRPr lang="en-US" dirty="0"/>
+          </a:p>
+        </p:txBody>
+      </p:sp>
+      <p:sp>
+        <p:nvSpPr>
+          <p:cNvPr id="210" name="TextBox 209"/>
+          <p:cNvSpPr txBox="1"/>
+          <p:nvPr/>
+        </p:nvSpPr>
+        <p:spPr>
+          <a:xfrm>
+            <a:off x="8625965" y="896039"/>
+            <a:ext cx="1470593" cy="923330"/>
+          </a:xfrm>
+          <a:prstGeom prst="rect">
+            <a:avLst/>
+          </a:prstGeom>
+          <a:noFill/>
+        </p:spPr>
+        <p:txBody>
+          <a:bodyPr wrap="square" rtlCol="0">
+            <a:spAutoFit/>
+          </a:bodyPr>
+          <a:lstStyle/>
+          <a:p>
+            <a:r>
+              <a:rPr lang="en-US" dirty="0" smtClean="0"/>
+              <a:t>Fully connected 2 </a:t>
+            </a:r>
+            <a:r>
+              <a:rPr lang="en-US" dirty="0" smtClean="0"/>
+              <a:t>Dense</a:t>
+            </a:r>
+            <a:r>
+              <a:rPr lang="en-US" dirty="0" smtClean="0"/>
+              <a:t> </a:t>
+            </a:r>
+            <a:r>
+              <a:rPr lang="en-US" dirty="0" smtClean="0"/>
+              <a:t>(</a:t>
+            </a:r>
+            <a:r>
+              <a:rPr lang="en-US" dirty="0" err="1" smtClean="0"/>
+              <a:t>ReLU</a:t>
+            </a:r>
+            <a:r>
+              <a:rPr lang="en-US" dirty="0" smtClean="0"/>
+              <a:t>)</a:t>
+            </a:r>
+            <a:endParaRPr lang="en-US" dirty="0"/>
+          </a:p>
+        </p:txBody>
+      </p:sp>
+      <p:sp>
+        <p:nvSpPr>
+          <p:cNvPr id="211" name="TextBox 210"/>
+          <p:cNvSpPr txBox="1"/>
+          <p:nvPr/>
+        </p:nvSpPr>
+        <p:spPr>
+          <a:xfrm>
+            <a:off x="10052846" y="4319859"/>
+            <a:ext cx="1314796" cy="1200329"/>
+          </a:xfrm>
+          <a:prstGeom prst="rect">
+            <a:avLst/>
+          </a:prstGeom>
+          <a:noFill/>
+        </p:spPr>
+        <p:txBody>
+          <a:bodyPr wrap="square" rtlCol="0">
+            <a:spAutoFit/>
+          </a:bodyPr>
+          <a:lstStyle/>
+          <a:p>
+            <a:r>
+              <a:rPr lang="en-US" dirty="0" smtClean="0"/>
+              <a:t>Fully connected 3 </a:t>
+            </a:r>
+            <a:r>
+              <a:rPr lang="en-US" dirty="0"/>
+              <a:t>Dense </a:t>
+            </a:r>
+            <a:r>
+              <a:rPr lang="en-US" dirty="0"/>
+              <a:t> </a:t>
+            </a:r>
+            <a:r>
+              <a:rPr lang="en-US" dirty="0" smtClean="0"/>
+              <a:t>(</a:t>
+            </a:r>
+            <a:r>
+              <a:rPr lang="en-US" dirty="0" err="1" smtClean="0"/>
+              <a:t>Softmax</a:t>
+            </a:r>
+            <a:r>
+              <a:rPr lang="en-US" dirty="0" smtClean="0"/>
+              <a:t>)</a:t>
+            </a:r>
+            <a:endParaRPr lang="en-US" dirty="0"/>
+          </a:p>
+        </p:txBody>
+      </p:sp>
+      <p:sp>
+        <p:nvSpPr>
+          <p:cNvPr id="212" name="TextBox 211"/>
+          <p:cNvSpPr txBox="1"/>
+          <p:nvPr/>
+        </p:nvSpPr>
+        <p:spPr>
+          <a:xfrm>
+            <a:off x="6951913" y="1992658"/>
+            <a:ext cx="652743" cy="369332"/>
+          </a:xfrm>
+          <a:prstGeom prst="rect">
+            <a:avLst/>
+          </a:prstGeom>
+          <a:noFill/>
+        </p:spPr>
+        <p:txBody>
+          <a:bodyPr wrap="none" rtlCol="0">
+            <a:spAutoFit/>
+          </a:bodyPr>
+          <a:lstStyle/>
+          <a:p>
+            <a:r>
+              <a:rPr lang="en-US" dirty="0" smtClean="0"/>
+              <a:t>1024</a:t>
+            </a:r>
+            <a:endParaRPr lang="en-US" dirty="0"/>
+          </a:p>
+        </p:txBody>
+      </p:sp>
+      <p:sp>
+        <p:nvSpPr>
+          <p:cNvPr id="213" name="TextBox 212"/>
+          <p:cNvSpPr txBox="1"/>
+          <p:nvPr/>
+        </p:nvSpPr>
+        <p:spPr>
+          <a:xfrm>
+            <a:off x="8322877" y="2011375"/>
+            <a:ext cx="652743" cy="369332"/>
+          </a:xfrm>
+          <a:prstGeom prst="rect">
+            <a:avLst/>
+          </a:prstGeom>
+          <a:noFill/>
+        </p:spPr>
+        <p:txBody>
+          <a:bodyPr wrap="none" rtlCol="0">
+            <a:spAutoFit/>
+          </a:bodyPr>
+          <a:lstStyle/>
+          <a:p>
+            <a:r>
+              <a:rPr lang="en-US" dirty="0" smtClean="0"/>
+              <a:t>1024</a:t>
+            </a:r>
+            <a:endParaRPr lang="en-US" dirty="0"/>
+          </a:p>
+        </p:txBody>
+      </p:sp>
+      <p:sp>
+        <p:nvSpPr>
+          <p:cNvPr id="214" name="TextBox 213"/>
+          <p:cNvSpPr txBox="1"/>
+          <p:nvPr/>
+        </p:nvSpPr>
+        <p:spPr>
+          <a:xfrm>
+            <a:off x="10123646" y="2141068"/>
+            <a:ext cx="301686" cy="369332"/>
+          </a:xfrm>
+          <a:prstGeom prst="rect">
+            <a:avLst/>
+          </a:prstGeom>
+          <a:noFill/>
+        </p:spPr>
+        <p:txBody>
+          <a:bodyPr wrap="none" rtlCol="0">
+            <a:spAutoFit/>
+          </a:bodyPr>
+          <a:lstStyle/>
+          <a:p>
+            <a:r>
+              <a:rPr lang="en-US" dirty="0"/>
+              <a:t>7</a:t>
+            </a:r>
+            <a:endParaRPr lang="en-US" dirty="0"/>
+          </a:p>
+        </p:txBody>
+      </p:sp>
+      <p:grpSp>
+        <p:nvGrpSpPr>
+          <p:cNvPr id="118" name="Group 117"/>
+          <p:cNvGrpSpPr/>
+          <p:nvPr/>
+        </p:nvGrpSpPr>
+        <p:grpSpPr>
+          <a:xfrm>
+            <a:off x="1853470" y="1752600"/>
+            <a:ext cx="623649" cy="2722359"/>
             <a:chOff x="8854165" y="1600200"/>
             <a:chExt cx="975998" cy="2732517"/>
           </a:xfrm>
@@ -4056,7 +5247,7 @@
         </p:grpSpPr>
         <p:sp>
           <p:nvSpPr>
-            <p:cNvPr id="56" name="Rectangle 55"/>
+            <p:cNvPr id="119" name="Rectangle 118"/>
             <p:cNvSpPr/>
             <p:nvPr/>
           </p:nvSpPr>
@@ -4068,7 +5259,12 @@
             <a:prstGeom prst="rect">
               <a:avLst/>
             </a:prstGeom>
-            <a:grpFill/>
+            <a:solidFill>
+              <a:schemeClr val="accent6">
+                <a:lumMod val="20000"/>
+                <a:lumOff val="80000"/>
+              </a:schemeClr>
+            </a:solidFill>
             <a:ln>
               <a:noFill/>
             </a:ln>
@@ -4100,7 +5296,7 @@
         </p:sp>
         <p:sp>
           <p:nvSpPr>
-            <p:cNvPr id="57" name="Parallelogram 56"/>
+            <p:cNvPr id="120" name="Parallelogram 119"/>
             <p:cNvSpPr/>
             <p:nvPr/>
           </p:nvSpPr>
@@ -4114,7 +5310,12 @@
                 <a:gd name="adj" fmla="val 50352"/>
               </a:avLst>
             </a:prstGeom>
-            <a:grpFill/>
+            <a:solidFill>
+              <a:schemeClr val="accent6">
+                <a:lumMod val="20000"/>
+                <a:lumOff val="80000"/>
+              </a:schemeClr>
+            </a:solidFill>
             <a:ln>
               <a:noFill/>
             </a:ln>
@@ -4146,7 +5347,7 @@
         </p:sp>
         <p:sp>
           <p:nvSpPr>
-            <p:cNvPr id="58" name="Rectangle 57"/>
+            <p:cNvPr id="121" name="Rectangle 120"/>
             <p:cNvSpPr/>
             <p:nvPr/>
           </p:nvSpPr>
@@ -4158,7 +5359,12 @@
             <a:prstGeom prst="rect">
               <a:avLst/>
             </a:prstGeom>
-            <a:grpFill/>
+            <a:solidFill>
+              <a:schemeClr val="accent6">
+                <a:lumMod val="20000"/>
+                <a:lumOff val="80000"/>
+              </a:schemeClr>
+            </a:solidFill>
             <a:ln>
               <a:solidFill>
                 <a:schemeClr val="bg2">
@@ -4194,7 +5400,7 @@
         </p:sp>
         <p:sp>
           <p:nvSpPr>
-            <p:cNvPr id="59" name="Parallelogram 58"/>
+            <p:cNvPr id="122" name="Parallelogram 121"/>
             <p:cNvSpPr/>
             <p:nvPr/>
           </p:nvSpPr>
@@ -4208,7 +5414,12 @@
                 <a:gd name="adj" fmla="val 50352"/>
               </a:avLst>
             </a:prstGeom>
-            <a:grpFill/>
+            <a:solidFill>
+              <a:schemeClr val="accent6">
+                <a:lumMod val="20000"/>
+                <a:lumOff val="80000"/>
+              </a:schemeClr>
+            </a:solidFill>
             <a:ln>
               <a:solidFill>
                 <a:schemeClr val="bg2">
@@ -4244,7 +5455,7 @@
         </p:sp>
         <p:cxnSp>
           <p:nvCxnSpPr>
-            <p:cNvPr id="60" name="Straight Connector 59"/>
+            <p:cNvPr id="123" name="Straight Connector 122"/>
             <p:cNvCxnSpPr/>
             <p:nvPr/>
           </p:nvCxnSpPr>
@@ -4276,7 +5487,7 @@
         </p:cxnSp>
         <p:cxnSp>
           <p:nvCxnSpPr>
-            <p:cNvPr id="61" name="Straight Connector 60"/>
+            <p:cNvPr id="124" name="Straight Connector 123"/>
             <p:cNvCxnSpPr/>
             <p:nvPr/>
           </p:nvCxnSpPr>
@@ -4308,14 +5519,14 @@
       </p:grpSp>
       <p:sp>
         <p:nvSpPr>
-          <p:cNvPr id="62" name="TextBox 61"/>
+          <p:cNvPr id="125" name="TextBox 124"/>
           <p:cNvSpPr txBox="1"/>
           <p:nvPr/>
         </p:nvSpPr>
         <p:spPr>
-          <a:xfrm>
-            <a:off x="2748890" y="3694774"/>
-            <a:ext cx="418704" cy="369332"/>
+          <a:xfrm rot="16200000">
+            <a:off x="1403518" y="4904421"/>
+            <a:ext cx="1137940" cy="369332"/>
           </a:xfrm>
           <a:prstGeom prst="rect">
             <a:avLst/>
@@ -4330,7 +5541,7 @@
           <a:p>
             <a:r>
               <a:rPr lang="en-US" dirty="0" smtClean="0"/>
-              <a:t>64</a:t>
+              <a:t>Dropout 1</a:t>
             </a:r>
             <a:endParaRPr lang="en-US" dirty="0"/>
           </a:p>
@@ -4338,14 +5549,14 @@
       </p:sp>
       <p:sp>
         <p:nvSpPr>
-          <p:cNvPr id="73" name="TextBox 72"/>
+          <p:cNvPr id="126" name="TextBox 125"/>
           <p:cNvSpPr txBox="1"/>
           <p:nvPr/>
         </p:nvSpPr>
         <p:spPr>
-          <a:xfrm rot="16200000">
-            <a:off x="2611609" y="4550934"/>
-            <a:ext cx="822020" cy="369332"/>
+          <a:xfrm>
+            <a:off x="1781336" y="3090162"/>
+            <a:ext cx="476412" cy="369332"/>
           </a:xfrm>
           <a:prstGeom prst="rect">
             <a:avLst/>
@@ -4360,127 +5571,7 @@
           <a:p>
             <a:r>
               <a:rPr lang="en-US" dirty="0" smtClean="0"/>
-              <a:t>Conv 2</a:t>
-            </a:r>
-            <a:endParaRPr lang="en-US" dirty="0"/>
-          </a:p>
-        </p:txBody>
-      </p:sp>
-      <p:sp>
-        <p:nvSpPr>
-          <p:cNvPr id="74" name="TextBox 73"/>
-          <p:cNvSpPr txBox="1"/>
-          <p:nvPr/>
-        </p:nvSpPr>
-        <p:spPr>
-          <a:xfrm rot="16200000">
-            <a:off x="3208129" y="4564111"/>
-            <a:ext cx="822020" cy="369332"/>
-          </a:xfrm>
-          <a:prstGeom prst="rect">
-            <a:avLst/>
-          </a:prstGeom>
-          <a:noFill/>
-        </p:spPr>
-        <p:txBody>
-          <a:bodyPr wrap="none" rtlCol="0">
-            <a:spAutoFit/>
-          </a:bodyPr>
-          <a:lstStyle/>
-          <a:p>
-            <a:r>
-              <a:rPr lang="en-US" dirty="0" smtClean="0"/>
-              <a:t>Conv 3</a:t>
-            </a:r>
-            <a:endParaRPr lang="en-US" dirty="0"/>
-          </a:p>
-        </p:txBody>
-      </p:sp>
-      <p:sp>
-        <p:nvSpPr>
-          <p:cNvPr id="82" name="TextBox 81"/>
-          <p:cNvSpPr txBox="1"/>
-          <p:nvPr/>
-        </p:nvSpPr>
-        <p:spPr>
-          <a:xfrm rot="16200000">
-            <a:off x="3656200" y="4659366"/>
-            <a:ext cx="1048877" cy="369332"/>
-          </a:xfrm>
-          <a:prstGeom prst="rect">
-            <a:avLst/>
-          </a:prstGeom>
-          <a:noFill/>
-        </p:spPr>
-        <p:txBody>
-          <a:bodyPr wrap="none" rtlCol="0">
-            <a:spAutoFit/>
-          </a:bodyPr>
-          <a:lstStyle/>
-          <a:p>
-            <a:r>
-              <a:rPr lang="en-US" dirty="0" smtClean="0"/>
-              <a:t>Pooling 2</a:t>
-            </a:r>
-            <a:endParaRPr lang="en-US" dirty="0"/>
-          </a:p>
-        </p:txBody>
-      </p:sp>
-      <p:sp>
-        <p:nvSpPr>
-          <p:cNvPr id="83" name="TextBox 82"/>
-          <p:cNvSpPr txBox="1"/>
-          <p:nvPr/>
-        </p:nvSpPr>
-        <p:spPr>
-          <a:xfrm>
-            <a:off x="1975781" y="2156556"/>
-            <a:ext cx="418704" cy="369332"/>
-          </a:xfrm>
-          <a:prstGeom prst="rect">
-            <a:avLst/>
-          </a:prstGeom>
-          <a:noFill/>
-        </p:spPr>
-        <p:txBody>
-          <a:bodyPr wrap="none" rtlCol="0">
-            <a:spAutoFit/>
-          </a:bodyPr>
-          <a:lstStyle/>
-          <a:p>
-            <a:r>
-              <a:rPr lang="en-US" dirty="0" smtClean="0"/>
-              <a:t>48</a:t>
-            </a:r>
-            <a:endParaRPr lang="en-US" dirty="0"/>
-          </a:p>
-        </p:txBody>
-      </p:sp>
-      <p:sp>
-        <p:nvSpPr>
-          <p:cNvPr id="91" name="TextBox 90"/>
-          <p:cNvSpPr txBox="1"/>
-          <p:nvPr/>
-        </p:nvSpPr>
-        <p:spPr>
-          <a:xfrm>
-            <a:off x="2901290" y="2355258"/>
-            <a:ext cx="418704" cy="369332"/>
-          </a:xfrm>
-          <a:prstGeom prst="rect">
-            <a:avLst/>
-          </a:prstGeom>
-          <a:noFill/>
-        </p:spPr>
-        <p:txBody>
-          <a:bodyPr wrap="none" rtlCol="0">
-            <a:spAutoFit/>
-          </a:bodyPr>
-          <a:lstStyle/>
-          <a:p>
-            <a:r>
-              <a:rPr lang="en-US" dirty="0" smtClean="0"/>
-              <a:t>24</a:t>
+              <a:t>0.5</a:t>
             </a:r>
             <a:endParaRPr lang="en-US" dirty="0"/>
           </a:p>
@@ -4488,14 +5579,831 @@
       </p:sp>
       <p:grpSp>
         <p:nvGrpSpPr>
-          <p:cNvPr id="94" name="Group 93"/>
+          <p:cNvPr id="177" name="Group 176"/>
           <p:cNvGrpSpPr/>
           <p:nvPr/>
         </p:nvGrpSpPr>
         <p:grpSpPr>
           <a:xfrm>
-            <a:off x="3401610" y="2114286"/>
-            <a:ext cx="839000" cy="2086823"/>
+            <a:off x="2393689" y="2224420"/>
+            <a:ext cx="870832" cy="1974324"/>
+            <a:chOff x="8854165" y="1600200"/>
+            <a:chExt cx="994950" cy="2732517"/>
+          </a:xfrm>
+          <a:solidFill>
+            <a:schemeClr val="accent1">
+              <a:lumMod val="60000"/>
+              <a:lumOff val="40000"/>
+              <a:alpha val="60000"/>
+            </a:schemeClr>
+          </a:solidFill>
+        </p:grpSpPr>
+        <p:sp>
+          <p:nvSpPr>
+            <p:cNvPr id="178" name="Rectangle 177"/>
+            <p:cNvSpPr/>
+            <p:nvPr/>
+          </p:nvSpPr>
+          <p:spPr>
+            <a:xfrm>
+              <a:off x="9231382" y="1602336"/>
+              <a:ext cx="592068" cy="1820254"/>
+            </a:xfrm>
+            <a:prstGeom prst="rect">
+              <a:avLst/>
+            </a:prstGeom>
+            <a:grpFill/>
+            <a:ln>
+              <a:noFill/>
+            </a:ln>
+          </p:spPr>
+          <p:style>
+            <a:lnRef idx="2">
+              <a:schemeClr val="accent1">
+                <a:shade val="50000"/>
+              </a:schemeClr>
+            </a:lnRef>
+            <a:fillRef idx="1">
+              <a:schemeClr val="accent1"/>
+            </a:fillRef>
+            <a:effectRef idx="0">
+              <a:schemeClr val="accent1"/>
+            </a:effectRef>
+            <a:fontRef idx="minor">
+              <a:schemeClr val="lt1"/>
+            </a:fontRef>
+          </p:style>
+          <p:txBody>
+            <a:bodyPr rtlCol="0" anchor="ctr"/>
+            <a:lstStyle/>
+            <a:p>
+              <a:pPr algn="ctr"/>
+              <a:endParaRPr lang="en-US"/>
+            </a:p>
+          </p:txBody>
+        </p:sp>
+        <p:sp>
+          <p:nvSpPr>
+            <p:cNvPr id="179" name="Parallelogram 178"/>
+            <p:cNvSpPr/>
+            <p:nvPr/>
+          </p:nvSpPr>
+          <p:spPr>
+            <a:xfrm>
+              <a:off x="8854165" y="3420452"/>
+              <a:ext cx="994950" cy="910128"/>
+            </a:xfrm>
+            <a:prstGeom prst="parallelogram">
+              <a:avLst>
+                <a:gd name="adj" fmla="val 50352"/>
+              </a:avLst>
+            </a:prstGeom>
+            <a:grpFill/>
+            <a:ln>
+              <a:noFill/>
+            </a:ln>
+          </p:spPr>
+          <p:style>
+            <a:lnRef idx="2">
+              <a:schemeClr val="accent1">
+                <a:shade val="50000"/>
+              </a:schemeClr>
+            </a:lnRef>
+            <a:fillRef idx="1">
+              <a:schemeClr val="accent1"/>
+            </a:fillRef>
+            <a:effectRef idx="0">
+              <a:schemeClr val="accent1"/>
+            </a:effectRef>
+            <a:fontRef idx="minor">
+              <a:schemeClr val="lt1"/>
+            </a:fontRef>
+          </p:style>
+          <p:txBody>
+            <a:bodyPr rtlCol="0" anchor="ctr"/>
+            <a:lstStyle/>
+            <a:p>
+              <a:pPr algn="ctr"/>
+              <a:endParaRPr lang="en-US"/>
+            </a:p>
+          </p:txBody>
+        </p:sp>
+        <p:sp>
+          <p:nvSpPr>
+            <p:cNvPr id="180" name="Rectangle 179"/>
+            <p:cNvSpPr/>
+            <p:nvPr/>
+          </p:nvSpPr>
+          <p:spPr>
+            <a:xfrm>
+              <a:off x="8854528" y="2512463"/>
+              <a:ext cx="588912" cy="1820254"/>
+            </a:xfrm>
+            <a:prstGeom prst="rect">
+              <a:avLst/>
+            </a:prstGeom>
+            <a:grpFill/>
+            <a:ln>
+              <a:solidFill>
+                <a:schemeClr val="bg2">
+                  <a:lumMod val="10000"/>
+                </a:schemeClr>
+              </a:solidFill>
+            </a:ln>
+          </p:spPr>
+          <p:style>
+            <a:lnRef idx="2">
+              <a:schemeClr val="accent1">
+                <a:shade val="50000"/>
+              </a:schemeClr>
+            </a:lnRef>
+            <a:fillRef idx="1">
+              <a:schemeClr val="accent1"/>
+            </a:fillRef>
+            <a:effectRef idx="0">
+              <a:schemeClr val="accent1"/>
+            </a:effectRef>
+            <a:fontRef idx="minor">
+              <a:schemeClr val="lt1"/>
+            </a:fontRef>
+          </p:style>
+          <p:txBody>
+            <a:bodyPr rtlCol="0" anchor="ctr"/>
+            <a:lstStyle/>
+            <a:p>
+              <a:pPr algn="ctr"/>
+              <a:endParaRPr lang="en-US"/>
+            </a:p>
+          </p:txBody>
+        </p:sp>
+        <p:sp>
+          <p:nvSpPr>
+            <p:cNvPr id="181" name="Parallelogram 180"/>
+            <p:cNvSpPr/>
+            <p:nvPr/>
+          </p:nvSpPr>
+          <p:spPr>
+            <a:xfrm>
+              <a:off x="8854165" y="1602336"/>
+              <a:ext cx="969285" cy="910127"/>
+            </a:xfrm>
+            <a:prstGeom prst="parallelogram">
+              <a:avLst>
+                <a:gd name="adj" fmla="val 50352"/>
+              </a:avLst>
+            </a:prstGeom>
+            <a:grpFill/>
+            <a:ln>
+              <a:solidFill>
+                <a:schemeClr val="bg2">
+                  <a:lumMod val="10000"/>
+                </a:schemeClr>
+              </a:solidFill>
+            </a:ln>
+          </p:spPr>
+          <p:style>
+            <a:lnRef idx="2">
+              <a:schemeClr val="accent1">
+                <a:shade val="50000"/>
+              </a:schemeClr>
+            </a:lnRef>
+            <a:fillRef idx="1">
+              <a:schemeClr val="accent1"/>
+            </a:fillRef>
+            <a:effectRef idx="0">
+              <a:schemeClr val="accent1"/>
+            </a:effectRef>
+            <a:fontRef idx="minor">
+              <a:schemeClr val="lt1"/>
+            </a:fontRef>
+          </p:style>
+          <p:txBody>
+            <a:bodyPr rtlCol="0" anchor="ctr"/>
+            <a:lstStyle/>
+            <a:p>
+              <a:pPr algn="ctr"/>
+              <a:endParaRPr lang="en-US"/>
+            </a:p>
+          </p:txBody>
+        </p:sp>
+        <p:cxnSp>
+          <p:nvCxnSpPr>
+            <p:cNvPr id="182" name="Straight Connector 181"/>
+            <p:cNvCxnSpPr/>
+            <p:nvPr/>
+          </p:nvCxnSpPr>
+          <p:spPr>
+            <a:xfrm flipV="1">
+              <a:off x="9442019" y="3419385"/>
+              <a:ext cx="388144" cy="910126"/>
+            </a:xfrm>
+            <a:prstGeom prst="line">
+              <a:avLst/>
+            </a:prstGeom>
+            <a:grpFill/>
+            <a:ln/>
+          </p:spPr>
+          <p:style>
+            <a:lnRef idx="2">
+              <a:schemeClr val="dk1"/>
+            </a:lnRef>
+            <a:fillRef idx="0">
+              <a:schemeClr val="dk1"/>
+            </a:fillRef>
+            <a:effectRef idx="1">
+              <a:schemeClr val="dk1"/>
+            </a:effectRef>
+            <a:fontRef idx="minor">
+              <a:schemeClr val="tx1"/>
+            </a:fontRef>
+          </p:style>
+        </p:cxnSp>
+        <p:cxnSp>
+          <p:nvCxnSpPr>
+            <p:cNvPr id="190" name="Straight Connector 189"/>
+            <p:cNvCxnSpPr/>
+            <p:nvPr/>
+          </p:nvCxnSpPr>
+          <p:spPr>
+            <a:xfrm>
+              <a:off x="9830163" y="1600200"/>
+              <a:ext cx="0" cy="1819184"/>
+            </a:xfrm>
+            <a:prstGeom prst="line">
+              <a:avLst/>
+            </a:prstGeom>
+            <a:grpFill/>
+          </p:spPr>
+          <p:style>
+            <a:lnRef idx="2">
+              <a:schemeClr val="dk1"/>
+            </a:lnRef>
+            <a:fillRef idx="0">
+              <a:schemeClr val="dk1"/>
+            </a:fillRef>
+            <a:effectRef idx="1">
+              <a:schemeClr val="dk1"/>
+            </a:effectRef>
+            <a:fontRef idx="minor">
+              <a:schemeClr val="tx1"/>
+            </a:fontRef>
+          </p:style>
+        </p:cxnSp>
+      </p:grpSp>
+      <p:grpSp>
+        <p:nvGrpSpPr>
+          <p:cNvPr id="226" name="Group 225"/>
+          <p:cNvGrpSpPr/>
+          <p:nvPr/>
+        </p:nvGrpSpPr>
+        <p:grpSpPr>
+          <a:xfrm>
+            <a:off x="2976386" y="2221434"/>
+            <a:ext cx="870832" cy="1974324"/>
+            <a:chOff x="8854165" y="1600200"/>
+            <a:chExt cx="994950" cy="2732517"/>
+          </a:xfrm>
+          <a:solidFill>
+            <a:schemeClr val="accent1">
+              <a:lumMod val="60000"/>
+              <a:lumOff val="40000"/>
+              <a:alpha val="60000"/>
+            </a:schemeClr>
+          </a:solidFill>
+        </p:grpSpPr>
+        <p:sp>
+          <p:nvSpPr>
+            <p:cNvPr id="227" name="Rectangle 226"/>
+            <p:cNvSpPr/>
+            <p:nvPr/>
+          </p:nvSpPr>
+          <p:spPr>
+            <a:xfrm>
+              <a:off x="9231382" y="1602336"/>
+              <a:ext cx="592068" cy="1820254"/>
+            </a:xfrm>
+            <a:prstGeom prst="rect">
+              <a:avLst/>
+            </a:prstGeom>
+            <a:grpFill/>
+            <a:ln>
+              <a:noFill/>
+            </a:ln>
+          </p:spPr>
+          <p:style>
+            <a:lnRef idx="2">
+              <a:schemeClr val="accent1">
+                <a:shade val="50000"/>
+              </a:schemeClr>
+            </a:lnRef>
+            <a:fillRef idx="1">
+              <a:schemeClr val="accent1"/>
+            </a:fillRef>
+            <a:effectRef idx="0">
+              <a:schemeClr val="accent1"/>
+            </a:effectRef>
+            <a:fontRef idx="minor">
+              <a:schemeClr val="lt1"/>
+            </a:fontRef>
+          </p:style>
+          <p:txBody>
+            <a:bodyPr rtlCol="0" anchor="ctr"/>
+            <a:lstStyle/>
+            <a:p>
+              <a:pPr algn="ctr"/>
+              <a:endParaRPr lang="en-US"/>
+            </a:p>
+          </p:txBody>
+        </p:sp>
+        <p:sp>
+          <p:nvSpPr>
+            <p:cNvPr id="228" name="Parallelogram 227"/>
+            <p:cNvSpPr/>
+            <p:nvPr/>
+          </p:nvSpPr>
+          <p:spPr>
+            <a:xfrm>
+              <a:off x="8854165" y="3420452"/>
+              <a:ext cx="994950" cy="910128"/>
+            </a:xfrm>
+            <a:prstGeom prst="parallelogram">
+              <a:avLst>
+                <a:gd name="adj" fmla="val 50352"/>
+              </a:avLst>
+            </a:prstGeom>
+            <a:grpFill/>
+            <a:ln>
+              <a:noFill/>
+            </a:ln>
+          </p:spPr>
+          <p:style>
+            <a:lnRef idx="2">
+              <a:schemeClr val="accent1">
+                <a:shade val="50000"/>
+              </a:schemeClr>
+            </a:lnRef>
+            <a:fillRef idx="1">
+              <a:schemeClr val="accent1"/>
+            </a:fillRef>
+            <a:effectRef idx="0">
+              <a:schemeClr val="accent1"/>
+            </a:effectRef>
+            <a:fontRef idx="minor">
+              <a:schemeClr val="lt1"/>
+            </a:fontRef>
+          </p:style>
+          <p:txBody>
+            <a:bodyPr rtlCol="0" anchor="ctr"/>
+            <a:lstStyle/>
+            <a:p>
+              <a:pPr algn="ctr"/>
+              <a:endParaRPr lang="en-US"/>
+            </a:p>
+          </p:txBody>
+        </p:sp>
+        <p:sp>
+          <p:nvSpPr>
+            <p:cNvPr id="229" name="Rectangle 228"/>
+            <p:cNvSpPr/>
+            <p:nvPr/>
+          </p:nvSpPr>
+          <p:spPr>
+            <a:xfrm>
+              <a:off x="8854528" y="2512463"/>
+              <a:ext cx="588912" cy="1820254"/>
+            </a:xfrm>
+            <a:prstGeom prst="rect">
+              <a:avLst/>
+            </a:prstGeom>
+            <a:grpFill/>
+            <a:ln>
+              <a:solidFill>
+                <a:schemeClr val="bg2">
+                  <a:lumMod val="10000"/>
+                </a:schemeClr>
+              </a:solidFill>
+            </a:ln>
+          </p:spPr>
+          <p:style>
+            <a:lnRef idx="2">
+              <a:schemeClr val="accent1">
+                <a:shade val="50000"/>
+              </a:schemeClr>
+            </a:lnRef>
+            <a:fillRef idx="1">
+              <a:schemeClr val="accent1"/>
+            </a:fillRef>
+            <a:effectRef idx="0">
+              <a:schemeClr val="accent1"/>
+            </a:effectRef>
+            <a:fontRef idx="minor">
+              <a:schemeClr val="lt1"/>
+            </a:fontRef>
+          </p:style>
+          <p:txBody>
+            <a:bodyPr rtlCol="0" anchor="ctr"/>
+            <a:lstStyle/>
+            <a:p>
+              <a:pPr algn="ctr"/>
+              <a:endParaRPr lang="en-US"/>
+            </a:p>
+          </p:txBody>
+        </p:sp>
+        <p:sp>
+          <p:nvSpPr>
+            <p:cNvPr id="230" name="Parallelogram 229"/>
+            <p:cNvSpPr/>
+            <p:nvPr/>
+          </p:nvSpPr>
+          <p:spPr>
+            <a:xfrm>
+              <a:off x="8854165" y="1602336"/>
+              <a:ext cx="969285" cy="910127"/>
+            </a:xfrm>
+            <a:prstGeom prst="parallelogram">
+              <a:avLst>
+                <a:gd name="adj" fmla="val 50352"/>
+              </a:avLst>
+            </a:prstGeom>
+            <a:grpFill/>
+            <a:ln>
+              <a:solidFill>
+                <a:schemeClr val="bg2">
+                  <a:lumMod val="10000"/>
+                </a:schemeClr>
+              </a:solidFill>
+            </a:ln>
+          </p:spPr>
+          <p:style>
+            <a:lnRef idx="2">
+              <a:schemeClr val="accent1">
+                <a:shade val="50000"/>
+              </a:schemeClr>
+            </a:lnRef>
+            <a:fillRef idx="1">
+              <a:schemeClr val="accent1"/>
+            </a:fillRef>
+            <a:effectRef idx="0">
+              <a:schemeClr val="accent1"/>
+            </a:effectRef>
+            <a:fontRef idx="minor">
+              <a:schemeClr val="lt1"/>
+            </a:fontRef>
+          </p:style>
+          <p:txBody>
+            <a:bodyPr rtlCol="0" anchor="ctr"/>
+            <a:lstStyle/>
+            <a:p>
+              <a:pPr algn="ctr"/>
+              <a:endParaRPr lang="en-US"/>
+            </a:p>
+          </p:txBody>
+        </p:sp>
+        <p:cxnSp>
+          <p:nvCxnSpPr>
+            <p:cNvPr id="231" name="Straight Connector 230"/>
+            <p:cNvCxnSpPr/>
+            <p:nvPr/>
+          </p:nvCxnSpPr>
+          <p:spPr>
+            <a:xfrm flipV="1">
+              <a:off x="9442019" y="3419385"/>
+              <a:ext cx="388144" cy="910126"/>
+            </a:xfrm>
+            <a:prstGeom prst="line">
+              <a:avLst/>
+            </a:prstGeom>
+            <a:grpFill/>
+            <a:ln/>
+          </p:spPr>
+          <p:style>
+            <a:lnRef idx="2">
+              <a:schemeClr val="dk1"/>
+            </a:lnRef>
+            <a:fillRef idx="0">
+              <a:schemeClr val="dk1"/>
+            </a:fillRef>
+            <a:effectRef idx="1">
+              <a:schemeClr val="dk1"/>
+            </a:effectRef>
+            <a:fontRef idx="minor">
+              <a:schemeClr val="tx1"/>
+            </a:fontRef>
+          </p:style>
+        </p:cxnSp>
+        <p:cxnSp>
+          <p:nvCxnSpPr>
+            <p:cNvPr id="232" name="Straight Connector 231"/>
+            <p:cNvCxnSpPr/>
+            <p:nvPr/>
+          </p:nvCxnSpPr>
+          <p:spPr>
+            <a:xfrm>
+              <a:off x="9830163" y="1600200"/>
+              <a:ext cx="0" cy="1819184"/>
+            </a:xfrm>
+            <a:prstGeom prst="line">
+              <a:avLst/>
+            </a:prstGeom>
+            <a:grpFill/>
+          </p:spPr>
+          <p:style>
+            <a:lnRef idx="2">
+              <a:schemeClr val="dk1"/>
+            </a:lnRef>
+            <a:fillRef idx="0">
+              <a:schemeClr val="dk1"/>
+            </a:fillRef>
+            <a:effectRef idx="1">
+              <a:schemeClr val="dk1"/>
+            </a:effectRef>
+            <a:fontRef idx="minor">
+              <a:schemeClr val="tx1"/>
+            </a:fontRef>
+          </p:style>
+        </p:cxnSp>
+      </p:grpSp>
+      <p:grpSp>
+        <p:nvGrpSpPr>
+          <p:cNvPr id="240" name="Group 239"/>
+          <p:cNvGrpSpPr/>
+          <p:nvPr/>
+        </p:nvGrpSpPr>
+        <p:grpSpPr>
+          <a:xfrm>
+            <a:off x="3547702" y="2210350"/>
+            <a:ext cx="660282" cy="1998687"/>
+            <a:chOff x="8854165" y="1600200"/>
+            <a:chExt cx="975998" cy="2732517"/>
+          </a:xfrm>
+          <a:solidFill>
+            <a:srgbClr val="E4C8FC">
+              <a:alpha val="60000"/>
+            </a:srgbClr>
+          </a:solidFill>
+        </p:grpSpPr>
+        <p:sp>
+          <p:nvSpPr>
+            <p:cNvPr id="241" name="Rectangle 240"/>
+            <p:cNvSpPr/>
+            <p:nvPr/>
+          </p:nvSpPr>
+          <p:spPr>
+            <a:xfrm>
+              <a:off x="9312090" y="1602336"/>
+              <a:ext cx="511360" cy="1820254"/>
+            </a:xfrm>
+            <a:prstGeom prst="rect">
+              <a:avLst/>
+            </a:prstGeom>
+            <a:grpFill/>
+            <a:ln>
+              <a:noFill/>
+            </a:ln>
+          </p:spPr>
+          <p:style>
+            <a:lnRef idx="2">
+              <a:schemeClr val="accent1">
+                <a:shade val="50000"/>
+              </a:schemeClr>
+            </a:lnRef>
+            <a:fillRef idx="1">
+              <a:schemeClr val="accent1"/>
+            </a:fillRef>
+            <a:effectRef idx="0">
+              <a:schemeClr val="accent1"/>
+            </a:effectRef>
+            <a:fontRef idx="minor">
+              <a:schemeClr val="lt1"/>
+            </a:fontRef>
+          </p:style>
+          <p:txBody>
+            <a:bodyPr rtlCol="0" anchor="ctr"/>
+            <a:lstStyle/>
+            <a:p>
+              <a:pPr algn="ctr"/>
+              <a:endParaRPr lang="en-US"/>
+            </a:p>
+          </p:txBody>
+        </p:sp>
+        <p:sp>
+          <p:nvSpPr>
+            <p:cNvPr id="242" name="Parallelogram 241"/>
+            <p:cNvSpPr/>
+            <p:nvPr/>
+          </p:nvSpPr>
+          <p:spPr>
+            <a:xfrm>
+              <a:off x="8854165" y="3420453"/>
+              <a:ext cx="969285" cy="910127"/>
+            </a:xfrm>
+            <a:prstGeom prst="parallelogram">
+              <a:avLst>
+                <a:gd name="adj" fmla="val 50352"/>
+              </a:avLst>
+            </a:prstGeom>
+            <a:grpFill/>
+            <a:ln>
+              <a:noFill/>
+            </a:ln>
+          </p:spPr>
+          <p:style>
+            <a:lnRef idx="2">
+              <a:schemeClr val="accent1">
+                <a:shade val="50000"/>
+              </a:schemeClr>
+            </a:lnRef>
+            <a:fillRef idx="1">
+              <a:schemeClr val="accent1"/>
+            </a:fillRef>
+            <a:effectRef idx="0">
+              <a:schemeClr val="accent1"/>
+            </a:effectRef>
+            <a:fontRef idx="minor">
+              <a:schemeClr val="lt1"/>
+            </a:fontRef>
+          </p:style>
+          <p:txBody>
+            <a:bodyPr rtlCol="0" anchor="ctr"/>
+            <a:lstStyle/>
+            <a:p>
+              <a:pPr algn="ctr"/>
+              <a:endParaRPr lang="en-US"/>
+            </a:p>
+          </p:txBody>
+        </p:sp>
+        <p:sp>
+          <p:nvSpPr>
+            <p:cNvPr id="243" name="Rectangle 242"/>
+            <p:cNvSpPr/>
+            <p:nvPr/>
+          </p:nvSpPr>
+          <p:spPr>
+            <a:xfrm>
+              <a:off x="8854528" y="2512463"/>
+              <a:ext cx="505372" cy="1820254"/>
+            </a:xfrm>
+            <a:prstGeom prst="rect">
+              <a:avLst/>
+            </a:prstGeom>
+            <a:grpFill/>
+            <a:ln>
+              <a:solidFill>
+                <a:schemeClr val="bg2">
+                  <a:lumMod val="10000"/>
+                </a:schemeClr>
+              </a:solidFill>
+            </a:ln>
+          </p:spPr>
+          <p:style>
+            <a:lnRef idx="2">
+              <a:schemeClr val="accent1">
+                <a:shade val="50000"/>
+              </a:schemeClr>
+            </a:lnRef>
+            <a:fillRef idx="1">
+              <a:schemeClr val="accent1"/>
+            </a:fillRef>
+            <a:effectRef idx="0">
+              <a:schemeClr val="accent1"/>
+            </a:effectRef>
+            <a:fontRef idx="minor">
+              <a:schemeClr val="lt1"/>
+            </a:fontRef>
+          </p:style>
+          <p:txBody>
+            <a:bodyPr rtlCol="0" anchor="ctr"/>
+            <a:lstStyle/>
+            <a:p>
+              <a:pPr algn="ctr"/>
+              <a:endParaRPr lang="en-US"/>
+            </a:p>
+          </p:txBody>
+        </p:sp>
+        <p:sp>
+          <p:nvSpPr>
+            <p:cNvPr id="244" name="Parallelogram 243"/>
+            <p:cNvSpPr/>
+            <p:nvPr/>
+          </p:nvSpPr>
+          <p:spPr>
+            <a:xfrm>
+              <a:off x="8854165" y="1602336"/>
+              <a:ext cx="969285" cy="910127"/>
+            </a:xfrm>
+            <a:prstGeom prst="parallelogram">
+              <a:avLst>
+                <a:gd name="adj" fmla="val 50352"/>
+              </a:avLst>
+            </a:prstGeom>
+            <a:grpFill/>
+            <a:ln>
+              <a:solidFill>
+                <a:schemeClr val="bg2">
+                  <a:lumMod val="10000"/>
+                </a:schemeClr>
+              </a:solidFill>
+            </a:ln>
+          </p:spPr>
+          <p:style>
+            <a:lnRef idx="2">
+              <a:schemeClr val="accent1">
+                <a:shade val="50000"/>
+              </a:schemeClr>
+            </a:lnRef>
+            <a:fillRef idx="1">
+              <a:schemeClr val="accent1"/>
+            </a:fillRef>
+            <a:effectRef idx="0">
+              <a:schemeClr val="accent1"/>
+            </a:effectRef>
+            <a:fontRef idx="minor">
+              <a:schemeClr val="lt1"/>
+            </a:fontRef>
+          </p:style>
+          <p:txBody>
+            <a:bodyPr rtlCol="0" anchor="ctr"/>
+            <a:lstStyle/>
+            <a:p>
+              <a:pPr algn="ctr"/>
+              <a:endParaRPr lang="en-US"/>
+            </a:p>
+          </p:txBody>
+        </p:sp>
+        <p:cxnSp>
+          <p:nvCxnSpPr>
+            <p:cNvPr id="245" name="Straight Connector 244"/>
+            <p:cNvCxnSpPr/>
+            <p:nvPr/>
+          </p:nvCxnSpPr>
+          <p:spPr>
+            <a:xfrm flipV="1">
+              <a:off x="9372963" y="3419384"/>
+              <a:ext cx="457200" cy="912263"/>
+            </a:xfrm>
+            <a:prstGeom prst="line">
+              <a:avLst/>
+            </a:prstGeom>
+            <a:grpFill/>
+            <a:ln/>
+          </p:spPr>
+          <p:style>
+            <a:lnRef idx="2">
+              <a:schemeClr val="dk1"/>
+            </a:lnRef>
+            <a:fillRef idx="0">
+              <a:schemeClr val="dk1"/>
+            </a:fillRef>
+            <a:effectRef idx="1">
+              <a:schemeClr val="dk1"/>
+            </a:effectRef>
+            <a:fontRef idx="minor">
+              <a:schemeClr val="tx1"/>
+            </a:fontRef>
+          </p:style>
+        </p:cxnSp>
+        <p:cxnSp>
+          <p:nvCxnSpPr>
+            <p:cNvPr id="246" name="Straight Connector 245"/>
+            <p:cNvCxnSpPr/>
+            <p:nvPr/>
+          </p:nvCxnSpPr>
+          <p:spPr>
+            <a:xfrm>
+              <a:off x="9830163" y="1600200"/>
+              <a:ext cx="0" cy="1819184"/>
+            </a:xfrm>
+            <a:prstGeom prst="line">
+              <a:avLst/>
+            </a:prstGeom>
+            <a:grpFill/>
+          </p:spPr>
+          <p:style>
+            <a:lnRef idx="2">
+              <a:schemeClr val="dk1"/>
+            </a:lnRef>
+            <a:fillRef idx="0">
+              <a:schemeClr val="dk1"/>
+            </a:fillRef>
+            <a:effectRef idx="1">
+              <a:schemeClr val="dk1"/>
+            </a:effectRef>
+            <a:fontRef idx="minor">
+              <a:schemeClr val="tx1"/>
+            </a:fontRef>
+          </p:style>
+        </p:cxnSp>
+      </p:grpSp>
+      <p:grpSp>
+        <p:nvGrpSpPr>
+          <p:cNvPr id="247" name="Group 246"/>
+          <p:cNvGrpSpPr/>
+          <p:nvPr/>
+        </p:nvGrpSpPr>
+        <p:grpSpPr>
+          <a:xfrm>
+            <a:off x="3939824" y="2216872"/>
+            <a:ext cx="652512" cy="1994187"/>
             <a:chOff x="8854165" y="1600200"/>
             <a:chExt cx="975998" cy="2732517"/>
           </a:xfrm>
@@ -4509,7 +6417,7 @@
         </p:grpSpPr>
         <p:sp>
           <p:nvSpPr>
-            <p:cNvPr id="95" name="Rectangle 94"/>
+            <p:cNvPr id="248" name="Rectangle 247"/>
             <p:cNvSpPr/>
             <p:nvPr/>
           </p:nvSpPr>
@@ -4521,7 +6429,12 @@
             <a:prstGeom prst="rect">
               <a:avLst/>
             </a:prstGeom>
-            <a:grpFill/>
+            <a:solidFill>
+              <a:schemeClr val="accent6">
+                <a:lumMod val="20000"/>
+                <a:lumOff val="80000"/>
+              </a:schemeClr>
+            </a:solidFill>
             <a:ln>
               <a:noFill/>
             </a:ln>
@@ -4553,7 +6466,7 @@
         </p:sp>
         <p:sp>
           <p:nvSpPr>
-            <p:cNvPr id="96" name="Parallelogram 95"/>
+            <p:cNvPr id="249" name="Parallelogram 248"/>
             <p:cNvSpPr/>
             <p:nvPr/>
           </p:nvSpPr>
@@ -4567,7 +6480,12 @@
                 <a:gd name="adj" fmla="val 50352"/>
               </a:avLst>
             </a:prstGeom>
-            <a:grpFill/>
+            <a:solidFill>
+              <a:schemeClr val="accent6">
+                <a:lumMod val="20000"/>
+                <a:lumOff val="80000"/>
+              </a:schemeClr>
+            </a:solidFill>
             <a:ln>
               <a:noFill/>
             </a:ln>
@@ -4599,7 +6517,7 @@
         </p:sp>
         <p:sp>
           <p:nvSpPr>
-            <p:cNvPr id="97" name="Rectangle 96"/>
+            <p:cNvPr id="250" name="Rectangle 249"/>
             <p:cNvSpPr/>
             <p:nvPr/>
           </p:nvSpPr>
@@ -4611,7 +6529,12 @@
             <a:prstGeom prst="rect">
               <a:avLst/>
             </a:prstGeom>
-            <a:grpFill/>
+            <a:solidFill>
+              <a:schemeClr val="accent6">
+                <a:lumMod val="20000"/>
+                <a:lumOff val="80000"/>
+              </a:schemeClr>
+            </a:solidFill>
             <a:ln>
               <a:solidFill>
                 <a:schemeClr val="bg2">
@@ -4647,7 +6570,7 @@
         </p:sp>
         <p:sp>
           <p:nvSpPr>
-            <p:cNvPr id="98" name="Parallelogram 97"/>
+            <p:cNvPr id="251" name="Parallelogram 250"/>
             <p:cNvSpPr/>
             <p:nvPr/>
           </p:nvSpPr>
@@ -4661,7 +6584,12 @@
                 <a:gd name="adj" fmla="val 50352"/>
               </a:avLst>
             </a:prstGeom>
-            <a:grpFill/>
+            <a:solidFill>
+              <a:schemeClr val="accent6">
+                <a:lumMod val="20000"/>
+                <a:lumOff val="80000"/>
+              </a:schemeClr>
+            </a:solidFill>
             <a:ln>
               <a:solidFill>
                 <a:schemeClr val="bg2">
@@ -4697,7 +6625,7 @@
         </p:sp>
         <p:cxnSp>
           <p:nvCxnSpPr>
-            <p:cNvPr id="99" name="Straight Connector 98"/>
+            <p:cNvPr id="252" name="Straight Connector 251"/>
             <p:cNvCxnSpPr/>
             <p:nvPr/>
           </p:nvCxnSpPr>
@@ -4729,7 +6657,7 @@
         </p:cxnSp>
         <p:cxnSp>
           <p:nvCxnSpPr>
-            <p:cNvPr id="100" name="Straight Connector 99"/>
+            <p:cNvPr id="253" name="Straight Connector 252"/>
             <p:cNvCxnSpPr/>
             <p:nvPr/>
           </p:nvCxnSpPr>
@@ -4761,13 +6689,13 @@
       </p:grpSp>
       <p:sp>
         <p:nvSpPr>
-          <p:cNvPr id="101" name="TextBox 100"/>
+          <p:cNvPr id="254" name="TextBox 253"/>
           <p:cNvSpPr txBox="1"/>
           <p:nvPr/>
         </p:nvSpPr>
         <p:spPr>
           <a:xfrm>
-            <a:off x="3571807" y="2397284"/>
+            <a:off x="2426076" y="3726843"/>
             <a:ext cx="418704" cy="369332"/>
           </a:xfrm>
           <a:prstGeom prst="rect">
@@ -4783,7 +6711,7 @@
           <a:p>
             <a:r>
               <a:rPr lang="en-US" dirty="0" smtClean="0"/>
-              <a:t>24</a:t>
+              <a:t>64</a:t>
             </a:r>
             <a:endParaRPr lang="en-US" dirty="0"/>
           </a:p>
@@ -4791,13 +6719,13 @@
       </p:sp>
       <p:sp>
         <p:nvSpPr>
-          <p:cNvPr id="102" name="TextBox 101"/>
+          <p:cNvPr id="255" name="TextBox 254"/>
           <p:cNvSpPr txBox="1"/>
           <p:nvPr/>
         </p:nvSpPr>
         <p:spPr>
           <a:xfrm>
-            <a:off x="3443965" y="3654598"/>
+            <a:off x="3021195" y="3736022"/>
             <a:ext cx="418704" cy="369332"/>
           </a:xfrm>
           <a:prstGeom prst="rect">
@@ -4819,286 +6747,15 @@
           </a:p>
         </p:txBody>
       </p:sp>
-      <p:grpSp>
-        <p:nvGrpSpPr>
-          <p:cNvPr id="103" name="Group 102"/>
-          <p:cNvGrpSpPr/>
-          <p:nvPr/>
-        </p:nvGrpSpPr>
-        <p:grpSpPr>
-          <a:xfrm>
-            <a:off x="4087966" y="2114286"/>
-            <a:ext cx="648499" cy="2112574"/>
-            <a:chOff x="8854165" y="1600200"/>
-            <a:chExt cx="975998" cy="2732517"/>
-          </a:xfrm>
-          <a:solidFill>
-            <a:srgbClr val="E4C8FC">
-              <a:alpha val="60000"/>
-            </a:srgbClr>
-          </a:solidFill>
-        </p:grpSpPr>
-        <p:sp>
-          <p:nvSpPr>
-            <p:cNvPr id="104" name="Rectangle 103"/>
-            <p:cNvSpPr/>
-            <p:nvPr/>
-          </p:nvSpPr>
-          <p:spPr>
-            <a:xfrm>
-              <a:off x="9312090" y="1602336"/>
-              <a:ext cx="511360" cy="1820254"/>
-            </a:xfrm>
-            <a:prstGeom prst="rect">
-              <a:avLst/>
-            </a:prstGeom>
-            <a:grpFill/>
-            <a:ln>
-              <a:noFill/>
-            </a:ln>
-          </p:spPr>
-          <p:style>
-            <a:lnRef idx="2">
-              <a:schemeClr val="accent1">
-                <a:shade val="50000"/>
-              </a:schemeClr>
-            </a:lnRef>
-            <a:fillRef idx="1">
-              <a:schemeClr val="accent1"/>
-            </a:fillRef>
-            <a:effectRef idx="0">
-              <a:schemeClr val="accent1"/>
-            </a:effectRef>
-            <a:fontRef idx="minor">
-              <a:schemeClr val="lt1"/>
-            </a:fontRef>
-          </p:style>
-          <p:txBody>
-            <a:bodyPr rtlCol="0" anchor="ctr"/>
-            <a:lstStyle/>
-            <a:p>
-              <a:pPr algn="ctr"/>
-              <a:endParaRPr lang="en-US"/>
-            </a:p>
-          </p:txBody>
-        </p:sp>
-        <p:sp>
-          <p:nvSpPr>
-            <p:cNvPr id="105" name="Parallelogram 104"/>
-            <p:cNvSpPr/>
-            <p:nvPr/>
-          </p:nvSpPr>
-          <p:spPr>
-            <a:xfrm>
-              <a:off x="8854165" y="3420453"/>
-              <a:ext cx="969285" cy="910127"/>
-            </a:xfrm>
-            <a:prstGeom prst="parallelogram">
-              <a:avLst>
-                <a:gd name="adj" fmla="val 50352"/>
-              </a:avLst>
-            </a:prstGeom>
-            <a:grpFill/>
-            <a:ln>
-              <a:noFill/>
-            </a:ln>
-          </p:spPr>
-          <p:style>
-            <a:lnRef idx="2">
-              <a:schemeClr val="accent1">
-                <a:shade val="50000"/>
-              </a:schemeClr>
-            </a:lnRef>
-            <a:fillRef idx="1">
-              <a:schemeClr val="accent1"/>
-            </a:fillRef>
-            <a:effectRef idx="0">
-              <a:schemeClr val="accent1"/>
-            </a:effectRef>
-            <a:fontRef idx="minor">
-              <a:schemeClr val="lt1"/>
-            </a:fontRef>
-          </p:style>
-          <p:txBody>
-            <a:bodyPr rtlCol="0" anchor="ctr"/>
-            <a:lstStyle/>
-            <a:p>
-              <a:pPr algn="ctr"/>
-              <a:endParaRPr lang="en-US"/>
-            </a:p>
-          </p:txBody>
-        </p:sp>
-        <p:sp>
-          <p:nvSpPr>
-            <p:cNvPr id="106" name="Rectangle 105"/>
-            <p:cNvSpPr/>
-            <p:nvPr/>
-          </p:nvSpPr>
-          <p:spPr>
-            <a:xfrm>
-              <a:off x="8854528" y="2512463"/>
-              <a:ext cx="505372" cy="1820254"/>
-            </a:xfrm>
-            <a:prstGeom prst="rect">
-              <a:avLst/>
-            </a:prstGeom>
-            <a:grpFill/>
-            <a:ln>
-              <a:solidFill>
-                <a:schemeClr val="bg2">
-                  <a:lumMod val="10000"/>
-                </a:schemeClr>
-              </a:solidFill>
-            </a:ln>
-          </p:spPr>
-          <p:style>
-            <a:lnRef idx="2">
-              <a:schemeClr val="accent1">
-                <a:shade val="50000"/>
-              </a:schemeClr>
-            </a:lnRef>
-            <a:fillRef idx="1">
-              <a:schemeClr val="accent1"/>
-            </a:fillRef>
-            <a:effectRef idx="0">
-              <a:schemeClr val="accent1"/>
-            </a:effectRef>
-            <a:fontRef idx="minor">
-              <a:schemeClr val="lt1"/>
-            </a:fontRef>
-          </p:style>
-          <p:txBody>
-            <a:bodyPr rtlCol="0" anchor="ctr"/>
-            <a:lstStyle/>
-            <a:p>
-              <a:pPr algn="ctr"/>
-              <a:endParaRPr lang="en-US"/>
-            </a:p>
-          </p:txBody>
-        </p:sp>
-        <p:sp>
-          <p:nvSpPr>
-            <p:cNvPr id="107" name="Parallelogram 106"/>
-            <p:cNvSpPr/>
-            <p:nvPr/>
-          </p:nvSpPr>
-          <p:spPr>
-            <a:xfrm>
-              <a:off x="8854165" y="1602336"/>
-              <a:ext cx="969285" cy="910127"/>
-            </a:xfrm>
-            <a:prstGeom prst="parallelogram">
-              <a:avLst>
-                <a:gd name="adj" fmla="val 50352"/>
-              </a:avLst>
-            </a:prstGeom>
-            <a:grpFill/>
-            <a:ln>
-              <a:solidFill>
-                <a:schemeClr val="bg2">
-                  <a:lumMod val="10000"/>
-                </a:schemeClr>
-              </a:solidFill>
-            </a:ln>
-          </p:spPr>
-          <p:style>
-            <a:lnRef idx="2">
-              <a:schemeClr val="accent1">
-                <a:shade val="50000"/>
-              </a:schemeClr>
-            </a:lnRef>
-            <a:fillRef idx="1">
-              <a:schemeClr val="accent1"/>
-            </a:fillRef>
-            <a:effectRef idx="0">
-              <a:schemeClr val="accent1"/>
-            </a:effectRef>
-            <a:fontRef idx="minor">
-              <a:schemeClr val="lt1"/>
-            </a:fontRef>
-          </p:style>
-          <p:txBody>
-            <a:bodyPr rtlCol="0" anchor="ctr"/>
-            <a:lstStyle/>
-            <a:p>
-              <a:pPr algn="ctr"/>
-              <a:endParaRPr lang="en-US"/>
-            </a:p>
-          </p:txBody>
-        </p:sp>
-        <p:cxnSp>
-          <p:nvCxnSpPr>
-            <p:cNvPr id="108" name="Straight Connector 107"/>
-            <p:cNvCxnSpPr/>
-            <p:nvPr/>
-          </p:nvCxnSpPr>
-          <p:spPr>
-            <a:xfrm flipV="1">
-              <a:off x="9372963" y="3419384"/>
-              <a:ext cx="457200" cy="912263"/>
-            </a:xfrm>
-            <a:prstGeom prst="line">
-              <a:avLst/>
-            </a:prstGeom>
-            <a:grpFill/>
-            <a:ln/>
-          </p:spPr>
-          <p:style>
-            <a:lnRef idx="2">
-              <a:schemeClr val="dk1"/>
-            </a:lnRef>
-            <a:fillRef idx="0">
-              <a:schemeClr val="dk1"/>
-            </a:fillRef>
-            <a:effectRef idx="1">
-              <a:schemeClr val="dk1"/>
-            </a:effectRef>
-            <a:fontRef idx="minor">
-              <a:schemeClr val="tx1"/>
-            </a:fontRef>
-          </p:style>
-        </p:cxnSp>
-        <p:cxnSp>
-          <p:nvCxnSpPr>
-            <p:cNvPr id="109" name="Straight Connector 108"/>
-            <p:cNvCxnSpPr/>
-            <p:nvPr/>
-          </p:nvCxnSpPr>
-          <p:spPr>
-            <a:xfrm>
-              <a:off x="9830163" y="1600200"/>
-              <a:ext cx="0" cy="1819184"/>
-            </a:xfrm>
-            <a:prstGeom prst="line">
-              <a:avLst/>
-            </a:prstGeom>
-            <a:grpFill/>
-          </p:spPr>
-          <p:style>
-            <a:lnRef idx="2">
-              <a:schemeClr val="dk1"/>
-            </a:lnRef>
-            <a:fillRef idx="0">
-              <a:schemeClr val="dk1"/>
-            </a:fillRef>
-            <a:effectRef idx="1">
-              <a:schemeClr val="dk1"/>
-            </a:effectRef>
-            <a:fontRef idx="minor">
-              <a:schemeClr val="tx1"/>
-            </a:fontRef>
-          </p:style>
-        </p:cxnSp>
-      </p:grpSp>
-      <p:sp>
-        <p:nvSpPr>
-          <p:cNvPr id="110" name="TextBox 109"/>
+      <p:sp>
+        <p:nvSpPr>
+          <p:cNvPr id="256" name="TextBox 255"/>
           <p:cNvSpPr txBox="1"/>
           <p:nvPr/>
         </p:nvSpPr>
         <p:spPr>
           <a:xfrm>
-            <a:off x="4365887" y="2838440"/>
+            <a:off x="2638049" y="2333506"/>
             <a:ext cx="418704" cy="369332"/>
           </a:xfrm>
           <a:prstGeom prst="rect">
@@ -5120,16 +6777,196 @@
           </a:p>
         </p:txBody>
       </p:sp>
+      <p:sp>
+        <p:nvSpPr>
+          <p:cNvPr id="257" name="TextBox 256"/>
+          <p:cNvSpPr txBox="1"/>
+          <p:nvPr/>
+        </p:nvSpPr>
+        <p:spPr>
+          <a:xfrm>
+            <a:off x="3174274" y="2347189"/>
+            <a:ext cx="418704" cy="369332"/>
+          </a:xfrm>
+          <a:prstGeom prst="rect">
+            <a:avLst/>
+          </a:prstGeom>
+          <a:noFill/>
+        </p:spPr>
+        <p:txBody>
+          <a:bodyPr wrap="none" rtlCol="0">
+            <a:spAutoFit/>
+          </a:bodyPr>
+          <a:lstStyle/>
+          <a:p>
+            <a:r>
+              <a:rPr lang="en-US" dirty="0" smtClean="0"/>
+              <a:t>24</a:t>
+            </a:r>
+            <a:endParaRPr lang="en-US" dirty="0"/>
+          </a:p>
+        </p:txBody>
+      </p:sp>
+      <p:sp>
+        <p:nvSpPr>
+          <p:cNvPr id="258" name="TextBox 257"/>
+          <p:cNvSpPr txBox="1"/>
+          <p:nvPr/>
+        </p:nvSpPr>
+        <p:spPr>
+          <a:xfrm>
+            <a:off x="3661695" y="2360851"/>
+            <a:ext cx="418704" cy="369332"/>
+          </a:xfrm>
+          <a:prstGeom prst="rect">
+            <a:avLst/>
+          </a:prstGeom>
+          <a:noFill/>
+        </p:spPr>
+        <p:txBody>
+          <a:bodyPr wrap="none" rtlCol="0">
+            <a:spAutoFit/>
+          </a:bodyPr>
+          <a:lstStyle/>
+          <a:p>
+            <a:r>
+              <a:rPr lang="en-US" dirty="0" smtClean="0"/>
+              <a:t>24</a:t>
+            </a:r>
+            <a:endParaRPr lang="en-US" dirty="0"/>
+          </a:p>
+        </p:txBody>
+      </p:sp>
+      <p:sp>
+        <p:nvSpPr>
+          <p:cNvPr id="259" name="TextBox 258"/>
+          <p:cNvSpPr txBox="1"/>
+          <p:nvPr/>
+        </p:nvSpPr>
+        <p:spPr>
+          <a:xfrm>
+            <a:off x="4080838" y="2333506"/>
+            <a:ext cx="418704" cy="369332"/>
+          </a:xfrm>
+          <a:prstGeom prst="rect">
+            <a:avLst/>
+          </a:prstGeom>
+          <a:noFill/>
+        </p:spPr>
+        <p:txBody>
+          <a:bodyPr wrap="none" rtlCol="0">
+            <a:spAutoFit/>
+          </a:bodyPr>
+          <a:lstStyle/>
+          <a:p>
+            <a:r>
+              <a:rPr lang="en-US" dirty="0" smtClean="0"/>
+              <a:t>12</a:t>
+            </a:r>
+            <a:endParaRPr lang="en-US" dirty="0"/>
+          </a:p>
+        </p:txBody>
+      </p:sp>
+      <p:sp>
+        <p:nvSpPr>
+          <p:cNvPr id="262" name="TextBox 261"/>
+          <p:cNvSpPr txBox="1"/>
+          <p:nvPr/>
+        </p:nvSpPr>
+        <p:spPr>
+          <a:xfrm>
+            <a:off x="3859538" y="3246676"/>
+            <a:ext cx="476412" cy="369332"/>
+          </a:xfrm>
+          <a:prstGeom prst="rect">
+            <a:avLst/>
+          </a:prstGeom>
+          <a:noFill/>
+        </p:spPr>
+        <p:txBody>
+          <a:bodyPr wrap="none" rtlCol="0">
+            <a:spAutoFit/>
+          </a:bodyPr>
+          <a:lstStyle/>
+          <a:p>
+            <a:r>
+              <a:rPr lang="en-US" dirty="0" smtClean="0"/>
+              <a:t>0.5</a:t>
+            </a:r>
+            <a:endParaRPr lang="en-US" dirty="0"/>
+          </a:p>
+        </p:txBody>
+      </p:sp>
+      <p:sp>
+        <p:nvSpPr>
+          <p:cNvPr id="263" name="TextBox 262"/>
+          <p:cNvSpPr txBox="1"/>
+          <p:nvPr/>
+        </p:nvSpPr>
+        <p:spPr>
+          <a:xfrm>
+            <a:off x="1909695" y="2156556"/>
+            <a:ext cx="418704" cy="369332"/>
+          </a:xfrm>
+          <a:prstGeom prst="rect">
+            <a:avLst/>
+          </a:prstGeom>
+          <a:noFill/>
+        </p:spPr>
+        <p:txBody>
+          <a:bodyPr wrap="none" rtlCol="0">
+            <a:spAutoFit/>
+          </a:bodyPr>
+          <a:lstStyle/>
+          <a:p>
+            <a:r>
+              <a:rPr lang="en-US" dirty="0" smtClean="0"/>
+              <a:t>24</a:t>
+            </a:r>
+            <a:endParaRPr lang="en-US" dirty="0"/>
+          </a:p>
+        </p:txBody>
+      </p:sp>
+      <p:sp>
+        <p:nvSpPr>
+          <p:cNvPr id="264" name="TextBox 263"/>
+          <p:cNvSpPr txBox="1"/>
+          <p:nvPr/>
+        </p:nvSpPr>
+        <p:spPr>
+          <a:xfrm rot="16200000">
+            <a:off x="3512326" y="4689043"/>
+            <a:ext cx="1137940" cy="369332"/>
+          </a:xfrm>
+          <a:prstGeom prst="rect">
+            <a:avLst/>
+          </a:prstGeom>
+          <a:noFill/>
+        </p:spPr>
+        <p:txBody>
+          <a:bodyPr wrap="none" rtlCol="0">
+            <a:spAutoFit/>
+          </a:bodyPr>
+          <a:lstStyle/>
+          <a:p>
+            <a:r>
+              <a:rPr lang="en-US" dirty="0" smtClean="0"/>
+              <a:t>Dropout 2</a:t>
+            </a:r>
+            <a:endParaRPr lang="en-US" dirty="0"/>
+          </a:p>
+        </p:txBody>
+      </p:sp>
       <p:grpSp>
         <p:nvGrpSpPr>
-          <p:cNvPr id="140" name="Group 139"/>
+          <p:cNvPr id="265" name="Group 264"/>
           <p:cNvGrpSpPr/>
           <p:nvPr/>
         </p:nvGrpSpPr>
         <p:grpSpPr>
           <a:xfrm>
-            <a:off x="4876559" y="2519262"/>
-            <a:ext cx="574336" cy="1460189"/>
+            <a:off x="4552529" y="2471259"/>
+            <a:ext cx="809141" cy="1498022"/>
             <a:chOff x="8854165" y="1600200"/>
             <a:chExt cx="975998" cy="2732517"/>
           </a:xfrm>
@@ -5143,14 +6980,14 @@
         </p:grpSpPr>
         <p:sp>
           <p:nvSpPr>
-            <p:cNvPr id="141" name="Rectangle 140"/>
+            <p:cNvPr id="266" name="Rectangle 265"/>
             <p:cNvSpPr/>
             <p:nvPr/>
           </p:nvSpPr>
           <p:spPr>
             <a:xfrm>
-              <a:off x="9312090" y="1602336"/>
-              <a:ext cx="511360" cy="1820254"/>
+              <a:off x="9160944" y="1602336"/>
+              <a:ext cx="662506" cy="1820255"/>
             </a:xfrm>
             <a:prstGeom prst="rect">
               <a:avLst/>
@@ -5187,7 +7024,7 @@
         </p:sp>
         <p:sp>
           <p:nvSpPr>
-            <p:cNvPr id="142" name="Parallelogram 141"/>
+            <p:cNvPr id="267" name="Parallelogram 266"/>
             <p:cNvSpPr/>
             <p:nvPr/>
           </p:nvSpPr>
@@ -5233,14 +7070,14 @@
         </p:sp>
         <p:sp>
           <p:nvSpPr>
-            <p:cNvPr id="143" name="Rectangle 142"/>
+            <p:cNvPr id="268" name="Rectangle 267"/>
             <p:cNvSpPr/>
             <p:nvPr/>
           </p:nvSpPr>
           <p:spPr>
             <a:xfrm>
-              <a:off x="8854528" y="2512463"/>
-              <a:ext cx="505372" cy="1820254"/>
+              <a:off x="8854528" y="2512462"/>
+              <a:ext cx="659447" cy="1820255"/>
             </a:xfrm>
             <a:prstGeom prst="rect">
               <a:avLst/>
@@ -5281,7 +7118,7 @@
         </p:sp>
         <p:sp>
           <p:nvSpPr>
-            <p:cNvPr id="144" name="Parallelogram 143"/>
+            <p:cNvPr id="269" name="Parallelogram 268"/>
             <p:cNvSpPr/>
             <p:nvPr/>
           </p:nvSpPr>
@@ -5331,14 +7168,14 @@
         </p:sp>
         <p:cxnSp>
           <p:nvCxnSpPr>
-            <p:cNvPr id="145" name="Straight Connector 144"/>
+            <p:cNvPr id="270" name="Straight Connector 269"/>
             <p:cNvCxnSpPr/>
             <p:nvPr/>
           </p:nvCxnSpPr>
           <p:spPr>
             <a:xfrm flipV="1">
-              <a:off x="9372963" y="3419384"/>
-              <a:ext cx="457200" cy="912263"/>
+              <a:off x="9510157" y="3419386"/>
+              <a:ext cx="320006" cy="906050"/>
             </a:xfrm>
             <a:prstGeom prst="line">
               <a:avLst/>
@@ -5363,7 +7200,7 @@
         </p:cxnSp>
         <p:cxnSp>
           <p:nvCxnSpPr>
-            <p:cNvPr id="146" name="Straight Connector 145"/>
+            <p:cNvPr id="271" name="Straight Connector 270"/>
             <p:cNvCxnSpPr/>
             <p:nvPr/>
           </p:nvCxnSpPr>
@@ -5395,13 +7232,13 @@
       </p:grpSp>
       <p:sp>
         <p:nvSpPr>
-          <p:cNvPr id="147" name="TextBox 146"/>
+          <p:cNvPr id="272" name="TextBox 271"/>
           <p:cNvSpPr txBox="1"/>
           <p:nvPr/>
         </p:nvSpPr>
         <p:spPr>
           <a:xfrm>
-            <a:off x="4826046" y="3459494"/>
+            <a:off x="4504619" y="3437326"/>
             <a:ext cx="620900" cy="369332"/>
           </a:xfrm>
           <a:prstGeom prst="rect">
@@ -5423,46 +7260,16 @@
           </a:p>
         </p:txBody>
       </p:sp>
-      <p:sp>
-        <p:nvSpPr>
-          <p:cNvPr id="151" name="TextBox 150"/>
-          <p:cNvSpPr txBox="1"/>
-          <p:nvPr/>
-        </p:nvSpPr>
-        <p:spPr>
-          <a:xfrm>
-            <a:off x="5008103" y="2509174"/>
-            <a:ext cx="503308" cy="369332"/>
-          </a:xfrm>
-          <a:prstGeom prst="rect">
-            <a:avLst/>
-          </a:prstGeom>
-          <a:noFill/>
-        </p:spPr>
-        <p:txBody>
-          <a:bodyPr wrap="square" rtlCol="0">
-            <a:spAutoFit/>
-          </a:bodyPr>
-          <a:lstStyle/>
-          <a:p>
-            <a:r>
-              <a:rPr lang="en-US" dirty="0" smtClean="0"/>
-              <a:t>12</a:t>
-            </a:r>
-            <a:endParaRPr lang="en-US" dirty="0"/>
-          </a:p>
-        </p:txBody>
-      </p:sp>
       <p:grpSp>
         <p:nvGrpSpPr>
-          <p:cNvPr id="152" name="Group 151"/>
+          <p:cNvPr id="289" name="Group 288"/>
           <p:cNvGrpSpPr/>
           <p:nvPr/>
         </p:nvGrpSpPr>
         <p:grpSpPr>
           <a:xfrm>
-            <a:off x="5318643" y="2524352"/>
-            <a:ext cx="574336" cy="1460189"/>
+            <a:off x="5158927" y="2469334"/>
+            <a:ext cx="809141" cy="1498022"/>
             <a:chOff x="8854165" y="1600200"/>
             <a:chExt cx="975998" cy="2732517"/>
           </a:xfrm>
@@ -5476,14 +7283,14 @@
         </p:grpSpPr>
         <p:sp>
           <p:nvSpPr>
-            <p:cNvPr id="153" name="Rectangle 152"/>
+            <p:cNvPr id="290" name="Rectangle 289"/>
             <p:cNvSpPr/>
             <p:nvPr/>
           </p:nvSpPr>
           <p:spPr>
             <a:xfrm>
-              <a:off x="9312090" y="1602336"/>
-              <a:ext cx="511360" cy="1820254"/>
+              <a:off x="9160944" y="1602336"/>
+              <a:ext cx="662506" cy="1820255"/>
             </a:xfrm>
             <a:prstGeom prst="rect">
               <a:avLst/>
@@ -5520,7 +7327,7 @@
         </p:sp>
         <p:sp>
           <p:nvSpPr>
-            <p:cNvPr id="154" name="Parallelogram 153"/>
+            <p:cNvPr id="291" name="Parallelogram 290"/>
             <p:cNvSpPr/>
             <p:nvPr/>
           </p:nvSpPr>
@@ -5566,14 +7373,14 @@
         </p:sp>
         <p:sp>
           <p:nvSpPr>
-            <p:cNvPr id="155" name="Rectangle 154"/>
+            <p:cNvPr id="292" name="Rectangle 291"/>
             <p:cNvSpPr/>
             <p:nvPr/>
           </p:nvSpPr>
           <p:spPr>
             <a:xfrm>
-              <a:off x="8854528" y="2512463"/>
-              <a:ext cx="505372" cy="1820254"/>
+              <a:off x="8854528" y="2512462"/>
+              <a:ext cx="677089" cy="1820255"/>
             </a:xfrm>
             <a:prstGeom prst="rect">
               <a:avLst/>
@@ -5614,7 +7421,7 @@
         </p:sp>
         <p:sp>
           <p:nvSpPr>
-            <p:cNvPr id="156" name="Parallelogram 155"/>
+            <p:cNvPr id="293" name="Parallelogram 292"/>
             <p:cNvSpPr/>
             <p:nvPr/>
           </p:nvSpPr>
@@ -5664,14 +7471,14 @@
         </p:sp>
         <p:cxnSp>
           <p:nvCxnSpPr>
-            <p:cNvPr id="157" name="Straight Connector 156"/>
+            <p:cNvPr id="294" name="Straight Connector 293"/>
             <p:cNvCxnSpPr/>
             <p:nvPr/>
           </p:nvCxnSpPr>
           <p:spPr>
             <a:xfrm flipV="1">
-              <a:off x="9372963" y="3419384"/>
-              <a:ext cx="457200" cy="912263"/>
+              <a:off x="9517034" y="3419386"/>
+              <a:ext cx="313129" cy="905893"/>
             </a:xfrm>
             <a:prstGeom prst="line">
               <a:avLst/>
@@ -5696,7 +7503,7 @@
         </p:cxnSp>
         <p:cxnSp>
           <p:nvCxnSpPr>
-            <p:cNvPr id="158" name="Straight Connector 157"/>
+            <p:cNvPr id="295" name="Straight Connector 294"/>
             <p:cNvCxnSpPr/>
             <p:nvPr/>
           </p:nvCxnSpPr>
@@ -5726,16 +7533,46 @@
           </p:style>
         </p:cxnSp>
       </p:grpSp>
+      <p:sp>
+        <p:nvSpPr>
+          <p:cNvPr id="296" name="TextBox 295"/>
+          <p:cNvSpPr txBox="1"/>
+          <p:nvPr/>
+        </p:nvSpPr>
+        <p:spPr>
+          <a:xfrm>
+            <a:off x="5192698" y="3422947"/>
+            <a:ext cx="620900" cy="369332"/>
+          </a:xfrm>
+          <a:prstGeom prst="rect">
+            <a:avLst/>
+          </a:prstGeom>
+          <a:noFill/>
+        </p:spPr>
+        <p:txBody>
+          <a:bodyPr wrap="square" rtlCol="0">
+            <a:spAutoFit/>
+          </a:bodyPr>
+          <a:lstStyle/>
+          <a:p>
+            <a:r>
+              <a:rPr lang="en-US" dirty="0" smtClean="0"/>
+              <a:t>128</a:t>
+            </a:r>
+            <a:endParaRPr lang="en-US" dirty="0"/>
+          </a:p>
+        </p:txBody>
+      </p:sp>
       <p:grpSp>
         <p:nvGrpSpPr>
-          <p:cNvPr id="161" name="Group 160"/>
+          <p:cNvPr id="304" name="Group 303"/>
           <p:cNvGrpSpPr/>
           <p:nvPr/>
         </p:nvGrpSpPr>
         <p:grpSpPr>
           <a:xfrm>
-            <a:off x="5828537" y="2500000"/>
-            <a:ext cx="443929" cy="1478207"/>
+            <a:off x="5773366" y="2469335"/>
+            <a:ext cx="461301" cy="1500978"/>
             <a:chOff x="8854165" y="1600200"/>
             <a:chExt cx="975998" cy="2732517"/>
           </a:xfrm>
@@ -5747,7 +7584,7 @@
         </p:grpSpPr>
         <p:sp>
           <p:nvSpPr>
-            <p:cNvPr id="162" name="Rectangle 161"/>
+            <p:cNvPr id="305" name="Rectangle 304"/>
             <p:cNvSpPr/>
             <p:nvPr/>
           </p:nvSpPr>
@@ -5791,7 +7628,7 @@
         </p:sp>
         <p:sp>
           <p:nvSpPr>
-            <p:cNvPr id="163" name="Parallelogram 162"/>
+            <p:cNvPr id="306" name="Parallelogram 305"/>
             <p:cNvSpPr/>
             <p:nvPr/>
           </p:nvSpPr>
@@ -5837,7 +7674,7 @@
         </p:sp>
         <p:sp>
           <p:nvSpPr>
-            <p:cNvPr id="164" name="Rectangle 163"/>
+            <p:cNvPr id="307" name="Rectangle 306"/>
             <p:cNvSpPr/>
             <p:nvPr/>
           </p:nvSpPr>
@@ -5885,7 +7722,7 @@
         </p:sp>
         <p:sp>
           <p:nvSpPr>
-            <p:cNvPr id="165" name="Parallelogram 164"/>
+            <p:cNvPr id="308" name="Parallelogram 307"/>
             <p:cNvSpPr/>
             <p:nvPr/>
           </p:nvSpPr>
@@ -5935,7 +7772,7 @@
         </p:sp>
         <p:cxnSp>
           <p:nvCxnSpPr>
-            <p:cNvPr id="166" name="Straight Connector 165"/>
+            <p:cNvPr id="309" name="Straight Connector 308"/>
             <p:cNvCxnSpPr/>
             <p:nvPr/>
           </p:nvCxnSpPr>
@@ -5967,7 +7804,7 @@
         </p:cxnSp>
         <p:cxnSp>
           <p:nvCxnSpPr>
-            <p:cNvPr id="167" name="Straight Connector 166"/>
+            <p:cNvPr id="310" name="Straight Connector 309"/>
             <p:cNvCxnSpPr/>
             <p:nvPr/>
           </p:nvCxnSpPr>
@@ -5999,14 +7836,14 @@
       </p:grpSp>
       <p:sp>
         <p:nvSpPr>
-          <p:cNvPr id="169" name="TextBox 168"/>
+          <p:cNvPr id="318" name="TextBox 317"/>
           <p:cNvSpPr txBox="1"/>
           <p:nvPr/>
         </p:nvSpPr>
         <p:spPr>
           <a:xfrm>
-            <a:off x="5363454" y="3435432"/>
-            <a:ext cx="620900" cy="369332"/>
+            <a:off x="4718606" y="2512927"/>
+            <a:ext cx="418704" cy="369332"/>
           </a:xfrm>
           <a:prstGeom prst="rect">
             <a:avLst/>
@@ -6014,14 +7851,14 @@
           <a:noFill/>
         </p:spPr>
         <p:txBody>
-          <a:bodyPr wrap="square" rtlCol="0">
+          <a:bodyPr wrap="none" rtlCol="0">
             <a:spAutoFit/>
           </a:bodyPr>
           <a:lstStyle/>
           <a:p>
             <a:r>
               <a:rPr lang="en-US" dirty="0" smtClean="0"/>
-              <a:t>128</a:t>
+              <a:t>12</a:t>
             </a:r>
             <a:endParaRPr lang="en-US" dirty="0"/>
           </a:p>
@@ -6029,14 +7866,14 @@
       </p:sp>
       <p:sp>
         <p:nvSpPr>
-          <p:cNvPr id="170" name="TextBox 169"/>
+          <p:cNvPr id="319" name="TextBox 318"/>
           <p:cNvSpPr txBox="1"/>
           <p:nvPr/>
         </p:nvSpPr>
         <p:spPr>
           <a:xfrm>
-            <a:off x="5497387" y="2485110"/>
-            <a:ext cx="503308" cy="369332"/>
+            <a:off x="5309167" y="2514884"/>
+            <a:ext cx="418704" cy="369332"/>
           </a:xfrm>
           <a:prstGeom prst="rect">
             <a:avLst/>
@@ -6044,7 +7881,7 @@
           <a:noFill/>
         </p:spPr>
         <p:txBody>
-          <a:bodyPr wrap="square" rtlCol="0">
+          <a:bodyPr wrap="none" rtlCol="0">
             <a:spAutoFit/>
           </a:bodyPr>
           <a:lstStyle/>
@@ -6059,14 +7896,14 @@
       </p:sp>
       <p:sp>
         <p:nvSpPr>
-          <p:cNvPr id="171" name="TextBox 170"/>
+          <p:cNvPr id="320" name="TextBox 319"/>
           <p:cNvSpPr txBox="1"/>
           <p:nvPr/>
         </p:nvSpPr>
         <p:spPr>
           <a:xfrm>
-            <a:off x="5954585" y="2974392"/>
-            <a:ext cx="503308" cy="369332"/>
+            <a:off x="5824967" y="2508288"/>
+            <a:ext cx="418704" cy="369332"/>
           </a:xfrm>
           <a:prstGeom prst="rect">
             <a:avLst/>
@@ -6074,36 +7911,6 @@
           <a:noFill/>
         </p:spPr>
         <p:txBody>
-          <a:bodyPr wrap="square" rtlCol="0">
-            <a:spAutoFit/>
-          </a:bodyPr>
-          <a:lstStyle/>
-          <a:p>
-            <a:r>
-              <a:rPr lang="en-US" dirty="0" smtClean="0"/>
-              <a:t>12</a:t>
-            </a:r>
-            <a:endParaRPr lang="en-US" dirty="0"/>
-          </a:p>
-        </p:txBody>
-      </p:sp>
-      <p:sp>
-        <p:nvSpPr>
-          <p:cNvPr id="172" name="TextBox 171"/>
-          <p:cNvSpPr txBox="1"/>
-          <p:nvPr/>
-        </p:nvSpPr>
-        <p:spPr>
-          <a:xfrm rot="16200000">
-            <a:off x="4662284" y="4382310"/>
-            <a:ext cx="822020" cy="369332"/>
-          </a:xfrm>
-          <a:prstGeom prst="rect">
-            <a:avLst/>
-          </a:prstGeom>
-          <a:noFill/>
-        </p:spPr>
-        <p:txBody>
           <a:bodyPr wrap="none" rtlCol="0">
             <a:spAutoFit/>
           </a:bodyPr>
@@ -6111,67 +7918,7 @@
           <a:p>
             <a:r>
               <a:rPr lang="en-US" dirty="0" smtClean="0"/>
-              <a:t>Conv 4</a:t>
-            </a:r>
-            <a:endParaRPr lang="en-US" dirty="0"/>
-          </a:p>
-        </p:txBody>
-      </p:sp>
-      <p:sp>
-        <p:nvSpPr>
-          <p:cNvPr id="173" name="TextBox 172"/>
-          <p:cNvSpPr txBox="1"/>
-          <p:nvPr/>
-        </p:nvSpPr>
-        <p:spPr>
-          <a:xfrm rot="16200000">
-            <a:off x="5087398" y="4390332"/>
-            <a:ext cx="822020" cy="369332"/>
-          </a:xfrm>
-          <a:prstGeom prst="rect">
-            <a:avLst/>
-          </a:prstGeom>
-          <a:noFill/>
-        </p:spPr>
-        <p:txBody>
-          <a:bodyPr wrap="none" rtlCol="0">
-            <a:spAutoFit/>
-          </a:bodyPr>
-          <a:lstStyle/>
-          <a:p>
-            <a:r>
-              <a:rPr lang="en-US" smtClean="0"/>
-              <a:t>Conv 5</a:t>
-            </a:r>
-            <a:endParaRPr lang="en-US" dirty="0"/>
-          </a:p>
-        </p:txBody>
-      </p:sp>
-      <p:sp>
-        <p:nvSpPr>
-          <p:cNvPr id="174" name="TextBox 173"/>
-          <p:cNvSpPr txBox="1"/>
-          <p:nvPr/>
-        </p:nvSpPr>
-        <p:spPr>
-          <a:xfrm rot="16200000">
-            <a:off x="5428689" y="4487717"/>
-            <a:ext cx="1048877" cy="369332"/>
-          </a:xfrm>
-          <a:prstGeom prst="rect">
-            <a:avLst/>
-          </a:prstGeom>
-          <a:noFill/>
-        </p:spPr>
-        <p:txBody>
-          <a:bodyPr wrap="none" rtlCol="0">
-            <a:spAutoFit/>
-          </a:bodyPr>
-          <a:lstStyle/>
-          <a:p>
-            <a:r>
-              <a:rPr lang="en-US" dirty="0" smtClean="0"/>
-              <a:t>Pooling 3</a:t>
+              <a:t>12</a:t>
             </a:r>
             <a:endParaRPr lang="en-US" dirty="0"/>
           </a:p>
@@ -6179,37 +7926,42 @@
       </p:sp>
       <p:grpSp>
         <p:nvGrpSpPr>
-          <p:cNvPr id="183" name="Group 182"/>
+          <p:cNvPr id="339" name="Group 338"/>
           <p:cNvGrpSpPr/>
           <p:nvPr/>
         </p:nvGrpSpPr>
         <p:grpSpPr>
           <a:xfrm>
-            <a:off x="6870746" y="1870386"/>
-            <a:ext cx="331523" cy="2604574"/>
-            <a:chOff x="2433414" y="1600201"/>
-            <a:chExt cx="1373737" cy="2732517"/>
+            <a:off x="6317672" y="2476456"/>
+            <a:ext cx="863182" cy="1500564"/>
+            <a:chOff x="8854165" y="1600200"/>
+            <a:chExt cx="975998" cy="2732517"/>
           </a:xfrm>
+          <a:solidFill>
+            <a:schemeClr val="accent4">
+              <a:lumMod val="60000"/>
+              <a:lumOff val="40000"/>
+              <a:alpha val="60000"/>
+            </a:schemeClr>
+          </a:solidFill>
         </p:grpSpPr>
         <p:sp>
           <p:nvSpPr>
-            <p:cNvPr id="184" name="Rectangle 183"/>
+            <p:cNvPr id="340" name="Rectangle 339"/>
             <p:cNvSpPr/>
             <p:nvPr/>
           </p:nvSpPr>
           <p:spPr>
             <a:xfrm>
-              <a:off x="2435551" y="2512464"/>
-              <a:ext cx="914400" cy="1820254"/>
+              <a:off x="9132502" y="1602336"/>
+              <a:ext cx="690949" cy="1820254"/>
             </a:xfrm>
             <a:prstGeom prst="rect">
               <a:avLst/>
             </a:prstGeom>
-            <a:noFill/>
+            <a:grpFill/>
             <a:ln>
-              <a:solidFill>
-                <a:srgbClr val="FF0000"/>
-              </a:solidFill>
+              <a:noFill/>
             </a:ln>
           </p:spPr>
           <p:style>
@@ -6239,22 +7991,120 @@
         </p:sp>
         <p:sp>
           <p:nvSpPr>
-            <p:cNvPr id="185" name="Rectangle 184"/>
+            <p:cNvPr id="341" name="Parallelogram 340"/>
             <p:cNvSpPr/>
             <p:nvPr/>
           </p:nvSpPr>
           <p:spPr>
             <a:xfrm>
-              <a:off x="2892751" y="1602337"/>
-              <a:ext cx="914400" cy="1820254"/>
+              <a:off x="8854165" y="3420453"/>
+              <a:ext cx="969285" cy="910127"/>
+            </a:xfrm>
+            <a:prstGeom prst="parallelogram">
+              <a:avLst>
+                <a:gd name="adj" fmla="val 50352"/>
+              </a:avLst>
+            </a:prstGeom>
+            <a:grpFill/>
+            <a:ln>
+              <a:noFill/>
+            </a:ln>
+          </p:spPr>
+          <p:style>
+            <a:lnRef idx="2">
+              <a:schemeClr val="accent1">
+                <a:shade val="50000"/>
+              </a:schemeClr>
+            </a:lnRef>
+            <a:fillRef idx="1">
+              <a:schemeClr val="accent1"/>
+            </a:fillRef>
+            <a:effectRef idx="0">
+              <a:schemeClr val="accent1"/>
+            </a:effectRef>
+            <a:fontRef idx="minor">
+              <a:schemeClr val="lt1"/>
+            </a:fontRef>
+          </p:style>
+          <p:txBody>
+            <a:bodyPr rtlCol="0" anchor="ctr"/>
+            <a:lstStyle/>
+            <a:p>
+              <a:pPr algn="ctr"/>
+              <a:endParaRPr lang="en-US"/>
+            </a:p>
+          </p:txBody>
+        </p:sp>
+        <p:sp>
+          <p:nvSpPr>
+            <p:cNvPr id="342" name="Rectangle 341"/>
+            <p:cNvSpPr/>
+            <p:nvPr/>
+          </p:nvSpPr>
+          <p:spPr>
+            <a:xfrm>
+              <a:off x="8854529" y="2512463"/>
+              <a:ext cx="674190" cy="1820254"/>
             </a:xfrm>
             <a:prstGeom prst="rect">
               <a:avLst/>
             </a:prstGeom>
-            <a:noFill/>
+            <a:grpFill/>
             <a:ln>
               <a:solidFill>
-                <a:srgbClr val="FF0000"/>
+                <a:schemeClr val="bg2">
+                  <a:lumMod val="10000"/>
+                </a:schemeClr>
+              </a:solidFill>
+            </a:ln>
+          </p:spPr>
+          <p:style>
+            <a:lnRef idx="2">
+              <a:schemeClr val="accent1">
+                <a:shade val="50000"/>
+              </a:schemeClr>
+            </a:lnRef>
+            <a:fillRef idx="1">
+              <a:schemeClr val="accent1"/>
+            </a:fillRef>
+            <a:effectRef idx="0">
+              <a:schemeClr val="accent1"/>
+            </a:effectRef>
+            <a:fontRef idx="minor">
+              <a:schemeClr val="lt1"/>
+            </a:fontRef>
+          </p:style>
+          <p:txBody>
+            <a:bodyPr rtlCol="0" anchor="ctr"/>
+            <a:lstStyle/>
+            <a:p>
+              <a:pPr algn="ctr"/>
+              <a:endParaRPr lang="en-US"/>
+            </a:p>
+          </p:txBody>
+        </p:sp>
+        <p:sp>
+          <p:nvSpPr>
+            <p:cNvPr id="343" name="Parallelogram 342"/>
+            <p:cNvSpPr/>
+            <p:nvPr/>
+          </p:nvSpPr>
+          <p:spPr>
+            <a:xfrm>
+              <a:off x="8854165" y="1602336"/>
+              <a:ext cx="969285" cy="910127"/>
+            </a:xfrm>
+            <a:prstGeom prst="parallelogram">
+              <a:avLst>
+                <a:gd name="adj" fmla="val 50352"/>
+              </a:avLst>
+            </a:prstGeom>
+            <a:grpFill/>
+            <a:ln>
+              <a:solidFill>
+                <a:schemeClr val="bg2">
+                  <a:lumMod val="10000"/>
+                </a:schemeClr>
               </a:solidFill>
             </a:ln>
           </p:spPr>
@@ -6285,33 +8135,30 @@
         </p:sp>
         <p:cxnSp>
           <p:nvCxnSpPr>
-            <p:cNvPr id="186" name="Straight Connector 185"/>
+            <p:cNvPr id="344" name="Straight Connector 343"/>
             <p:cNvCxnSpPr/>
             <p:nvPr/>
           </p:nvCxnSpPr>
           <p:spPr>
             <a:xfrm flipV="1">
-              <a:off x="2435551" y="1600201"/>
-              <a:ext cx="457200" cy="912263"/>
+              <a:off x="9529301" y="3419383"/>
+              <a:ext cx="300862" cy="888310"/>
             </a:xfrm>
             <a:prstGeom prst="line">
               <a:avLst/>
             </a:prstGeom>
-            <a:ln>
-              <a:solidFill>
-                <a:srgbClr val="FF0000"/>
-              </a:solidFill>
-            </a:ln>
-          </p:spPr>
-          <p:style>
-            <a:lnRef idx="1">
-              <a:schemeClr val="accent1"/>
+            <a:grpFill/>
+            <a:ln/>
+          </p:spPr>
+          <p:style>
+            <a:lnRef idx="2">
+              <a:schemeClr val="dk1"/>
             </a:lnRef>
             <a:fillRef idx="0">
-              <a:schemeClr val="accent1"/>
-            </a:fillRef>
-            <a:effectRef idx="0">
-              <a:schemeClr val="accent1"/>
+              <a:schemeClr val="dk1"/>
+            </a:fillRef>
+            <a:effectRef idx="1">
+              <a:schemeClr val="dk1"/>
             </a:effectRef>
             <a:fontRef idx="minor">
               <a:schemeClr val="tx1"/>
@@ -6320,103 +8167,29 @@
         </p:cxnSp>
         <p:cxnSp>
           <p:nvCxnSpPr>
-            <p:cNvPr id="187" name="Straight Connector 186"/>
+            <p:cNvPr id="345" name="Straight Connector 344"/>
             <p:cNvCxnSpPr/>
             <p:nvPr/>
           </p:nvCxnSpPr>
           <p:spPr>
-            <a:xfrm flipV="1">
-              <a:off x="3347814" y="1600201"/>
-              <a:ext cx="457200" cy="912263"/>
+            <a:xfrm>
+              <a:off x="9830163" y="1600200"/>
+              <a:ext cx="0" cy="1819184"/>
             </a:xfrm>
             <a:prstGeom prst="line">
               <a:avLst/>
             </a:prstGeom>
-            <a:ln>
-              <a:solidFill>
-                <a:srgbClr val="FF0000"/>
-              </a:solidFill>
-            </a:ln>
-          </p:spPr>
-          <p:style>
-            <a:lnRef idx="1">
-              <a:schemeClr val="accent1"/>
+            <a:grpFill/>
+          </p:spPr>
+          <p:style>
+            <a:lnRef idx="2">
+              <a:schemeClr val="dk1"/>
             </a:lnRef>
             <a:fillRef idx="0">
-              <a:schemeClr val="accent1"/>
-            </a:fillRef>
-            <a:effectRef idx="0">
-              <a:schemeClr val="accent1"/>
-            </a:effectRef>
-            <a:fontRef idx="minor">
-              <a:schemeClr val="tx1"/>
-            </a:fontRef>
-          </p:style>
-        </p:cxnSp>
-        <p:cxnSp>
-          <p:nvCxnSpPr>
-            <p:cNvPr id="188" name="Straight Connector 187"/>
-            <p:cNvCxnSpPr/>
-            <p:nvPr/>
-          </p:nvCxnSpPr>
-          <p:spPr>
-            <a:xfrm flipV="1">
-              <a:off x="3347814" y="3420455"/>
-              <a:ext cx="457200" cy="912263"/>
-            </a:xfrm>
-            <a:prstGeom prst="line">
-              <a:avLst/>
-            </a:prstGeom>
-            <a:ln>
-              <a:solidFill>
-                <a:srgbClr val="FF0000"/>
-              </a:solidFill>
-            </a:ln>
-          </p:spPr>
-          <p:style>
-            <a:lnRef idx="1">
-              <a:schemeClr val="accent1"/>
-            </a:lnRef>
-            <a:fillRef idx="0">
-              <a:schemeClr val="accent1"/>
-            </a:fillRef>
-            <a:effectRef idx="0">
-              <a:schemeClr val="accent1"/>
-            </a:effectRef>
-            <a:fontRef idx="minor">
-              <a:schemeClr val="tx1"/>
-            </a:fontRef>
-          </p:style>
-        </p:cxnSp>
-        <p:cxnSp>
-          <p:nvCxnSpPr>
-            <p:cNvPr id="189" name="Straight Connector 188"/>
-            <p:cNvCxnSpPr/>
-            <p:nvPr/>
-          </p:nvCxnSpPr>
-          <p:spPr>
-            <a:xfrm flipV="1">
-              <a:off x="2433414" y="3420454"/>
-              <a:ext cx="457200" cy="912263"/>
-            </a:xfrm>
-            <a:prstGeom prst="line">
-              <a:avLst/>
-            </a:prstGeom>
-            <a:ln>
-              <a:solidFill>
-                <a:srgbClr val="FF0000"/>
-              </a:solidFill>
-            </a:ln>
-          </p:spPr>
-          <p:style>
-            <a:lnRef idx="1">
-              <a:schemeClr val="accent1"/>
-            </a:lnRef>
-            <a:fillRef idx="0">
-              <a:schemeClr val="accent1"/>
-            </a:fillRef>
-            <a:effectRef idx="0">
-              <a:schemeClr val="accent1"/>
+              <a:schemeClr val="dk1"/>
+            </a:fillRef>
+            <a:effectRef idx="1">
+              <a:schemeClr val="dk1"/>
             </a:effectRef>
             <a:fontRef idx="minor">
               <a:schemeClr val="tx1"/>
@@ -6424,510 +8197,76 @@
           </p:style>
         </p:cxnSp>
       </p:grpSp>
-      <p:grpSp>
-        <p:nvGrpSpPr>
-          <p:cNvPr id="192" name="Group 191"/>
-          <p:cNvGrpSpPr/>
+      <p:sp>
+        <p:nvSpPr>
+          <p:cNvPr id="346" name="TextBox 345"/>
+          <p:cNvSpPr txBox="1"/>
           <p:nvPr/>
-        </p:nvGrpSpPr>
-        <p:grpSpPr>
+        </p:nvSpPr>
+        <p:spPr>
           <a:xfrm>
-            <a:off x="7489026" y="1870386"/>
-            <a:ext cx="275663" cy="2612594"/>
-            <a:chOff x="2433414" y="1600201"/>
-            <a:chExt cx="1373737" cy="2732517"/>
+            <a:off x="6273224" y="3472224"/>
+            <a:ext cx="652743" cy="369332"/>
           </a:xfrm>
-        </p:grpSpPr>
-        <p:sp>
-          <p:nvSpPr>
-            <p:cNvPr id="193" name="Rectangle 192"/>
-            <p:cNvSpPr/>
-            <p:nvPr/>
-          </p:nvSpPr>
-          <p:spPr>
-            <a:xfrm>
-              <a:off x="2435551" y="2512464"/>
-              <a:ext cx="914400" cy="1820254"/>
-            </a:xfrm>
-            <a:prstGeom prst="rect">
-              <a:avLst/>
-            </a:prstGeom>
-            <a:noFill/>
-            <a:ln>
-              <a:solidFill>
-                <a:srgbClr val="FF0000"/>
-              </a:solidFill>
-            </a:ln>
-          </p:spPr>
-          <p:style>
-            <a:lnRef idx="2">
-              <a:schemeClr val="accent1">
-                <a:shade val="50000"/>
-              </a:schemeClr>
-            </a:lnRef>
-            <a:fillRef idx="1">
-              <a:schemeClr val="accent1"/>
-            </a:fillRef>
-            <a:effectRef idx="0">
-              <a:schemeClr val="accent1"/>
-            </a:effectRef>
-            <a:fontRef idx="minor">
-              <a:schemeClr val="lt1"/>
-            </a:fontRef>
-          </p:style>
-          <p:txBody>
-            <a:bodyPr rtlCol="0" anchor="ctr"/>
-            <a:lstStyle/>
-            <a:p>
-              <a:pPr algn="ctr"/>
-              <a:endParaRPr lang="en-US"/>
-            </a:p>
-          </p:txBody>
-        </p:sp>
-        <p:sp>
-          <p:nvSpPr>
-            <p:cNvPr id="194" name="Rectangle 193"/>
-            <p:cNvSpPr/>
-            <p:nvPr/>
-          </p:nvSpPr>
-          <p:spPr>
-            <a:xfrm>
-              <a:off x="2892751" y="1602337"/>
-              <a:ext cx="914400" cy="1820254"/>
-            </a:xfrm>
-            <a:prstGeom prst="rect">
-              <a:avLst/>
-            </a:prstGeom>
-            <a:noFill/>
-            <a:ln>
-              <a:solidFill>
-                <a:srgbClr val="FF0000"/>
-              </a:solidFill>
-            </a:ln>
-          </p:spPr>
-          <p:style>
-            <a:lnRef idx="2">
-              <a:schemeClr val="accent1">
-                <a:shade val="50000"/>
-              </a:schemeClr>
-            </a:lnRef>
-            <a:fillRef idx="1">
-              <a:schemeClr val="accent1"/>
-            </a:fillRef>
-            <a:effectRef idx="0">
-              <a:schemeClr val="accent1"/>
-            </a:effectRef>
-            <a:fontRef idx="minor">
-              <a:schemeClr val="lt1"/>
-            </a:fontRef>
-          </p:style>
-          <p:txBody>
-            <a:bodyPr rtlCol="0" anchor="ctr"/>
-            <a:lstStyle/>
-            <a:p>
-              <a:pPr algn="ctr"/>
-              <a:endParaRPr lang="en-US"/>
-            </a:p>
-          </p:txBody>
-        </p:sp>
-        <p:cxnSp>
-          <p:nvCxnSpPr>
-            <p:cNvPr id="195" name="Straight Connector 194"/>
-            <p:cNvCxnSpPr/>
-            <p:nvPr/>
-          </p:nvCxnSpPr>
-          <p:spPr>
-            <a:xfrm flipV="1">
-              <a:off x="2435551" y="1600201"/>
-              <a:ext cx="457200" cy="912263"/>
-            </a:xfrm>
-            <a:prstGeom prst="line">
-              <a:avLst/>
-            </a:prstGeom>
-            <a:ln>
-              <a:solidFill>
-                <a:srgbClr val="FF0000"/>
-              </a:solidFill>
-            </a:ln>
-          </p:spPr>
-          <p:style>
-            <a:lnRef idx="1">
-              <a:schemeClr val="accent1"/>
-            </a:lnRef>
-            <a:fillRef idx="0">
-              <a:schemeClr val="accent1"/>
-            </a:fillRef>
-            <a:effectRef idx="0">
-              <a:schemeClr val="accent1"/>
-            </a:effectRef>
-            <a:fontRef idx="minor">
-              <a:schemeClr val="tx1"/>
-            </a:fontRef>
-          </p:style>
-        </p:cxnSp>
-        <p:cxnSp>
-          <p:nvCxnSpPr>
-            <p:cNvPr id="196" name="Straight Connector 195"/>
-            <p:cNvCxnSpPr/>
-            <p:nvPr/>
-          </p:nvCxnSpPr>
-          <p:spPr>
-            <a:xfrm flipV="1">
-              <a:off x="3347814" y="1600201"/>
-              <a:ext cx="457200" cy="912263"/>
-            </a:xfrm>
-            <a:prstGeom prst="line">
-              <a:avLst/>
-            </a:prstGeom>
-            <a:ln>
-              <a:solidFill>
-                <a:srgbClr val="FF0000"/>
-              </a:solidFill>
-            </a:ln>
-          </p:spPr>
-          <p:style>
-            <a:lnRef idx="1">
-              <a:schemeClr val="accent1"/>
-            </a:lnRef>
-            <a:fillRef idx="0">
-              <a:schemeClr val="accent1"/>
-            </a:fillRef>
-            <a:effectRef idx="0">
-              <a:schemeClr val="accent1"/>
-            </a:effectRef>
-            <a:fontRef idx="minor">
-              <a:schemeClr val="tx1"/>
-            </a:fontRef>
-          </p:style>
-        </p:cxnSp>
-        <p:cxnSp>
-          <p:nvCxnSpPr>
-            <p:cNvPr id="197" name="Straight Connector 196"/>
-            <p:cNvCxnSpPr/>
-            <p:nvPr/>
-          </p:nvCxnSpPr>
-          <p:spPr>
-            <a:xfrm flipV="1">
-              <a:off x="3347814" y="3420455"/>
-              <a:ext cx="457200" cy="912263"/>
-            </a:xfrm>
-            <a:prstGeom prst="line">
-              <a:avLst/>
-            </a:prstGeom>
-            <a:ln>
-              <a:solidFill>
-                <a:srgbClr val="FF0000"/>
-              </a:solidFill>
-            </a:ln>
-          </p:spPr>
-          <p:style>
-            <a:lnRef idx="1">
-              <a:schemeClr val="accent1"/>
-            </a:lnRef>
-            <a:fillRef idx="0">
-              <a:schemeClr val="accent1"/>
-            </a:fillRef>
-            <a:effectRef idx="0">
-              <a:schemeClr val="accent1"/>
-            </a:effectRef>
-            <a:fontRef idx="minor">
-              <a:schemeClr val="tx1"/>
-            </a:fontRef>
-          </p:style>
-        </p:cxnSp>
-        <p:cxnSp>
-          <p:nvCxnSpPr>
-            <p:cNvPr id="198" name="Straight Connector 197"/>
-            <p:cNvCxnSpPr/>
-            <p:nvPr/>
-          </p:nvCxnSpPr>
-          <p:spPr>
-            <a:xfrm flipV="1">
-              <a:off x="2433414" y="3420454"/>
-              <a:ext cx="457200" cy="912263"/>
-            </a:xfrm>
-            <a:prstGeom prst="line">
-              <a:avLst/>
-            </a:prstGeom>
-            <a:ln>
-              <a:solidFill>
-                <a:srgbClr val="FF0000"/>
-              </a:solidFill>
-            </a:ln>
-          </p:spPr>
-          <p:style>
-            <a:lnRef idx="1">
-              <a:schemeClr val="accent1"/>
-            </a:lnRef>
-            <a:fillRef idx="0">
-              <a:schemeClr val="accent1"/>
-            </a:fillRef>
-            <a:effectRef idx="0">
-              <a:schemeClr val="accent1"/>
-            </a:effectRef>
-            <a:fontRef idx="minor">
-              <a:schemeClr val="tx1"/>
-            </a:fontRef>
-          </p:style>
-        </p:cxnSp>
-      </p:grpSp>
-      <p:grpSp>
-        <p:nvGrpSpPr>
-          <p:cNvPr id="199" name="Group 198"/>
-          <p:cNvGrpSpPr/>
+          <a:prstGeom prst="rect">
+            <a:avLst/>
+          </a:prstGeom>
+          <a:noFill/>
+        </p:spPr>
+        <p:txBody>
+          <a:bodyPr wrap="none" rtlCol="0">
+            <a:spAutoFit/>
+          </a:bodyPr>
+          <a:lstStyle/>
+          <a:p>
+            <a:r>
+              <a:rPr lang="en-US" dirty="0" smtClean="0"/>
+              <a:t>4608</a:t>
+            </a:r>
+            <a:endParaRPr lang="en-US" dirty="0"/>
+          </a:p>
+        </p:txBody>
+      </p:sp>
+      <p:sp>
+        <p:nvSpPr>
+          <p:cNvPr id="349" name="TextBox 348"/>
+          <p:cNvSpPr txBox="1"/>
           <p:nvPr/>
-        </p:nvGrpSpPr>
-        <p:grpSpPr>
-          <a:xfrm>
-            <a:off x="8144511" y="2228173"/>
-            <a:ext cx="151983" cy="1959197"/>
-            <a:chOff x="2433414" y="1600201"/>
-            <a:chExt cx="1373737" cy="2732517"/>
+        </p:nvSpPr>
+        <p:spPr>
+          <a:xfrm rot="16200000">
+            <a:off x="6075122" y="4297388"/>
+            <a:ext cx="837217" cy="369332"/>
           </a:xfrm>
-        </p:grpSpPr>
-        <p:sp>
-          <p:nvSpPr>
-            <p:cNvPr id="200" name="Rectangle 199"/>
-            <p:cNvSpPr/>
-            <p:nvPr/>
-          </p:nvSpPr>
-          <p:spPr>
-            <a:xfrm>
-              <a:off x="2435551" y="2512464"/>
-              <a:ext cx="914400" cy="1820254"/>
-            </a:xfrm>
-            <a:prstGeom prst="rect">
-              <a:avLst/>
-            </a:prstGeom>
-            <a:noFill/>
-            <a:ln>
-              <a:solidFill>
-                <a:srgbClr val="FF0000"/>
-              </a:solidFill>
-            </a:ln>
-          </p:spPr>
-          <p:style>
-            <a:lnRef idx="2">
-              <a:schemeClr val="accent1">
-                <a:shade val="50000"/>
-              </a:schemeClr>
-            </a:lnRef>
-            <a:fillRef idx="1">
-              <a:schemeClr val="accent1"/>
-            </a:fillRef>
-            <a:effectRef idx="0">
-              <a:schemeClr val="accent1"/>
-            </a:effectRef>
-            <a:fontRef idx="minor">
-              <a:schemeClr val="lt1"/>
-            </a:fontRef>
-          </p:style>
-          <p:txBody>
-            <a:bodyPr rtlCol="0" anchor="ctr"/>
-            <a:lstStyle/>
-            <a:p>
-              <a:pPr algn="ctr"/>
-              <a:endParaRPr lang="en-US"/>
-            </a:p>
-          </p:txBody>
-        </p:sp>
-        <p:sp>
-          <p:nvSpPr>
-            <p:cNvPr id="201" name="Rectangle 200"/>
-            <p:cNvSpPr/>
-            <p:nvPr/>
-          </p:nvSpPr>
-          <p:spPr>
-            <a:xfrm>
-              <a:off x="2892751" y="1602337"/>
-              <a:ext cx="914400" cy="1820254"/>
-            </a:xfrm>
-            <a:prstGeom prst="rect">
-              <a:avLst/>
-            </a:prstGeom>
-            <a:noFill/>
-            <a:ln>
-              <a:solidFill>
-                <a:srgbClr val="FF0000"/>
-              </a:solidFill>
-            </a:ln>
-          </p:spPr>
-          <p:style>
-            <a:lnRef idx="2">
-              <a:schemeClr val="accent1">
-                <a:shade val="50000"/>
-              </a:schemeClr>
-            </a:lnRef>
-            <a:fillRef idx="1">
-              <a:schemeClr val="accent1"/>
-            </a:fillRef>
-            <a:effectRef idx="0">
-              <a:schemeClr val="accent1"/>
-            </a:effectRef>
-            <a:fontRef idx="minor">
-              <a:schemeClr val="lt1"/>
-            </a:fontRef>
-          </p:style>
-          <p:txBody>
-            <a:bodyPr rtlCol="0" anchor="ctr"/>
-            <a:lstStyle/>
-            <a:p>
-              <a:pPr algn="ctr"/>
-              <a:endParaRPr lang="en-US"/>
-            </a:p>
-          </p:txBody>
-        </p:sp>
-        <p:cxnSp>
-          <p:nvCxnSpPr>
-            <p:cNvPr id="202" name="Straight Connector 201"/>
-            <p:cNvCxnSpPr/>
-            <p:nvPr/>
-          </p:nvCxnSpPr>
-          <p:spPr>
-            <a:xfrm flipV="1">
-              <a:off x="2435551" y="1600201"/>
-              <a:ext cx="457200" cy="912263"/>
-            </a:xfrm>
-            <a:prstGeom prst="line">
-              <a:avLst/>
-            </a:prstGeom>
-            <a:ln>
-              <a:solidFill>
-                <a:srgbClr val="FF0000"/>
-              </a:solidFill>
-            </a:ln>
-          </p:spPr>
-          <p:style>
-            <a:lnRef idx="1">
-              <a:schemeClr val="accent1"/>
-            </a:lnRef>
-            <a:fillRef idx="0">
-              <a:schemeClr val="accent1"/>
-            </a:fillRef>
-            <a:effectRef idx="0">
-              <a:schemeClr val="accent1"/>
-            </a:effectRef>
-            <a:fontRef idx="minor">
-              <a:schemeClr val="tx1"/>
-            </a:fontRef>
-          </p:style>
-        </p:cxnSp>
-        <p:cxnSp>
-          <p:nvCxnSpPr>
-            <p:cNvPr id="203" name="Straight Connector 202"/>
-            <p:cNvCxnSpPr/>
-            <p:nvPr/>
-          </p:nvCxnSpPr>
-          <p:spPr>
-            <a:xfrm flipV="1">
-              <a:off x="3347814" y="1600201"/>
-              <a:ext cx="457200" cy="912263"/>
-            </a:xfrm>
-            <a:prstGeom prst="line">
-              <a:avLst/>
-            </a:prstGeom>
-            <a:ln>
-              <a:solidFill>
-                <a:srgbClr val="FF0000"/>
-              </a:solidFill>
-            </a:ln>
-          </p:spPr>
-          <p:style>
-            <a:lnRef idx="1">
-              <a:schemeClr val="accent1"/>
-            </a:lnRef>
-            <a:fillRef idx="0">
-              <a:schemeClr val="accent1"/>
-            </a:fillRef>
-            <a:effectRef idx="0">
-              <a:schemeClr val="accent1"/>
-            </a:effectRef>
-            <a:fontRef idx="minor">
-              <a:schemeClr val="tx1"/>
-            </a:fontRef>
-          </p:style>
-        </p:cxnSp>
-        <p:cxnSp>
-          <p:nvCxnSpPr>
-            <p:cNvPr id="204" name="Straight Connector 203"/>
-            <p:cNvCxnSpPr/>
-            <p:nvPr/>
-          </p:nvCxnSpPr>
-          <p:spPr>
-            <a:xfrm flipV="1">
-              <a:off x="3347814" y="3420455"/>
-              <a:ext cx="457200" cy="912263"/>
-            </a:xfrm>
-            <a:prstGeom prst="line">
-              <a:avLst/>
-            </a:prstGeom>
-            <a:ln>
-              <a:solidFill>
-                <a:srgbClr val="FF0000"/>
-              </a:solidFill>
-            </a:ln>
-          </p:spPr>
-          <p:style>
-            <a:lnRef idx="1">
-              <a:schemeClr val="accent1"/>
-            </a:lnRef>
-            <a:fillRef idx="0">
-              <a:schemeClr val="accent1"/>
-            </a:fillRef>
-            <a:effectRef idx="0">
-              <a:schemeClr val="accent1"/>
-            </a:effectRef>
-            <a:fontRef idx="minor">
-              <a:schemeClr val="tx1"/>
-            </a:fontRef>
-          </p:style>
-        </p:cxnSp>
-        <p:cxnSp>
-          <p:nvCxnSpPr>
-            <p:cNvPr id="205" name="Straight Connector 204"/>
-            <p:cNvCxnSpPr/>
-            <p:nvPr/>
-          </p:nvCxnSpPr>
-          <p:spPr>
-            <a:xfrm flipV="1">
-              <a:off x="2433414" y="3420454"/>
-              <a:ext cx="457200" cy="912263"/>
-            </a:xfrm>
-            <a:prstGeom prst="line">
-              <a:avLst/>
-            </a:prstGeom>
-            <a:ln>
-              <a:solidFill>
-                <a:srgbClr val="FF0000"/>
-              </a:solidFill>
-            </a:ln>
-          </p:spPr>
-          <p:style>
-            <a:lnRef idx="1">
-              <a:schemeClr val="accent1"/>
-            </a:lnRef>
-            <a:fillRef idx="0">
-              <a:schemeClr val="accent1"/>
-            </a:fillRef>
-            <a:effectRef idx="0">
-              <a:schemeClr val="accent1"/>
-            </a:effectRef>
-            <a:fontRef idx="minor">
-              <a:schemeClr val="tx1"/>
-            </a:fontRef>
-          </p:style>
-        </p:cxnSp>
-      </p:grpSp>
-      <p:sp>
-        <p:nvSpPr>
-          <p:cNvPr id="207" name="Right Arrow 206"/>
+          <a:prstGeom prst="rect">
+            <a:avLst/>
+          </a:prstGeom>
+          <a:noFill/>
+        </p:spPr>
+        <p:txBody>
+          <a:bodyPr wrap="none" rtlCol="0">
+            <a:spAutoFit/>
+          </a:bodyPr>
+          <a:lstStyle/>
+          <a:p>
+            <a:r>
+              <a:rPr lang="en-US" dirty="0" smtClean="0"/>
+              <a:t>Flatten</a:t>
+            </a:r>
+            <a:endParaRPr lang="en-US" dirty="0"/>
+          </a:p>
+        </p:txBody>
+      </p:sp>
+      <p:sp>
+        <p:nvSpPr>
+          <p:cNvPr id="386" name="Right Arrow 385"/>
           <p:cNvSpPr/>
           <p:nvPr/>
         </p:nvSpPr>
         <p:spPr>
           <a:xfrm>
-            <a:off x="6854877" y="3166047"/>
-            <a:ext cx="1275105" cy="135952"/>
+            <a:off x="7284673" y="3144531"/>
+            <a:ext cx="3647029" cy="256900"/>
           </a:xfrm>
           <a:prstGeom prst="rightArrow">
             <a:avLst/>
@@ -6958,16 +8297,309 @@
           </a:p>
         </p:txBody>
       </p:sp>
-      <p:sp>
-        <p:nvSpPr>
-          <p:cNvPr id="209" name="TextBox 208"/>
+      <p:grpSp>
+        <p:nvGrpSpPr>
+          <p:cNvPr id="387" name="Group 386"/>
+          <p:cNvGrpSpPr/>
+          <p:nvPr/>
+        </p:nvGrpSpPr>
+        <p:grpSpPr>
+          <a:xfrm>
+            <a:off x="7848602" y="2462714"/>
+            <a:ext cx="471416" cy="1500564"/>
+            <a:chOff x="8854165" y="1600200"/>
+            <a:chExt cx="975998" cy="2732517"/>
+          </a:xfrm>
+          <a:solidFill>
+            <a:schemeClr val="accent1">
+              <a:lumMod val="60000"/>
+              <a:lumOff val="40000"/>
+              <a:alpha val="60000"/>
+            </a:schemeClr>
+          </a:solidFill>
+        </p:grpSpPr>
+        <p:sp>
+          <p:nvSpPr>
+            <p:cNvPr id="388" name="Rectangle 387"/>
+            <p:cNvSpPr/>
+            <p:nvPr/>
+          </p:nvSpPr>
+          <p:spPr>
+            <a:xfrm>
+              <a:off x="9312090" y="1602336"/>
+              <a:ext cx="511360" cy="1820254"/>
+            </a:xfrm>
+            <a:prstGeom prst="rect">
+              <a:avLst/>
+            </a:prstGeom>
+            <a:solidFill>
+              <a:schemeClr val="accent6">
+                <a:lumMod val="20000"/>
+                <a:lumOff val="80000"/>
+              </a:schemeClr>
+            </a:solidFill>
+            <a:ln>
+              <a:noFill/>
+            </a:ln>
+          </p:spPr>
+          <p:style>
+            <a:lnRef idx="2">
+              <a:schemeClr val="accent1">
+                <a:shade val="50000"/>
+              </a:schemeClr>
+            </a:lnRef>
+            <a:fillRef idx="1">
+              <a:schemeClr val="accent1"/>
+            </a:fillRef>
+            <a:effectRef idx="0">
+              <a:schemeClr val="accent1"/>
+            </a:effectRef>
+            <a:fontRef idx="minor">
+              <a:schemeClr val="lt1"/>
+            </a:fontRef>
+          </p:style>
+          <p:txBody>
+            <a:bodyPr rtlCol="0" anchor="ctr"/>
+            <a:lstStyle/>
+            <a:p>
+              <a:pPr algn="ctr"/>
+              <a:endParaRPr lang="en-US"/>
+            </a:p>
+          </p:txBody>
+        </p:sp>
+        <p:sp>
+          <p:nvSpPr>
+            <p:cNvPr id="389" name="Parallelogram 388"/>
+            <p:cNvSpPr/>
+            <p:nvPr/>
+          </p:nvSpPr>
+          <p:spPr>
+            <a:xfrm>
+              <a:off x="8854165" y="3420453"/>
+              <a:ext cx="969285" cy="910127"/>
+            </a:xfrm>
+            <a:prstGeom prst="parallelogram">
+              <a:avLst>
+                <a:gd name="adj" fmla="val 50352"/>
+              </a:avLst>
+            </a:prstGeom>
+            <a:solidFill>
+              <a:schemeClr val="accent6">
+                <a:lumMod val="20000"/>
+                <a:lumOff val="80000"/>
+              </a:schemeClr>
+            </a:solidFill>
+            <a:ln>
+              <a:noFill/>
+            </a:ln>
+          </p:spPr>
+          <p:style>
+            <a:lnRef idx="2">
+              <a:schemeClr val="accent1">
+                <a:shade val="50000"/>
+              </a:schemeClr>
+            </a:lnRef>
+            <a:fillRef idx="1">
+              <a:schemeClr val="accent1"/>
+            </a:fillRef>
+            <a:effectRef idx="0">
+              <a:schemeClr val="accent1"/>
+            </a:effectRef>
+            <a:fontRef idx="minor">
+              <a:schemeClr val="lt1"/>
+            </a:fontRef>
+          </p:style>
+          <p:txBody>
+            <a:bodyPr rtlCol="0" anchor="ctr"/>
+            <a:lstStyle/>
+            <a:p>
+              <a:pPr algn="ctr"/>
+              <a:endParaRPr lang="en-US"/>
+            </a:p>
+          </p:txBody>
+        </p:sp>
+        <p:sp>
+          <p:nvSpPr>
+            <p:cNvPr id="390" name="Rectangle 389"/>
+            <p:cNvSpPr/>
+            <p:nvPr/>
+          </p:nvSpPr>
+          <p:spPr>
+            <a:xfrm>
+              <a:off x="8854528" y="2512463"/>
+              <a:ext cx="505372" cy="1820254"/>
+            </a:xfrm>
+            <a:prstGeom prst="rect">
+              <a:avLst/>
+            </a:prstGeom>
+            <a:solidFill>
+              <a:schemeClr val="accent6">
+                <a:lumMod val="20000"/>
+                <a:lumOff val="80000"/>
+              </a:schemeClr>
+            </a:solidFill>
+            <a:ln>
+              <a:solidFill>
+                <a:schemeClr val="bg2">
+                  <a:lumMod val="10000"/>
+                </a:schemeClr>
+              </a:solidFill>
+            </a:ln>
+          </p:spPr>
+          <p:style>
+            <a:lnRef idx="2">
+              <a:schemeClr val="accent1">
+                <a:shade val="50000"/>
+              </a:schemeClr>
+            </a:lnRef>
+            <a:fillRef idx="1">
+              <a:schemeClr val="accent1"/>
+            </a:fillRef>
+            <a:effectRef idx="0">
+              <a:schemeClr val="accent1"/>
+            </a:effectRef>
+            <a:fontRef idx="minor">
+              <a:schemeClr val="lt1"/>
+            </a:fontRef>
+          </p:style>
+          <p:txBody>
+            <a:bodyPr rtlCol="0" anchor="ctr"/>
+            <a:lstStyle/>
+            <a:p>
+              <a:pPr algn="ctr"/>
+              <a:endParaRPr lang="en-US"/>
+            </a:p>
+          </p:txBody>
+        </p:sp>
+        <p:sp>
+          <p:nvSpPr>
+            <p:cNvPr id="391" name="Parallelogram 390"/>
+            <p:cNvSpPr/>
+            <p:nvPr/>
+          </p:nvSpPr>
+          <p:spPr>
+            <a:xfrm>
+              <a:off x="8854165" y="1602336"/>
+              <a:ext cx="969285" cy="910127"/>
+            </a:xfrm>
+            <a:prstGeom prst="parallelogram">
+              <a:avLst>
+                <a:gd name="adj" fmla="val 50352"/>
+              </a:avLst>
+            </a:prstGeom>
+            <a:solidFill>
+              <a:schemeClr val="accent6">
+                <a:lumMod val="20000"/>
+                <a:lumOff val="80000"/>
+              </a:schemeClr>
+            </a:solidFill>
+            <a:ln>
+              <a:solidFill>
+                <a:schemeClr val="bg2">
+                  <a:lumMod val="10000"/>
+                </a:schemeClr>
+              </a:solidFill>
+            </a:ln>
+          </p:spPr>
+          <p:style>
+            <a:lnRef idx="2">
+              <a:schemeClr val="accent1">
+                <a:shade val="50000"/>
+              </a:schemeClr>
+            </a:lnRef>
+            <a:fillRef idx="1">
+              <a:schemeClr val="accent1"/>
+            </a:fillRef>
+            <a:effectRef idx="0">
+              <a:schemeClr val="accent1"/>
+            </a:effectRef>
+            <a:fontRef idx="minor">
+              <a:schemeClr val="lt1"/>
+            </a:fontRef>
+          </p:style>
+          <p:txBody>
+            <a:bodyPr rtlCol="0" anchor="ctr"/>
+            <a:lstStyle/>
+            <a:p>
+              <a:pPr algn="ctr"/>
+              <a:endParaRPr lang="en-US"/>
+            </a:p>
+          </p:txBody>
+        </p:sp>
+        <p:cxnSp>
+          <p:nvCxnSpPr>
+            <p:cNvPr id="392" name="Straight Connector 391"/>
+            <p:cNvCxnSpPr/>
+            <p:nvPr/>
+          </p:nvCxnSpPr>
+          <p:spPr>
+            <a:xfrm flipV="1">
+              <a:off x="9372963" y="3419384"/>
+              <a:ext cx="457200" cy="912263"/>
+            </a:xfrm>
+            <a:prstGeom prst="line">
+              <a:avLst/>
+            </a:prstGeom>
+            <a:grpFill/>
+            <a:ln/>
+          </p:spPr>
+          <p:style>
+            <a:lnRef idx="2">
+              <a:schemeClr val="dk1"/>
+            </a:lnRef>
+            <a:fillRef idx="0">
+              <a:schemeClr val="dk1"/>
+            </a:fillRef>
+            <a:effectRef idx="1">
+              <a:schemeClr val="dk1"/>
+            </a:effectRef>
+            <a:fontRef idx="minor">
+              <a:schemeClr val="tx1"/>
+            </a:fontRef>
+          </p:style>
+        </p:cxnSp>
+        <p:cxnSp>
+          <p:nvCxnSpPr>
+            <p:cNvPr id="393" name="Straight Connector 392"/>
+            <p:cNvCxnSpPr/>
+            <p:nvPr/>
+          </p:nvCxnSpPr>
+          <p:spPr>
+            <a:xfrm>
+              <a:off x="9830163" y="1600200"/>
+              <a:ext cx="0" cy="1819184"/>
+            </a:xfrm>
+            <a:prstGeom prst="line">
+              <a:avLst/>
+            </a:prstGeom>
+            <a:grpFill/>
+          </p:spPr>
+          <p:style>
+            <a:lnRef idx="2">
+              <a:schemeClr val="dk1"/>
+            </a:lnRef>
+            <a:fillRef idx="0">
+              <a:schemeClr val="dk1"/>
+            </a:fillRef>
+            <a:effectRef idx="1">
+              <a:schemeClr val="dk1"/>
+            </a:effectRef>
+            <a:fontRef idx="minor">
+              <a:schemeClr val="tx1"/>
+            </a:fontRef>
+          </p:style>
+        </p:cxnSp>
+      </p:grpSp>
+      <p:sp>
+        <p:nvSpPr>
+          <p:cNvPr id="394" name="TextBox 393"/>
           <p:cNvSpPr txBox="1"/>
           <p:nvPr/>
         </p:nvSpPr>
         <p:spPr>
           <a:xfrm>
-            <a:off x="6362068" y="4735600"/>
-            <a:ext cx="1198352" cy="1200329"/>
+            <a:off x="7834185" y="3188645"/>
+            <a:ext cx="476412" cy="369332"/>
           </a:xfrm>
           <a:prstGeom prst="rect">
             <a:avLst/>
@@ -6975,28 +8607,14 @@
           <a:noFill/>
         </p:spPr>
         <p:txBody>
-          <a:bodyPr wrap="square" rtlCol="0">
+          <a:bodyPr wrap="none" rtlCol="0">
             <a:spAutoFit/>
           </a:bodyPr>
           <a:lstStyle/>
           <a:p>
             <a:r>
               <a:rPr lang="en-US" dirty="0" smtClean="0"/>
-              <a:t>Fully connected 1 dropout</a:t>
-            </a:r>
-          </a:p>
-          <a:p>
-            <a:r>
-              <a:rPr lang="en-US" dirty="0" smtClean="0"/>
-              <a:t>(</a:t>
-            </a:r>
-            <a:r>
-              <a:rPr lang="en-US" dirty="0" err="1" smtClean="0"/>
-              <a:t>ReLU</a:t>
-            </a:r>
-            <a:r>
-              <a:rPr lang="en-US" dirty="0" smtClean="0"/>
-              <a:t>)</a:t>
+              <a:t>0.2</a:t>
             </a:r>
             <a:endParaRPr lang="en-US" dirty="0"/>
           </a:p>
@@ -7004,14 +8622,14 @@
       </p:sp>
       <p:sp>
         <p:nvSpPr>
-          <p:cNvPr id="210" name="TextBox 209"/>
+          <p:cNvPr id="395" name="TextBox 394"/>
           <p:cNvSpPr txBox="1"/>
           <p:nvPr/>
         </p:nvSpPr>
         <p:spPr>
-          <a:xfrm>
-            <a:off x="7139747" y="509152"/>
-            <a:ext cx="1198352" cy="1200329"/>
+          <a:xfrm rot="16200000">
+            <a:off x="7410092" y="4540270"/>
+            <a:ext cx="1137940" cy="369332"/>
           </a:xfrm>
           <a:prstGeom prst="rect">
             <a:avLst/>
@@ -7019,43 +8637,322 @@
           <a:noFill/>
         </p:spPr>
         <p:txBody>
-          <a:bodyPr wrap="square" rtlCol="0">
+          <a:bodyPr wrap="none" rtlCol="0">
             <a:spAutoFit/>
           </a:bodyPr>
           <a:lstStyle/>
           <a:p>
             <a:r>
               <a:rPr lang="en-US" dirty="0" smtClean="0"/>
-              <a:t>Fully connected 2 dropout</a:t>
-            </a:r>
-          </a:p>
-          <a:p>
-            <a:r>
-              <a:rPr lang="en-US" dirty="0" smtClean="0"/>
-              <a:t>(</a:t>
-            </a:r>
-            <a:r>
-              <a:rPr lang="en-US" dirty="0" err="1" smtClean="0"/>
-              <a:t>ReLU</a:t>
-            </a:r>
-            <a:r>
-              <a:rPr lang="en-US" dirty="0" smtClean="0"/>
-              <a:t>)</a:t>
+              <a:t>Dropout 3</a:t>
             </a:r>
             <a:endParaRPr lang="en-US" dirty="0"/>
           </a:p>
         </p:txBody>
       </p:sp>
-      <p:sp>
-        <p:nvSpPr>
-          <p:cNvPr id="211" name="TextBox 210"/>
+      <p:grpSp>
+        <p:nvGrpSpPr>
+          <p:cNvPr id="396" name="Group 395"/>
+          <p:cNvGrpSpPr/>
+          <p:nvPr/>
+        </p:nvGrpSpPr>
+        <p:grpSpPr>
+          <a:xfrm>
+            <a:off x="9229901" y="2469553"/>
+            <a:ext cx="471416" cy="1500564"/>
+            <a:chOff x="8854165" y="1600200"/>
+            <a:chExt cx="975998" cy="2732517"/>
+          </a:xfrm>
+          <a:solidFill>
+            <a:schemeClr val="accent1">
+              <a:lumMod val="60000"/>
+              <a:lumOff val="40000"/>
+              <a:alpha val="60000"/>
+            </a:schemeClr>
+          </a:solidFill>
+        </p:grpSpPr>
+        <p:sp>
+          <p:nvSpPr>
+            <p:cNvPr id="397" name="Rectangle 396"/>
+            <p:cNvSpPr/>
+            <p:nvPr/>
+          </p:nvSpPr>
+          <p:spPr>
+            <a:xfrm>
+              <a:off x="9312090" y="1602336"/>
+              <a:ext cx="511360" cy="1820254"/>
+            </a:xfrm>
+            <a:prstGeom prst="rect">
+              <a:avLst/>
+            </a:prstGeom>
+            <a:solidFill>
+              <a:schemeClr val="accent6">
+                <a:lumMod val="20000"/>
+                <a:lumOff val="80000"/>
+              </a:schemeClr>
+            </a:solidFill>
+            <a:ln>
+              <a:noFill/>
+            </a:ln>
+          </p:spPr>
+          <p:style>
+            <a:lnRef idx="2">
+              <a:schemeClr val="accent1">
+                <a:shade val="50000"/>
+              </a:schemeClr>
+            </a:lnRef>
+            <a:fillRef idx="1">
+              <a:schemeClr val="accent1"/>
+            </a:fillRef>
+            <a:effectRef idx="0">
+              <a:schemeClr val="accent1"/>
+            </a:effectRef>
+            <a:fontRef idx="minor">
+              <a:schemeClr val="lt1"/>
+            </a:fontRef>
+          </p:style>
+          <p:txBody>
+            <a:bodyPr rtlCol="0" anchor="ctr"/>
+            <a:lstStyle/>
+            <a:p>
+              <a:pPr algn="ctr"/>
+              <a:endParaRPr lang="en-US"/>
+            </a:p>
+          </p:txBody>
+        </p:sp>
+        <p:sp>
+          <p:nvSpPr>
+            <p:cNvPr id="398" name="Parallelogram 397"/>
+            <p:cNvSpPr/>
+            <p:nvPr/>
+          </p:nvSpPr>
+          <p:spPr>
+            <a:xfrm>
+              <a:off x="8854165" y="3420453"/>
+              <a:ext cx="969285" cy="910127"/>
+            </a:xfrm>
+            <a:prstGeom prst="parallelogram">
+              <a:avLst>
+                <a:gd name="adj" fmla="val 50352"/>
+              </a:avLst>
+            </a:prstGeom>
+            <a:solidFill>
+              <a:schemeClr val="accent6">
+                <a:lumMod val="20000"/>
+                <a:lumOff val="80000"/>
+              </a:schemeClr>
+            </a:solidFill>
+            <a:ln>
+              <a:noFill/>
+            </a:ln>
+          </p:spPr>
+          <p:style>
+            <a:lnRef idx="2">
+              <a:schemeClr val="accent1">
+                <a:shade val="50000"/>
+              </a:schemeClr>
+            </a:lnRef>
+            <a:fillRef idx="1">
+              <a:schemeClr val="accent1"/>
+            </a:fillRef>
+            <a:effectRef idx="0">
+              <a:schemeClr val="accent1"/>
+            </a:effectRef>
+            <a:fontRef idx="minor">
+              <a:schemeClr val="lt1"/>
+            </a:fontRef>
+          </p:style>
+          <p:txBody>
+            <a:bodyPr rtlCol="0" anchor="ctr"/>
+            <a:lstStyle/>
+            <a:p>
+              <a:pPr algn="ctr"/>
+              <a:endParaRPr lang="en-US"/>
+            </a:p>
+          </p:txBody>
+        </p:sp>
+        <p:sp>
+          <p:nvSpPr>
+            <p:cNvPr id="399" name="Rectangle 398"/>
+            <p:cNvSpPr/>
+            <p:nvPr/>
+          </p:nvSpPr>
+          <p:spPr>
+            <a:xfrm>
+              <a:off x="8854528" y="2512463"/>
+              <a:ext cx="505372" cy="1820254"/>
+            </a:xfrm>
+            <a:prstGeom prst="rect">
+              <a:avLst/>
+            </a:prstGeom>
+            <a:solidFill>
+              <a:schemeClr val="accent6">
+                <a:lumMod val="20000"/>
+                <a:lumOff val="80000"/>
+              </a:schemeClr>
+            </a:solidFill>
+            <a:ln>
+              <a:solidFill>
+                <a:schemeClr val="bg2">
+                  <a:lumMod val="10000"/>
+                </a:schemeClr>
+              </a:solidFill>
+            </a:ln>
+          </p:spPr>
+          <p:style>
+            <a:lnRef idx="2">
+              <a:schemeClr val="accent1">
+                <a:shade val="50000"/>
+              </a:schemeClr>
+            </a:lnRef>
+            <a:fillRef idx="1">
+              <a:schemeClr val="accent1"/>
+            </a:fillRef>
+            <a:effectRef idx="0">
+              <a:schemeClr val="accent1"/>
+            </a:effectRef>
+            <a:fontRef idx="minor">
+              <a:schemeClr val="lt1"/>
+            </a:fontRef>
+          </p:style>
+          <p:txBody>
+            <a:bodyPr rtlCol="0" anchor="ctr"/>
+            <a:lstStyle/>
+            <a:p>
+              <a:pPr algn="ctr"/>
+              <a:endParaRPr lang="en-US"/>
+            </a:p>
+          </p:txBody>
+        </p:sp>
+        <p:sp>
+          <p:nvSpPr>
+            <p:cNvPr id="400" name="Parallelogram 399"/>
+            <p:cNvSpPr/>
+            <p:nvPr/>
+          </p:nvSpPr>
+          <p:spPr>
+            <a:xfrm>
+              <a:off x="8854165" y="1602336"/>
+              <a:ext cx="969285" cy="910127"/>
+            </a:xfrm>
+            <a:prstGeom prst="parallelogram">
+              <a:avLst>
+                <a:gd name="adj" fmla="val 50352"/>
+              </a:avLst>
+            </a:prstGeom>
+            <a:solidFill>
+              <a:schemeClr val="accent6">
+                <a:lumMod val="20000"/>
+                <a:lumOff val="80000"/>
+              </a:schemeClr>
+            </a:solidFill>
+            <a:ln>
+              <a:solidFill>
+                <a:schemeClr val="bg2">
+                  <a:lumMod val="10000"/>
+                </a:schemeClr>
+              </a:solidFill>
+            </a:ln>
+          </p:spPr>
+          <p:style>
+            <a:lnRef idx="2">
+              <a:schemeClr val="accent1">
+                <a:shade val="50000"/>
+              </a:schemeClr>
+            </a:lnRef>
+            <a:fillRef idx="1">
+              <a:schemeClr val="accent1"/>
+            </a:fillRef>
+            <a:effectRef idx="0">
+              <a:schemeClr val="accent1"/>
+            </a:effectRef>
+            <a:fontRef idx="minor">
+              <a:schemeClr val="lt1"/>
+            </a:fontRef>
+          </p:style>
+          <p:txBody>
+            <a:bodyPr rtlCol="0" anchor="ctr"/>
+            <a:lstStyle/>
+            <a:p>
+              <a:pPr algn="ctr"/>
+              <a:endParaRPr lang="en-US"/>
+            </a:p>
+          </p:txBody>
+        </p:sp>
+        <p:cxnSp>
+          <p:nvCxnSpPr>
+            <p:cNvPr id="401" name="Straight Connector 400"/>
+            <p:cNvCxnSpPr/>
+            <p:nvPr/>
+          </p:nvCxnSpPr>
+          <p:spPr>
+            <a:xfrm flipV="1">
+              <a:off x="9372963" y="3419384"/>
+              <a:ext cx="457200" cy="912263"/>
+            </a:xfrm>
+            <a:prstGeom prst="line">
+              <a:avLst/>
+            </a:prstGeom>
+            <a:grpFill/>
+            <a:ln/>
+          </p:spPr>
+          <p:style>
+            <a:lnRef idx="2">
+              <a:schemeClr val="dk1"/>
+            </a:lnRef>
+            <a:fillRef idx="0">
+              <a:schemeClr val="dk1"/>
+            </a:fillRef>
+            <a:effectRef idx="1">
+              <a:schemeClr val="dk1"/>
+            </a:effectRef>
+            <a:fontRef idx="minor">
+              <a:schemeClr val="tx1"/>
+            </a:fontRef>
+          </p:style>
+        </p:cxnSp>
+        <p:cxnSp>
+          <p:nvCxnSpPr>
+            <p:cNvPr id="402" name="Straight Connector 401"/>
+            <p:cNvCxnSpPr/>
+            <p:nvPr/>
+          </p:nvCxnSpPr>
+          <p:spPr>
+            <a:xfrm>
+              <a:off x="9830163" y="1600200"/>
+              <a:ext cx="0" cy="1819184"/>
+            </a:xfrm>
+            <a:prstGeom prst="line">
+              <a:avLst/>
+            </a:prstGeom>
+            <a:grpFill/>
+          </p:spPr>
+          <p:style>
+            <a:lnRef idx="2">
+              <a:schemeClr val="dk1"/>
+            </a:lnRef>
+            <a:fillRef idx="0">
+              <a:schemeClr val="dk1"/>
+            </a:fillRef>
+            <a:effectRef idx="1">
+              <a:schemeClr val="dk1"/>
+            </a:effectRef>
+            <a:fontRef idx="minor">
+              <a:schemeClr val="tx1"/>
+            </a:fontRef>
+          </p:style>
+        </p:cxnSp>
+      </p:grpSp>
+      <p:sp>
+        <p:nvSpPr>
+          <p:cNvPr id="403" name="TextBox 402"/>
           <p:cNvSpPr txBox="1"/>
           <p:nvPr/>
         </p:nvSpPr>
         <p:spPr>
           <a:xfrm>
-            <a:off x="8520519" y="3571784"/>
-            <a:ext cx="1198352" cy="1200329"/>
+            <a:off x="9215484" y="3195484"/>
+            <a:ext cx="476412" cy="369332"/>
           </a:xfrm>
           <a:prstGeom prst="rect">
             <a:avLst/>
@@ -7063,28 +8960,14 @@
           <a:noFill/>
         </p:spPr>
         <p:txBody>
-          <a:bodyPr wrap="square" rtlCol="0">
+          <a:bodyPr wrap="none" rtlCol="0">
             <a:spAutoFit/>
           </a:bodyPr>
           <a:lstStyle/>
           <a:p>
             <a:r>
               <a:rPr lang="en-US" dirty="0" smtClean="0"/>
-              <a:t>Fully connected 3 dropout</a:t>
-            </a:r>
-          </a:p>
-          <a:p>
-            <a:r>
-              <a:rPr lang="en-US" dirty="0" smtClean="0"/>
-              <a:t>(</a:t>
-            </a:r>
-            <a:r>
-              <a:rPr lang="en-US" dirty="0" err="1" smtClean="0"/>
-              <a:t>Softmax</a:t>
-            </a:r>
-            <a:r>
-              <a:rPr lang="en-US" dirty="0" smtClean="0"/>
-              <a:t>)</a:t>
+              <a:t>0.2</a:t>
             </a:r>
             <a:endParaRPr lang="en-US" dirty="0"/>
           </a:p>
@@ -7092,14 +8975,14 @@
       </p:sp>
       <p:sp>
         <p:nvSpPr>
-          <p:cNvPr id="212" name="TextBox 211"/>
+          <p:cNvPr id="404" name="TextBox 403"/>
           <p:cNvSpPr txBox="1"/>
           <p:nvPr/>
         </p:nvSpPr>
         <p:spPr>
-          <a:xfrm>
-            <a:off x="6512181" y="2025133"/>
-            <a:ext cx="652743" cy="369332"/>
+          <a:xfrm rot="16200000">
+            <a:off x="8837265" y="4577746"/>
+            <a:ext cx="1137940" cy="369332"/>
           </a:xfrm>
           <a:prstGeom prst="rect">
             <a:avLst/>
@@ -7114,72 +8997,48 @@
           <a:p>
             <a:r>
               <a:rPr lang="en-US" dirty="0" smtClean="0"/>
-              <a:t>1024</a:t>
+              <a:t>Dropout 4</a:t>
             </a:r>
             <a:endParaRPr lang="en-US" dirty="0"/>
           </a:p>
         </p:txBody>
       </p:sp>
-      <p:sp>
-        <p:nvSpPr>
-          <p:cNvPr id="213" name="TextBox 212"/>
-          <p:cNvSpPr txBox="1"/>
+      <p:pic>
+        <p:nvPicPr>
+          <p:cNvPr id="33" name="Picture 32"/>
+          <p:cNvPicPr>
+            <a:picLocks noChangeAspect="1"/>
+          </p:cNvPicPr>
           <p:nvPr/>
-        </p:nvSpPr>
+        </p:nvPicPr>
+        <p:blipFill>
+          <a:blip r:embed="rId3">
+            <a:extLst>
+              <a:ext uri="{28A0092B-C50C-407E-A947-70E740481C1C}">
+                <a14:useLocalDpi xmlns:a14="http://schemas.microsoft.com/office/drawing/2010/main" val="0"/>
+              </a:ext>
+            </a:extLst>
+          </a:blip>
+          <a:stretch>
+            <a:fillRect/>
+          </a:stretch>
+        </p:blipFill>
         <p:spPr>
           <a:xfrm>
-            <a:off x="7417360" y="4055293"/>
-            <a:ext cx="652743" cy="369332"/>
+            <a:off x="10276454" y="1808742"/>
+            <a:ext cx="2305562" cy="2346214"/>
           </a:xfrm>
           <a:prstGeom prst="rect">
             <a:avLst/>
           </a:prstGeom>
-          <a:noFill/>
+          <a:scene3d>
+            <a:camera prst="orthographicFront">
+              <a:rot lat="1200000" lon="17100000" rev="24000"/>
+            </a:camera>
+            <a:lightRig rig="threePt" dir="t"/>
+          </a:scene3d>
         </p:spPr>
-        <p:txBody>
-          <a:bodyPr wrap="none" rtlCol="0">
-            <a:spAutoFit/>
-          </a:bodyPr>
-          <a:lstStyle/>
-          <a:p>
-            <a:r>
-              <a:rPr lang="en-US" dirty="0" smtClean="0"/>
-              <a:t>1024</a:t>
-            </a:r>
-            <a:endParaRPr lang="en-US" dirty="0"/>
-          </a:p>
-        </p:txBody>
-      </p:sp>
-      <p:sp>
-        <p:nvSpPr>
-          <p:cNvPr id="214" name="TextBox 213"/>
-          <p:cNvSpPr txBox="1"/>
-          <p:nvPr/>
-        </p:nvSpPr>
-        <p:spPr>
-          <a:xfrm>
-            <a:off x="8369676" y="2101926"/>
-            <a:ext cx="301686" cy="369332"/>
-          </a:xfrm>
-          <a:prstGeom prst="rect">
-            <a:avLst/>
-          </a:prstGeom>
-          <a:noFill/>
-        </p:spPr>
-        <p:txBody>
-          <a:bodyPr wrap="none" rtlCol="0">
-            <a:spAutoFit/>
-          </a:bodyPr>
-          <a:lstStyle/>
-          <a:p>
-            <a:r>
-              <a:rPr lang="en-US" dirty="0" smtClean="0"/>
-              <a:t>8</a:t>
-            </a:r>
-            <a:endParaRPr lang="en-US" dirty="0"/>
-          </a:p>
-        </p:txBody>
-      </p:sp>
+      </p:pic>
     </p:spTree>
     <p:extLst>
       <p:ext uri="{BB962C8B-B14F-4D97-AF65-F5344CB8AC3E}">

--- a/Thư mục ảnh đi kèm/Ve hinh.pptx
+++ b/Thư mục ảnh đi kèm/Ve hinh.pptx
@@ -244,7 +244,7 @@
           <a:p>
             <a:fld id="{63222CC9-268F-4509-9C30-66055B1EF683}" type="datetimeFigureOut">
               <a:rPr lang="en-US" smtClean="0"/>
-              <a:t>10/7/2021</a:t>
+              <a:t>10/10/2021</a:t>
             </a:fld>
             <a:endParaRPr lang="en-US"/>
           </a:p>
@@ -414,7 +414,7 @@
           <a:p>
             <a:fld id="{63222CC9-268F-4509-9C30-66055B1EF683}" type="datetimeFigureOut">
               <a:rPr lang="en-US" smtClean="0"/>
-              <a:t>10/7/2021</a:t>
+              <a:t>10/10/2021</a:t>
             </a:fld>
             <a:endParaRPr lang="en-US"/>
           </a:p>
@@ -594,7 +594,7 @@
           <a:p>
             <a:fld id="{63222CC9-268F-4509-9C30-66055B1EF683}" type="datetimeFigureOut">
               <a:rPr lang="en-US" smtClean="0"/>
-              <a:t>10/7/2021</a:t>
+              <a:t>10/10/2021</a:t>
             </a:fld>
             <a:endParaRPr lang="en-US"/>
           </a:p>
@@ -764,7 +764,7 @@
           <a:p>
             <a:fld id="{63222CC9-268F-4509-9C30-66055B1EF683}" type="datetimeFigureOut">
               <a:rPr lang="en-US" smtClean="0"/>
-              <a:t>10/7/2021</a:t>
+              <a:t>10/10/2021</a:t>
             </a:fld>
             <a:endParaRPr lang="en-US"/>
           </a:p>
@@ -1010,7 +1010,7 @@
           <a:p>
             <a:fld id="{63222CC9-268F-4509-9C30-66055B1EF683}" type="datetimeFigureOut">
               <a:rPr lang="en-US" smtClean="0"/>
-              <a:t>10/7/2021</a:t>
+              <a:t>10/10/2021</a:t>
             </a:fld>
             <a:endParaRPr lang="en-US"/>
           </a:p>
@@ -1242,7 +1242,7 @@
           <a:p>
             <a:fld id="{63222CC9-268F-4509-9C30-66055B1EF683}" type="datetimeFigureOut">
               <a:rPr lang="en-US" smtClean="0"/>
-              <a:t>10/7/2021</a:t>
+              <a:t>10/10/2021</a:t>
             </a:fld>
             <a:endParaRPr lang="en-US"/>
           </a:p>
@@ -1609,7 +1609,7 @@
           <a:p>
             <a:fld id="{63222CC9-268F-4509-9C30-66055B1EF683}" type="datetimeFigureOut">
               <a:rPr lang="en-US" smtClean="0"/>
-              <a:t>10/7/2021</a:t>
+              <a:t>10/10/2021</a:t>
             </a:fld>
             <a:endParaRPr lang="en-US"/>
           </a:p>
@@ -1727,7 +1727,7 @@
           <a:p>
             <a:fld id="{63222CC9-268F-4509-9C30-66055B1EF683}" type="datetimeFigureOut">
               <a:rPr lang="en-US" smtClean="0"/>
-              <a:t>10/7/2021</a:t>
+              <a:t>10/10/2021</a:t>
             </a:fld>
             <a:endParaRPr lang="en-US"/>
           </a:p>
@@ -1822,7 +1822,7 @@
           <a:p>
             <a:fld id="{63222CC9-268F-4509-9C30-66055B1EF683}" type="datetimeFigureOut">
               <a:rPr lang="en-US" smtClean="0"/>
-              <a:t>10/7/2021</a:t>
+              <a:t>10/10/2021</a:t>
             </a:fld>
             <a:endParaRPr lang="en-US"/>
           </a:p>
@@ -2099,7 +2099,7 @@
           <a:p>
             <a:fld id="{63222CC9-268F-4509-9C30-66055B1EF683}" type="datetimeFigureOut">
               <a:rPr lang="en-US" smtClean="0"/>
-              <a:t>10/7/2021</a:t>
+              <a:t>10/10/2021</a:t>
             </a:fld>
             <a:endParaRPr lang="en-US"/>
           </a:p>
@@ -2352,7 +2352,7 @@
           <a:p>
             <a:fld id="{63222CC9-268F-4509-9C30-66055B1EF683}" type="datetimeFigureOut">
               <a:rPr lang="en-US" smtClean="0"/>
-              <a:t>10/7/2021</a:t>
+              <a:t>10/10/2021</a:t>
             </a:fld>
             <a:endParaRPr lang="en-US"/>
           </a:p>
@@ -2565,7 +2565,7 @@
           <a:p>
             <a:fld id="{63222CC9-268F-4509-9C30-66055B1EF683}" type="datetimeFigureOut">
               <a:rPr lang="en-US" smtClean="0"/>
-              <a:t>10/7/2021</a:t>
+              <a:t>10/10/2021</a:t>
             </a:fld>
             <a:endParaRPr lang="en-US"/>
           </a:p>
@@ -5008,11 +5008,7 @@
           <a:p>
             <a:r>
               <a:rPr lang="en-US" dirty="0" smtClean="0"/>
-              <a:t>Fully connected 1 </a:t>
-            </a:r>
-            <a:r>
-              <a:rPr lang="en-US" dirty="0" smtClean="0"/>
-              <a:t>Dense</a:t>
+              <a:t>Fully connected 1 Dense</a:t>
             </a:r>
             <a:r>
               <a:rPr lang="en-US" dirty="0"/>
@@ -5058,19 +5054,7 @@
           <a:p>
             <a:r>
               <a:rPr lang="en-US" dirty="0" smtClean="0"/>
-              <a:t>Fully connected 2 </a:t>
-            </a:r>
-            <a:r>
-              <a:rPr lang="en-US" dirty="0" smtClean="0"/>
-              <a:t>Dense</a:t>
-            </a:r>
-            <a:r>
-              <a:rPr lang="en-US" dirty="0" smtClean="0"/>
-              <a:t> </a:t>
-            </a:r>
-            <a:r>
-              <a:rPr lang="en-US" dirty="0" smtClean="0"/>
-              <a:t>(</a:t>
+              <a:t>Fully connected 2 Dense (</a:t>
             </a:r>
             <a:r>
               <a:rPr lang="en-US" dirty="0" err="1" smtClean="0"/>
@@ -5112,11 +5096,7 @@
             </a:r>
             <a:r>
               <a:rPr lang="en-US" dirty="0"/>
-              <a:t>Dense </a:t>
-            </a:r>
-            <a:r>
-              <a:rPr lang="en-US" dirty="0"/>
-              <a:t> </a:t>
+              <a:t>Dense  </a:t>
             </a:r>
             <a:r>
               <a:rPr lang="en-US" dirty="0" smtClean="0"/>
@@ -5220,7 +5200,6 @@
               <a:rPr lang="en-US" dirty="0"/>
               <a:t>7</a:t>
             </a:r>
-            <a:endParaRPr lang="en-US" dirty="0"/>
           </a:p>
         </p:txBody>
       </p:sp>
